--- a/syllabus/week-03-introduction-to-ETL/ETL_basics/Introduction_to_ETL.pptx
+++ b/syllabus/week-03-introduction-to-ETL/ETL_basics/Introduction_to_ETL.pptx
@@ -5,31 +5,33 @@
     <p:sldMasterId id="2147483649" r:id="rId1"/>
   </p:sldMasterIdLst>
   <p:notesMasterIdLst>
-    <p:notesMasterId r:id="rId24"/>
+    <p:notesMasterId r:id="rId26"/>
   </p:notesMasterIdLst>
   <p:sldIdLst>
     <p:sldId id="280" r:id="rId2"/>
     <p:sldId id="257" r:id="rId3"/>
-    <p:sldId id="258" r:id="rId4"/>
-    <p:sldId id="259" r:id="rId5"/>
-    <p:sldId id="260" r:id="rId6"/>
-    <p:sldId id="261" r:id="rId7"/>
-    <p:sldId id="262" r:id="rId8"/>
-    <p:sldId id="264" r:id="rId9"/>
-    <p:sldId id="265" r:id="rId10"/>
-    <p:sldId id="266" r:id="rId11"/>
-    <p:sldId id="267" r:id="rId12"/>
-    <p:sldId id="268" r:id="rId13"/>
-    <p:sldId id="269" r:id="rId14"/>
-    <p:sldId id="270" r:id="rId15"/>
-    <p:sldId id="271" r:id="rId16"/>
-    <p:sldId id="272" r:id="rId17"/>
-    <p:sldId id="273" r:id="rId18"/>
-    <p:sldId id="274" r:id="rId19"/>
-    <p:sldId id="275" r:id="rId20"/>
-    <p:sldId id="276" r:id="rId21"/>
-    <p:sldId id="277" r:id="rId22"/>
-    <p:sldId id="278" r:id="rId23"/>
+    <p:sldId id="282" r:id="rId4"/>
+    <p:sldId id="281" r:id="rId5"/>
+    <p:sldId id="258" r:id="rId6"/>
+    <p:sldId id="259" r:id="rId7"/>
+    <p:sldId id="260" r:id="rId8"/>
+    <p:sldId id="261" r:id="rId9"/>
+    <p:sldId id="262" r:id="rId10"/>
+    <p:sldId id="264" r:id="rId11"/>
+    <p:sldId id="265" r:id="rId12"/>
+    <p:sldId id="266" r:id="rId13"/>
+    <p:sldId id="267" r:id="rId14"/>
+    <p:sldId id="268" r:id="rId15"/>
+    <p:sldId id="269" r:id="rId16"/>
+    <p:sldId id="270" r:id="rId17"/>
+    <p:sldId id="271" r:id="rId18"/>
+    <p:sldId id="272" r:id="rId19"/>
+    <p:sldId id="273" r:id="rId20"/>
+    <p:sldId id="274" r:id="rId21"/>
+    <p:sldId id="275" r:id="rId22"/>
+    <p:sldId id="276" r:id="rId23"/>
+    <p:sldId id="277" r:id="rId24"/>
+    <p:sldId id="278" r:id="rId25"/>
   </p:sldIdLst>
   <p:sldSz cx="9144000" cy="6858000" type="screen4x3"/>
   <p:notesSz cx="6858000" cy="9144000"/>
@@ -954,7 +956,7 @@
           <p:cNvPr id="5" name="Rectangle 7">
             <a:extLst>
               <a:ext uri="{FF2B5EF4-FFF2-40B4-BE49-F238E27FC236}">
-                <a16:creationId xmlns:a16="http://schemas.microsoft.com/office/drawing/2014/main" id="{78C06074-44EA-4E6F-A82F-548BE2F2324B}"/>
+                <a16:creationId xmlns:a16="http://schemas.microsoft.com/office/drawing/2014/main" id="{6CADAF4E-24BB-C471-B389-05C8E62E1972}"/>
               </a:ext>
             </a:extLst>
           </p:cNvPr>
@@ -972,7 +974,7 @@
           <a:bodyPr/>
           <a:lstStyle/>
           <a:p>
-            <a:fld id="{CFF2B404-85E1-4843-AAFB-D7BE8AD391B1}" type="slidenum">
+            <a:fld id="{026E71A1-A260-8B4C-A718-E9E22CDC932E}" type="slidenum">
               <a:rPr lang="en-US" altLang="en-US"/>
               <a:pPr/>
               <a:t>11</a:t>
@@ -983,10 +985,10 @@
       </p:sp>
       <p:sp>
         <p:nvSpPr>
-          <p:cNvPr id="25602" name="Rectangle 2">
-            <a:extLst>
-              <a:ext uri="{FF2B5EF4-FFF2-40B4-BE49-F238E27FC236}">
-                <a16:creationId xmlns:a16="http://schemas.microsoft.com/office/drawing/2014/main" id="{8F394729-6B1E-3B8B-4BE1-C819E2172095}"/>
+          <p:cNvPr id="21506" name="Rectangle 2">
+            <a:extLst>
+              <a:ext uri="{FF2B5EF4-FFF2-40B4-BE49-F238E27FC236}">
+                <a16:creationId xmlns:a16="http://schemas.microsoft.com/office/drawing/2014/main" id="{98CB68C0-C3B3-423A-643D-30505DACCF55}"/>
               </a:ext>
             </a:extLst>
           </p:cNvPr>
@@ -1020,10 +1022,10 @@
       </p:sp>
       <p:sp>
         <p:nvSpPr>
-          <p:cNvPr id="25603" name="Rectangle 3">
-            <a:extLst>
-              <a:ext uri="{FF2B5EF4-FFF2-40B4-BE49-F238E27FC236}">
-                <a16:creationId xmlns:a16="http://schemas.microsoft.com/office/drawing/2014/main" id="{90CE22B0-5A03-7913-D121-9BA8F0EBBD0F}"/>
+          <p:cNvPr id="21507" name="Rectangle 3">
+            <a:extLst>
+              <a:ext uri="{FF2B5EF4-FFF2-40B4-BE49-F238E27FC236}">
+                <a16:creationId xmlns:a16="http://schemas.microsoft.com/office/drawing/2014/main" id="{439C16BD-8634-8F25-2C95-989B72F1D0EB}"/>
               </a:ext>
             </a:extLst>
           </p:cNvPr>
@@ -1060,7 +1062,7 @@
           <a:p>
             <a:r>
               <a:rPr lang="en-US" altLang="en-US"/>
-              <a:t>Data cleansing is critical to customer relationship management initiatives.</a:t>
+              <a:t>You might go to the vendors’ web sites to find a good demo to show your students.</a:t>
             </a:r>
           </a:p>
         </p:txBody>
@@ -1095,7 +1097,7 @@
           <p:cNvPr id="5" name="Rectangle 7">
             <a:extLst>
               <a:ext uri="{FF2B5EF4-FFF2-40B4-BE49-F238E27FC236}">
-                <a16:creationId xmlns:a16="http://schemas.microsoft.com/office/drawing/2014/main" id="{BB295A9A-B241-E02E-EFB6-5C037698B13A}"/>
+                <a16:creationId xmlns:a16="http://schemas.microsoft.com/office/drawing/2014/main" id="{F1028754-EEFB-9B44-ADFB-159A61D86263}"/>
               </a:ext>
             </a:extLst>
           </p:cNvPr>
@@ -1113,7 +1115,7 @@
           <a:bodyPr/>
           <a:lstStyle/>
           <a:p>
-            <a:fld id="{6ED1665D-F8EB-AF47-89D4-9190B29EB24E}" type="slidenum">
+            <a:fld id="{48179140-2ADC-904C-9DD6-7F33530AEA0C}" type="slidenum">
               <a:rPr lang="en-US" altLang="en-US"/>
               <a:pPr/>
               <a:t>12</a:t>
@@ -1124,10 +1126,10 @@
       </p:sp>
       <p:sp>
         <p:nvSpPr>
-          <p:cNvPr id="27650" name="Rectangle 2">
-            <a:extLst>
-              <a:ext uri="{FF2B5EF4-FFF2-40B4-BE49-F238E27FC236}">
-                <a16:creationId xmlns:a16="http://schemas.microsoft.com/office/drawing/2014/main" id="{1EAAD412-0AD1-D00C-1CFE-5F1031C3E596}"/>
+          <p:cNvPr id="23554" name="Rectangle 2">
+            <a:extLst>
+              <a:ext uri="{FF2B5EF4-FFF2-40B4-BE49-F238E27FC236}">
+                <a16:creationId xmlns:a16="http://schemas.microsoft.com/office/drawing/2014/main" id="{CC402518-2E44-CD93-506E-A17CF7248944}"/>
               </a:ext>
             </a:extLst>
           </p:cNvPr>
@@ -1161,10 +1163,10 @@
       </p:sp>
       <p:sp>
         <p:nvSpPr>
-          <p:cNvPr id="27651" name="Rectangle 3">
-            <a:extLst>
-              <a:ext uri="{FF2B5EF4-FFF2-40B4-BE49-F238E27FC236}">
-                <a16:creationId xmlns:a16="http://schemas.microsoft.com/office/drawing/2014/main" id="{D6AF91F1-637A-C034-610C-E5060A5BEDFC}"/>
+          <p:cNvPr id="23555" name="Rectangle 3">
+            <a:extLst>
+              <a:ext uri="{FF2B5EF4-FFF2-40B4-BE49-F238E27FC236}">
+                <a16:creationId xmlns:a16="http://schemas.microsoft.com/office/drawing/2014/main" id="{9E78AE95-CDD0-2088-12D8-73E440BC9265}"/>
               </a:ext>
             </a:extLst>
           </p:cNvPr>
@@ -1201,7 +1203,19 @@
           <a:p>
             <a:r>
               <a:rPr lang="en-US" altLang="en-US"/>
-              <a:t> A good example to use is cleansing customer data.  Most students can identify with receiving multiple copies of the same catalog because the company is not doing a good data cleansing job.</a:t>
+              <a:t>Here’s a couple of examples:</a:t>
+            </a:r>
+          </a:p>
+          <a:p>
+            <a:r>
+              <a:rPr lang="en-US" altLang="en-US"/>
+              <a:t>Dummy data -- a clerk enters 999-99-9999 as a SSN rather than asking the customer for theirs.</a:t>
+            </a:r>
+          </a:p>
+          <a:p>
+            <a:r>
+              <a:rPr lang="en-US" altLang="en-US"/>
+              <a:t>Reused primary keys -- a branch bank is closed.  Several years later, a new branch is opened, and the old identifier is used again. </a:t>
             </a:r>
           </a:p>
         </p:txBody>
@@ -1236,7 +1250,7 @@
           <p:cNvPr id="5" name="Rectangle 7">
             <a:extLst>
               <a:ext uri="{FF2B5EF4-FFF2-40B4-BE49-F238E27FC236}">
-                <a16:creationId xmlns:a16="http://schemas.microsoft.com/office/drawing/2014/main" id="{CD9C7204-F3C8-7287-0596-7F013F9825DA}"/>
+                <a16:creationId xmlns:a16="http://schemas.microsoft.com/office/drawing/2014/main" id="{78C06074-44EA-4E6F-A82F-548BE2F2324B}"/>
               </a:ext>
             </a:extLst>
           </p:cNvPr>
@@ -1254,7 +1268,7 @@
           <a:bodyPr/>
           <a:lstStyle/>
           <a:p>
-            <a:fld id="{5B5BC5FA-9E44-2C4B-95E6-E1AB16C105E7}" type="slidenum">
+            <a:fld id="{CFF2B404-85E1-4843-AAFB-D7BE8AD391B1}" type="slidenum">
               <a:rPr lang="en-US" altLang="en-US"/>
               <a:pPr/>
               <a:t>13</a:t>
@@ -1265,10 +1279,10 @@
       </p:sp>
       <p:sp>
         <p:nvSpPr>
-          <p:cNvPr id="29698" name="Rectangle 2">
-            <a:extLst>
-              <a:ext uri="{FF2B5EF4-FFF2-40B4-BE49-F238E27FC236}">
-                <a16:creationId xmlns:a16="http://schemas.microsoft.com/office/drawing/2014/main" id="{AD581AFA-7638-AC1C-7757-FA3BFF24E11F}"/>
+          <p:cNvPr id="25602" name="Rectangle 2">
+            <a:extLst>
+              <a:ext uri="{FF2B5EF4-FFF2-40B4-BE49-F238E27FC236}">
+                <a16:creationId xmlns:a16="http://schemas.microsoft.com/office/drawing/2014/main" id="{8F394729-6B1E-3B8B-4BE1-C819E2172095}"/>
               </a:ext>
             </a:extLst>
           </p:cNvPr>
@@ -1302,10 +1316,10 @@
       </p:sp>
       <p:sp>
         <p:nvSpPr>
-          <p:cNvPr id="29699" name="Rectangle 3">
-            <a:extLst>
-              <a:ext uri="{FF2B5EF4-FFF2-40B4-BE49-F238E27FC236}">
-                <a16:creationId xmlns:a16="http://schemas.microsoft.com/office/drawing/2014/main" id="{F89F1D7B-2F03-3EB5-5C8C-4D67EE10EBAE}"/>
+          <p:cNvPr id="25603" name="Rectangle 3">
+            <a:extLst>
+              <a:ext uri="{FF2B5EF4-FFF2-40B4-BE49-F238E27FC236}">
+                <a16:creationId xmlns:a16="http://schemas.microsoft.com/office/drawing/2014/main" id="{90CE22B0-5A03-7913-D121-9BA8F0EBBD0F}"/>
               </a:ext>
             </a:extLst>
           </p:cNvPr>
@@ -1342,7 +1356,7 @@
           <a:p>
             <a:r>
               <a:rPr lang="en-US" altLang="en-US"/>
-              <a:t>The record is broken down into atomic data elements.</a:t>
+              <a:t>Data cleansing is critical to customer relationship management initiatives.</a:t>
             </a:r>
           </a:p>
         </p:txBody>
@@ -1377,7 +1391,7 @@
           <p:cNvPr id="5" name="Rectangle 7">
             <a:extLst>
               <a:ext uri="{FF2B5EF4-FFF2-40B4-BE49-F238E27FC236}">
-                <a16:creationId xmlns:a16="http://schemas.microsoft.com/office/drawing/2014/main" id="{53E60884-0BCC-2665-54E5-A9A77776135A}"/>
+                <a16:creationId xmlns:a16="http://schemas.microsoft.com/office/drawing/2014/main" id="{BB295A9A-B241-E02E-EFB6-5C037698B13A}"/>
               </a:ext>
             </a:extLst>
           </p:cNvPr>
@@ -1395,7 +1409,7 @@
           <a:bodyPr/>
           <a:lstStyle/>
           <a:p>
-            <a:fld id="{73804A4D-F0A6-2145-9467-AA4A31812E7B}" type="slidenum">
+            <a:fld id="{6ED1665D-F8EB-AF47-89D4-9190B29EB24E}" type="slidenum">
               <a:rPr lang="en-US" altLang="en-US"/>
               <a:pPr/>
               <a:t>14</a:t>
@@ -1406,10 +1420,10 @@
       </p:sp>
       <p:sp>
         <p:nvSpPr>
-          <p:cNvPr id="31746" name="Rectangle 2">
-            <a:extLst>
-              <a:ext uri="{FF2B5EF4-FFF2-40B4-BE49-F238E27FC236}">
-                <a16:creationId xmlns:a16="http://schemas.microsoft.com/office/drawing/2014/main" id="{D711D732-0882-E4AD-BA3B-37FE65DA1A29}"/>
+          <p:cNvPr id="27650" name="Rectangle 2">
+            <a:extLst>
+              <a:ext uri="{FF2B5EF4-FFF2-40B4-BE49-F238E27FC236}">
+                <a16:creationId xmlns:a16="http://schemas.microsoft.com/office/drawing/2014/main" id="{1EAAD412-0AD1-D00C-1CFE-5F1031C3E596}"/>
               </a:ext>
             </a:extLst>
           </p:cNvPr>
@@ -1443,10 +1457,10 @@
       </p:sp>
       <p:sp>
         <p:nvSpPr>
-          <p:cNvPr id="31747" name="Rectangle 3">
-            <a:extLst>
-              <a:ext uri="{FF2B5EF4-FFF2-40B4-BE49-F238E27FC236}">
-                <a16:creationId xmlns:a16="http://schemas.microsoft.com/office/drawing/2014/main" id="{BA0D7CEE-3D87-E917-AA34-717AECA34392}"/>
+          <p:cNvPr id="27651" name="Rectangle 3">
+            <a:extLst>
+              <a:ext uri="{FF2B5EF4-FFF2-40B4-BE49-F238E27FC236}">
+                <a16:creationId xmlns:a16="http://schemas.microsoft.com/office/drawing/2014/main" id="{D6AF91F1-637A-C034-610C-E5060A5BEDFC}"/>
               </a:ext>
             </a:extLst>
           </p:cNvPr>
@@ -1483,7 +1497,7 @@
           <a:p>
             <a:r>
               <a:rPr lang="en-US" altLang="en-US"/>
-              <a:t>External data, such as census data, is often used in this process.</a:t>
+              <a:t> A good example to use is cleansing customer data.  Most students can identify with receiving multiple copies of the same catalog because the company is not doing a good data cleansing job.</a:t>
             </a:r>
           </a:p>
         </p:txBody>
@@ -1518,7 +1532,7 @@
           <p:cNvPr id="5" name="Rectangle 7">
             <a:extLst>
               <a:ext uri="{FF2B5EF4-FFF2-40B4-BE49-F238E27FC236}">
-                <a16:creationId xmlns:a16="http://schemas.microsoft.com/office/drawing/2014/main" id="{2D3B8853-3FFE-F80F-2759-6FE80BEFF27C}"/>
+                <a16:creationId xmlns:a16="http://schemas.microsoft.com/office/drawing/2014/main" id="{CD9C7204-F3C8-7287-0596-7F013F9825DA}"/>
               </a:ext>
             </a:extLst>
           </p:cNvPr>
@@ -1536,7 +1550,7 @@
           <a:bodyPr/>
           <a:lstStyle/>
           <a:p>
-            <a:fld id="{5ECE7C14-8540-1847-BA72-202080D28E8F}" type="slidenum">
+            <a:fld id="{5B5BC5FA-9E44-2C4B-95E6-E1AB16C105E7}" type="slidenum">
               <a:rPr lang="en-US" altLang="en-US"/>
               <a:pPr/>
               <a:t>15</a:t>
@@ -1547,10 +1561,10 @@
       </p:sp>
       <p:sp>
         <p:nvSpPr>
-          <p:cNvPr id="33794" name="Rectangle 2">
-            <a:extLst>
-              <a:ext uri="{FF2B5EF4-FFF2-40B4-BE49-F238E27FC236}">
-                <a16:creationId xmlns:a16="http://schemas.microsoft.com/office/drawing/2014/main" id="{A0897805-C58B-B928-1D5A-60AEAEB32D29}"/>
+          <p:cNvPr id="29698" name="Rectangle 2">
+            <a:extLst>
+              <a:ext uri="{FF2B5EF4-FFF2-40B4-BE49-F238E27FC236}">
+                <a16:creationId xmlns:a16="http://schemas.microsoft.com/office/drawing/2014/main" id="{AD581AFA-7638-AC1C-7757-FA3BFF24E11F}"/>
               </a:ext>
             </a:extLst>
           </p:cNvPr>
@@ -1584,10 +1598,10 @@
       </p:sp>
       <p:sp>
         <p:nvSpPr>
-          <p:cNvPr id="33795" name="Rectangle 3">
-            <a:extLst>
-              <a:ext uri="{FF2B5EF4-FFF2-40B4-BE49-F238E27FC236}">
-                <a16:creationId xmlns:a16="http://schemas.microsoft.com/office/drawing/2014/main" id="{B3AD5FB6-E758-54B7-26C1-28CEC9CB4953}"/>
+          <p:cNvPr id="29699" name="Rectangle 3">
+            <a:extLst>
+              <a:ext uri="{FF2B5EF4-FFF2-40B4-BE49-F238E27FC236}">
+                <a16:creationId xmlns:a16="http://schemas.microsoft.com/office/drawing/2014/main" id="{F89F1D7B-2F03-3EB5-5C8C-4D67EE10EBAE}"/>
               </a:ext>
             </a:extLst>
           </p:cNvPr>
@@ -1624,7 +1638,7 @@
           <a:p>
             <a:r>
               <a:rPr lang="en-US" altLang="en-US"/>
-              <a:t>Companies decide on the standards that they want to use.</a:t>
+              <a:t>The record is broken down into atomic data elements.</a:t>
             </a:r>
           </a:p>
         </p:txBody>
@@ -1659,7 +1673,7 @@
           <p:cNvPr id="5" name="Rectangle 7">
             <a:extLst>
               <a:ext uri="{FF2B5EF4-FFF2-40B4-BE49-F238E27FC236}">
-                <a16:creationId xmlns:a16="http://schemas.microsoft.com/office/drawing/2014/main" id="{CA6FB312-42E9-EE0C-0AF5-A6BA7286F5A2}"/>
+                <a16:creationId xmlns:a16="http://schemas.microsoft.com/office/drawing/2014/main" id="{53E60884-0BCC-2665-54E5-A9A77776135A}"/>
               </a:ext>
             </a:extLst>
           </p:cNvPr>
@@ -1677,7 +1691,7 @@
           <a:bodyPr/>
           <a:lstStyle/>
           <a:p>
-            <a:fld id="{DCFD1237-F7BD-E145-963A-7E3B2749AD6A}" type="slidenum">
+            <a:fld id="{73804A4D-F0A6-2145-9467-AA4A31812E7B}" type="slidenum">
               <a:rPr lang="en-US" altLang="en-US"/>
               <a:pPr/>
               <a:t>16</a:t>
@@ -1688,10 +1702,10 @@
       </p:sp>
       <p:sp>
         <p:nvSpPr>
-          <p:cNvPr id="35842" name="Rectangle 2">
-            <a:extLst>
-              <a:ext uri="{FF2B5EF4-FFF2-40B4-BE49-F238E27FC236}">
-                <a16:creationId xmlns:a16="http://schemas.microsoft.com/office/drawing/2014/main" id="{9961E117-FBAB-CBBA-1310-493B109AE85B}"/>
+          <p:cNvPr id="31746" name="Rectangle 2">
+            <a:extLst>
+              <a:ext uri="{FF2B5EF4-FFF2-40B4-BE49-F238E27FC236}">
+                <a16:creationId xmlns:a16="http://schemas.microsoft.com/office/drawing/2014/main" id="{D711D732-0882-E4AD-BA3B-37FE65DA1A29}"/>
               </a:ext>
             </a:extLst>
           </p:cNvPr>
@@ -1725,10 +1739,10 @@
       </p:sp>
       <p:sp>
         <p:nvSpPr>
-          <p:cNvPr id="35843" name="Rectangle 3">
-            <a:extLst>
-              <a:ext uri="{FF2B5EF4-FFF2-40B4-BE49-F238E27FC236}">
-                <a16:creationId xmlns:a16="http://schemas.microsoft.com/office/drawing/2014/main" id="{2D8B58F3-B59C-F5FC-E255-2991F504D1FE}"/>
+          <p:cNvPr id="31747" name="Rectangle 3">
+            <a:extLst>
+              <a:ext uri="{FF2B5EF4-FFF2-40B4-BE49-F238E27FC236}">
+                <a16:creationId xmlns:a16="http://schemas.microsoft.com/office/drawing/2014/main" id="{BA0D7CEE-3D87-E917-AA34-717AECA34392}"/>
               </a:ext>
             </a:extLst>
           </p:cNvPr>
@@ -1765,7 +1779,7 @@
           <a:p>
             <a:r>
               <a:rPr lang="en-US" altLang="en-US"/>
-              <a:t>Commercial data cleansing software often uses AI techniques to match records.</a:t>
+              <a:t>External data, such as census data, is often used in this process.</a:t>
             </a:r>
           </a:p>
         </p:txBody>
@@ -1800,7 +1814,7 @@
           <p:cNvPr id="5" name="Rectangle 7">
             <a:extLst>
               <a:ext uri="{FF2B5EF4-FFF2-40B4-BE49-F238E27FC236}">
-                <a16:creationId xmlns:a16="http://schemas.microsoft.com/office/drawing/2014/main" id="{320C075C-4614-6A3D-E9CA-0EEAD84294DD}"/>
+                <a16:creationId xmlns:a16="http://schemas.microsoft.com/office/drawing/2014/main" id="{2D3B8853-3FFE-F80F-2759-6FE80BEFF27C}"/>
               </a:ext>
             </a:extLst>
           </p:cNvPr>
@@ -1818,7 +1832,7 @@
           <a:bodyPr/>
           <a:lstStyle/>
           <a:p>
-            <a:fld id="{0DC42492-5C72-9C43-9852-6EAB82EA8D02}" type="slidenum">
+            <a:fld id="{5ECE7C14-8540-1847-BA72-202080D28E8F}" type="slidenum">
               <a:rPr lang="en-US" altLang="en-US"/>
               <a:pPr/>
               <a:t>17</a:t>
@@ -1829,10 +1843,10 @@
       </p:sp>
       <p:sp>
         <p:nvSpPr>
-          <p:cNvPr id="37890" name="Rectangle 2">
-            <a:extLst>
-              <a:ext uri="{FF2B5EF4-FFF2-40B4-BE49-F238E27FC236}">
-                <a16:creationId xmlns:a16="http://schemas.microsoft.com/office/drawing/2014/main" id="{A1916BEA-DE79-4B5A-F915-D0C8CA3EC3EC}"/>
+          <p:cNvPr id="33794" name="Rectangle 2">
+            <a:extLst>
+              <a:ext uri="{FF2B5EF4-FFF2-40B4-BE49-F238E27FC236}">
+                <a16:creationId xmlns:a16="http://schemas.microsoft.com/office/drawing/2014/main" id="{A0897805-C58B-B928-1D5A-60AEAEB32D29}"/>
               </a:ext>
             </a:extLst>
           </p:cNvPr>
@@ -1866,10 +1880,10 @@
       </p:sp>
       <p:sp>
         <p:nvSpPr>
-          <p:cNvPr id="37891" name="Rectangle 3">
-            <a:extLst>
-              <a:ext uri="{FF2B5EF4-FFF2-40B4-BE49-F238E27FC236}">
-                <a16:creationId xmlns:a16="http://schemas.microsoft.com/office/drawing/2014/main" id="{0EC970F6-F6D3-2EDD-4AFE-6EB8936CDE33}"/>
+          <p:cNvPr id="33795" name="Rectangle 3">
+            <a:extLst>
+              <a:ext uri="{FF2B5EF4-FFF2-40B4-BE49-F238E27FC236}">
+                <a16:creationId xmlns:a16="http://schemas.microsoft.com/office/drawing/2014/main" id="{B3AD5FB6-E758-54B7-26C1-28CEC9CB4953}"/>
               </a:ext>
             </a:extLst>
           </p:cNvPr>
@@ -1906,7 +1920,7 @@
           <a:p>
             <a:r>
               <a:rPr lang="en-US" altLang="en-US"/>
-              <a:t>All of the data are now combined in a standard format.</a:t>
+              <a:t>Companies decide on the standards that they want to use.</a:t>
             </a:r>
           </a:p>
         </p:txBody>
@@ -1941,7 +1955,7 @@
           <p:cNvPr id="5" name="Rectangle 7">
             <a:extLst>
               <a:ext uri="{FF2B5EF4-FFF2-40B4-BE49-F238E27FC236}">
-                <a16:creationId xmlns:a16="http://schemas.microsoft.com/office/drawing/2014/main" id="{1BA17C5E-D6F7-A749-5DE7-A1EF6C11DACC}"/>
+                <a16:creationId xmlns:a16="http://schemas.microsoft.com/office/drawing/2014/main" id="{CA6FB312-42E9-EE0C-0AF5-A6BA7286F5A2}"/>
               </a:ext>
             </a:extLst>
           </p:cNvPr>
@@ -1959,7 +1973,7 @@
           <a:bodyPr/>
           <a:lstStyle/>
           <a:p>
-            <a:fld id="{96F33C76-E048-1545-BA34-53208DE9B37E}" type="slidenum">
+            <a:fld id="{DCFD1237-F7BD-E145-963A-7E3B2749AD6A}" type="slidenum">
               <a:rPr lang="en-US" altLang="en-US"/>
               <a:pPr/>
               <a:t>18</a:t>
@@ -1970,10 +1984,10 @@
       </p:sp>
       <p:sp>
         <p:nvSpPr>
-          <p:cNvPr id="39938" name="Rectangle 2">
-            <a:extLst>
-              <a:ext uri="{FF2B5EF4-FFF2-40B4-BE49-F238E27FC236}">
-                <a16:creationId xmlns:a16="http://schemas.microsoft.com/office/drawing/2014/main" id="{EDAB389B-6028-CE79-6A92-F509DFA9F44D}"/>
+          <p:cNvPr id="35842" name="Rectangle 2">
+            <a:extLst>
+              <a:ext uri="{FF2B5EF4-FFF2-40B4-BE49-F238E27FC236}">
+                <a16:creationId xmlns:a16="http://schemas.microsoft.com/office/drawing/2014/main" id="{9961E117-FBAB-CBBA-1310-493B109AE85B}"/>
               </a:ext>
             </a:extLst>
           </p:cNvPr>
@@ -2007,10 +2021,10 @@
       </p:sp>
       <p:sp>
         <p:nvSpPr>
-          <p:cNvPr id="39939" name="Rectangle 3">
-            <a:extLst>
-              <a:ext uri="{FF2B5EF4-FFF2-40B4-BE49-F238E27FC236}">
-                <a16:creationId xmlns:a16="http://schemas.microsoft.com/office/drawing/2014/main" id="{9945491F-7C4B-AD91-E385-E545DB8C80C2}"/>
+          <p:cNvPr id="35843" name="Rectangle 3">
+            <a:extLst>
+              <a:ext uri="{FF2B5EF4-FFF2-40B4-BE49-F238E27FC236}">
+                <a16:creationId xmlns:a16="http://schemas.microsoft.com/office/drawing/2014/main" id="{2D8B58F3-B59C-F5FC-E255-2991F504D1FE}"/>
               </a:ext>
             </a:extLst>
           </p:cNvPr>
@@ -2047,7 +2061,7 @@
           <a:p>
             <a:r>
               <a:rPr lang="en-US" altLang="en-US"/>
-              <a:t>Data staging is used in cleansing, transforming, and integrating the data.</a:t>
+              <a:t>Commercial data cleansing software often uses AI techniques to match records.</a:t>
             </a:r>
           </a:p>
         </p:txBody>
@@ -2082,7 +2096,7 @@
           <p:cNvPr id="5" name="Rectangle 7">
             <a:extLst>
               <a:ext uri="{FF2B5EF4-FFF2-40B4-BE49-F238E27FC236}">
-                <a16:creationId xmlns:a16="http://schemas.microsoft.com/office/drawing/2014/main" id="{6AF2152F-5AC8-7530-7587-3EABDF27DB49}"/>
+                <a16:creationId xmlns:a16="http://schemas.microsoft.com/office/drawing/2014/main" id="{320C075C-4614-6A3D-E9CA-0EEAD84294DD}"/>
               </a:ext>
             </a:extLst>
           </p:cNvPr>
@@ -2100,7 +2114,7 @@
           <a:bodyPr/>
           <a:lstStyle/>
           <a:p>
-            <a:fld id="{67EC7A12-2ABE-DA42-9147-1353AD4102CA}" type="slidenum">
+            <a:fld id="{0DC42492-5C72-9C43-9852-6EAB82EA8D02}" type="slidenum">
               <a:rPr lang="en-US" altLang="en-US"/>
               <a:pPr/>
               <a:t>19</a:t>
@@ -2111,10 +2125,10 @@
       </p:sp>
       <p:sp>
         <p:nvSpPr>
-          <p:cNvPr id="41986" name="Rectangle 2">
-            <a:extLst>
-              <a:ext uri="{FF2B5EF4-FFF2-40B4-BE49-F238E27FC236}">
-                <a16:creationId xmlns:a16="http://schemas.microsoft.com/office/drawing/2014/main" id="{AA874B73-C149-F85E-8804-4AAFBFEBC4B7}"/>
+          <p:cNvPr id="37890" name="Rectangle 2">
+            <a:extLst>
+              <a:ext uri="{FF2B5EF4-FFF2-40B4-BE49-F238E27FC236}">
+                <a16:creationId xmlns:a16="http://schemas.microsoft.com/office/drawing/2014/main" id="{A1916BEA-DE79-4B5A-F915-D0C8CA3EC3EC}"/>
               </a:ext>
             </a:extLst>
           </p:cNvPr>
@@ -2148,10 +2162,10 @@
       </p:sp>
       <p:sp>
         <p:nvSpPr>
-          <p:cNvPr id="41987" name="Rectangle 3">
-            <a:extLst>
-              <a:ext uri="{FF2B5EF4-FFF2-40B4-BE49-F238E27FC236}">
-                <a16:creationId xmlns:a16="http://schemas.microsoft.com/office/drawing/2014/main" id="{59050F73-17A6-5E0A-2019-B4CE278810B0}"/>
+          <p:cNvPr id="37891" name="Rectangle 3">
+            <a:extLst>
+              <a:ext uri="{FF2B5EF4-FFF2-40B4-BE49-F238E27FC236}">
+                <a16:creationId xmlns:a16="http://schemas.microsoft.com/office/drawing/2014/main" id="{0EC970F6-F6D3-2EDD-4AFE-6EB8936CDE33}"/>
               </a:ext>
             </a:extLst>
           </p:cNvPr>
@@ -2188,7 +2202,7 @@
           <a:p>
             <a:r>
               <a:rPr lang="en-US" altLang="en-US"/>
-              <a:t>Aggregates, such as sales totals, are often precalculated and stored in the warehouse to speed queries that require summary totals.</a:t>
+              <a:t>All of the data are now combined in a standard format.</a:t>
             </a:r>
           </a:p>
         </p:txBody>
@@ -2223,7 +2237,7 @@
           <p:cNvPr id="5" name="Rectangle 7">
             <a:extLst>
               <a:ext uri="{FF2B5EF4-FFF2-40B4-BE49-F238E27FC236}">
-                <a16:creationId xmlns:a16="http://schemas.microsoft.com/office/drawing/2014/main" id="{E7105DDD-CC4A-7E1F-222B-4812C9F438EB}"/>
+                <a16:creationId xmlns:a16="http://schemas.microsoft.com/office/drawing/2014/main" id="{1BA17C5E-D6F7-A749-5DE7-A1EF6C11DACC}"/>
               </a:ext>
             </a:extLst>
           </p:cNvPr>
@@ -2241,7 +2255,7 @@
           <a:bodyPr/>
           <a:lstStyle/>
           <a:p>
-            <a:fld id="{990BCE01-9466-1344-A93A-7C7950E0D3F9}" type="slidenum">
+            <a:fld id="{96F33C76-E048-1545-BA34-53208DE9B37E}" type="slidenum">
               <a:rPr lang="en-US" altLang="en-US"/>
               <a:pPr/>
               <a:t>20</a:t>
@@ -2252,10 +2266,10 @@
       </p:sp>
       <p:sp>
         <p:nvSpPr>
-          <p:cNvPr id="44034" name="Rectangle 2">
-            <a:extLst>
-              <a:ext uri="{FF2B5EF4-FFF2-40B4-BE49-F238E27FC236}">
-                <a16:creationId xmlns:a16="http://schemas.microsoft.com/office/drawing/2014/main" id="{4098F5A0-C810-A92F-6E9D-0FF09479DB12}"/>
+          <p:cNvPr id="39938" name="Rectangle 2">
+            <a:extLst>
+              <a:ext uri="{FF2B5EF4-FFF2-40B4-BE49-F238E27FC236}">
+                <a16:creationId xmlns:a16="http://schemas.microsoft.com/office/drawing/2014/main" id="{EDAB389B-6028-CE79-6A92-F509DFA9F44D}"/>
               </a:ext>
             </a:extLst>
           </p:cNvPr>
@@ -2289,10 +2303,10 @@
       </p:sp>
       <p:sp>
         <p:nvSpPr>
-          <p:cNvPr id="44035" name="Rectangle 3">
-            <a:extLst>
-              <a:ext uri="{FF2B5EF4-FFF2-40B4-BE49-F238E27FC236}">
-                <a16:creationId xmlns:a16="http://schemas.microsoft.com/office/drawing/2014/main" id="{C6070A2A-FB1E-33C8-6AA5-F784F1165C0E}"/>
+          <p:cNvPr id="39939" name="Rectangle 3">
+            <a:extLst>
+              <a:ext uri="{FF2B5EF4-FFF2-40B4-BE49-F238E27FC236}">
+                <a16:creationId xmlns:a16="http://schemas.microsoft.com/office/drawing/2014/main" id="{9945491F-7C4B-AD91-E385-E545DB8C80C2}"/>
               </a:ext>
             </a:extLst>
           </p:cNvPr>
@@ -2329,7 +2343,7 @@
           <a:p>
             <a:r>
               <a:rPr lang="en-US" altLang="en-US"/>
-              <a:t>Most loads involve only change data rather than a bulk reloading of all of the data in the warehouse.</a:t>
+              <a:t>Data staging is used in cleansing, transforming, and integrating the data.</a:t>
             </a:r>
           </a:p>
         </p:txBody>
@@ -2347,7 +2361,13 @@
   <p:cSld>
     <p:spTree>
       <p:nvGrpSpPr>
-        <p:cNvPr id="1" name=""/>
+        <p:cNvPr id="1" name="">
+          <a:extLst>
+            <a:ext uri="{FF2B5EF4-FFF2-40B4-BE49-F238E27FC236}">
+              <a16:creationId xmlns:a16="http://schemas.microsoft.com/office/drawing/2014/main" id="{FB124980-EE9A-6B94-8267-27EA645A7AAD}"/>
+            </a:ext>
+          </a:extLst>
+        </p:cNvPr>
         <p:cNvGrpSpPr/>
         <p:nvPr/>
       </p:nvGrpSpPr>
@@ -2364,7 +2384,7 @@
           <p:cNvPr id="5" name="Rectangle 7">
             <a:extLst>
               <a:ext uri="{FF2B5EF4-FFF2-40B4-BE49-F238E27FC236}">
-                <a16:creationId xmlns:a16="http://schemas.microsoft.com/office/drawing/2014/main" id="{E68149B4-D837-9E0D-451E-1D52590D1435}"/>
+                <a16:creationId xmlns:a16="http://schemas.microsoft.com/office/drawing/2014/main" id="{B74D6801-C753-8A72-781F-4B2B315320B4}"/>
               </a:ext>
             </a:extLst>
           </p:cNvPr>
@@ -2382,7 +2402,7 @@
           <a:bodyPr/>
           <a:lstStyle/>
           <a:p>
-            <a:fld id="{7A329E8B-B537-F542-BA0F-7FB4A706C892}" type="slidenum">
+            <a:fld id="{49379989-DAE9-BF44-9411-8A8BDD99AC2B}" type="slidenum">
               <a:rPr lang="en-US" altLang="en-US"/>
               <a:pPr/>
               <a:t>3</a:t>
@@ -2393,10 +2413,10 @@
       </p:sp>
       <p:sp>
         <p:nvSpPr>
-          <p:cNvPr id="7170" name="Rectangle 2">
-            <a:extLst>
-              <a:ext uri="{FF2B5EF4-FFF2-40B4-BE49-F238E27FC236}">
-                <a16:creationId xmlns:a16="http://schemas.microsoft.com/office/drawing/2014/main" id="{4A283B9D-A25E-0AAA-D8EA-93C0DB14D652}"/>
+          <p:cNvPr id="5122" name="Rectangle 2">
+            <a:extLst>
+              <a:ext uri="{FF2B5EF4-FFF2-40B4-BE49-F238E27FC236}">
+                <a16:creationId xmlns:a16="http://schemas.microsoft.com/office/drawing/2014/main" id="{49CCDB98-1E54-6331-C8FB-1019DEBC3356}"/>
               </a:ext>
             </a:extLst>
           </p:cNvPr>
@@ -2430,10 +2450,10 @@
       </p:sp>
       <p:sp>
         <p:nvSpPr>
-          <p:cNvPr id="7171" name="Rectangle 3">
-            <a:extLst>
-              <a:ext uri="{FF2B5EF4-FFF2-40B4-BE49-F238E27FC236}">
-                <a16:creationId xmlns:a16="http://schemas.microsoft.com/office/drawing/2014/main" id="{D1123358-EA05-C460-BC4F-61678ADBEBF4}"/>
+          <p:cNvPr id="5123" name="Rectangle 3">
+            <a:extLst>
+              <a:ext uri="{FF2B5EF4-FFF2-40B4-BE49-F238E27FC236}">
+                <a16:creationId xmlns:a16="http://schemas.microsoft.com/office/drawing/2014/main" id="{BEAE90BC-464E-463E-01B0-8879E4EF4101}"/>
               </a:ext>
             </a:extLst>
           </p:cNvPr>
@@ -2470,12 +2490,17 @@
           <a:p>
             <a:r>
               <a:rPr lang="en-US" altLang="en-US"/>
-              <a:t>The key is to have an overall plan, processes, and technologies for integrating the different marts.  The marts may be logically rather than physically separate.</a:t>
+              <a:t>There is still debate over which approach is best.</a:t>
             </a:r>
           </a:p>
         </p:txBody>
       </p:sp>
     </p:spTree>
+    <p:extLst>
+      <p:ext uri="{BB962C8B-B14F-4D97-AF65-F5344CB8AC3E}">
+        <p14:creationId xmlns:p14="http://schemas.microsoft.com/office/powerpoint/2010/main" val="1495588761"/>
+      </p:ext>
+    </p:extLst>
   </p:cSld>
   <p:clrMapOvr>
     <a:masterClrMapping/>
@@ -2505,7 +2530,7 @@
           <p:cNvPr id="5" name="Rectangle 7">
             <a:extLst>
               <a:ext uri="{FF2B5EF4-FFF2-40B4-BE49-F238E27FC236}">
-                <a16:creationId xmlns:a16="http://schemas.microsoft.com/office/drawing/2014/main" id="{411490A5-4E9F-E1E3-D56D-055D506056A0}"/>
+                <a16:creationId xmlns:a16="http://schemas.microsoft.com/office/drawing/2014/main" id="{6AF2152F-5AC8-7530-7587-3EABDF27DB49}"/>
               </a:ext>
             </a:extLst>
           </p:cNvPr>
@@ -2523,7 +2548,7 @@
           <a:bodyPr/>
           <a:lstStyle/>
           <a:p>
-            <a:fld id="{0BF50681-52B1-A242-9C1F-FF7846B74038}" type="slidenum">
+            <a:fld id="{67EC7A12-2ABE-DA42-9147-1353AD4102CA}" type="slidenum">
               <a:rPr lang="en-US" altLang="en-US"/>
               <a:pPr/>
               <a:t>21</a:t>
@@ -2534,10 +2559,10 @@
       </p:sp>
       <p:sp>
         <p:nvSpPr>
-          <p:cNvPr id="46082" name="Rectangle 2">
-            <a:extLst>
-              <a:ext uri="{FF2B5EF4-FFF2-40B4-BE49-F238E27FC236}">
-                <a16:creationId xmlns:a16="http://schemas.microsoft.com/office/drawing/2014/main" id="{1F54C25D-535E-6D1B-5C24-9D60FE880DAF}"/>
+          <p:cNvPr id="41986" name="Rectangle 2">
+            <a:extLst>
+              <a:ext uri="{FF2B5EF4-FFF2-40B4-BE49-F238E27FC236}">
+                <a16:creationId xmlns:a16="http://schemas.microsoft.com/office/drawing/2014/main" id="{AA874B73-C149-F85E-8804-4AAFBFEBC4B7}"/>
               </a:ext>
             </a:extLst>
           </p:cNvPr>
@@ -2571,10 +2596,10 @@
       </p:sp>
       <p:sp>
         <p:nvSpPr>
-          <p:cNvPr id="46083" name="Rectangle 3">
-            <a:extLst>
-              <a:ext uri="{FF2B5EF4-FFF2-40B4-BE49-F238E27FC236}">
-                <a16:creationId xmlns:a16="http://schemas.microsoft.com/office/drawing/2014/main" id="{055AF3A8-6D58-8F36-F55B-95268C530EA9}"/>
+          <p:cNvPr id="41987" name="Rectangle 3">
+            <a:extLst>
+              <a:ext uri="{FF2B5EF4-FFF2-40B4-BE49-F238E27FC236}">
+                <a16:creationId xmlns:a16="http://schemas.microsoft.com/office/drawing/2014/main" id="{59050F73-17A6-5E0A-2019-B4CE278810B0}"/>
               </a:ext>
             </a:extLst>
           </p:cNvPr>
@@ -2611,7 +2636,7 @@
           <a:p>
             <a:r>
               <a:rPr lang="en-US" altLang="en-US"/>
-              <a:t>The importance of meta data is now realized, even though creating it is not glamorous work.</a:t>
+              <a:t>Aggregates, such as sales totals, are often precalculated and stored in the warehouse to speed queries that require summary totals.</a:t>
             </a:r>
           </a:p>
         </p:txBody>
@@ -2646,7 +2671,7 @@
           <p:cNvPr id="5" name="Rectangle 7">
             <a:extLst>
               <a:ext uri="{FF2B5EF4-FFF2-40B4-BE49-F238E27FC236}">
-                <a16:creationId xmlns:a16="http://schemas.microsoft.com/office/drawing/2014/main" id="{FE92450D-FE26-10D5-498C-45C56509BE32}"/>
+                <a16:creationId xmlns:a16="http://schemas.microsoft.com/office/drawing/2014/main" id="{E7105DDD-CC4A-7E1F-222B-4812C9F438EB}"/>
               </a:ext>
             </a:extLst>
           </p:cNvPr>
@@ -2664,7 +2689,7 @@
           <a:bodyPr/>
           <a:lstStyle/>
           <a:p>
-            <a:fld id="{1ECD7DA0-C408-BF4D-9B15-24D2A047E248}" type="slidenum">
+            <a:fld id="{990BCE01-9466-1344-A93A-7C7950E0D3F9}" type="slidenum">
               <a:rPr lang="en-US" altLang="en-US"/>
               <a:pPr/>
               <a:t>22</a:t>
@@ -2675,10 +2700,10 @@
       </p:sp>
       <p:sp>
         <p:nvSpPr>
-          <p:cNvPr id="48130" name="Rectangle 2">
-            <a:extLst>
-              <a:ext uri="{FF2B5EF4-FFF2-40B4-BE49-F238E27FC236}">
-                <a16:creationId xmlns:a16="http://schemas.microsoft.com/office/drawing/2014/main" id="{92D6B76D-73A6-6D3B-FC2D-714FB2B6AAAA}"/>
+          <p:cNvPr id="44034" name="Rectangle 2">
+            <a:extLst>
+              <a:ext uri="{FF2B5EF4-FFF2-40B4-BE49-F238E27FC236}">
+                <a16:creationId xmlns:a16="http://schemas.microsoft.com/office/drawing/2014/main" id="{4098F5A0-C810-A92F-6E9D-0FF09479DB12}"/>
               </a:ext>
             </a:extLst>
           </p:cNvPr>
@@ -2712,10 +2737,10 @@
       </p:sp>
       <p:sp>
         <p:nvSpPr>
-          <p:cNvPr id="48131" name="Rectangle 3">
-            <a:extLst>
-              <a:ext uri="{FF2B5EF4-FFF2-40B4-BE49-F238E27FC236}">
-                <a16:creationId xmlns:a16="http://schemas.microsoft.com/office/drawing/2014/main" id="{10749233-CAFA-A90E-C2EB-465488CF251E}"/>
+          <p:cNvPr id="44035" name="Rectangle 3">
+            <a:extLst>
+              <a:ext uri="{FF2B5EF4-FFF2-40B4-BE49-F238E27FC236}">
+                <a16:creationId xmlns:a16="http://schemas.microsoft.com/office/drawing/2014/main" id="{C6070A2A-FB1E-33C8-6AA5-F784F1165C0E}"/>
               </a:ext>
             </a:extLst>
           </p:cNvPr>
@@ -2752,11 +2777,8 @@
           <a:p>
             <a:r>
               <a:rPr lang="en-US" altLang="en-US"/>
-              <a:t>Historically, each vendor had their own meta data solution -- which was incompatible with other vendors’ solutions.  This is changing.</a:t>
-            </a:r>
-          </a:p>
-          <a:p>
-            <a:endParaRPr lang="en-US" altLang="en-US"/>
+              <a:t>Most loads involve only change data rather than a bulk reloading of all of the data in the warehouse.</a:t>
+            </a:r>
           </a:p>
         </p:txBody>
       </p:sp>
@@ -2768,7 +2790,7 @@
 </p:notes>
 </file>
 
-<file path=ppt/notesSlides/notesSlide3.xml><?xml version="1.0" encoding="utf-8"?>
+<file path=ppt/notesSlides/notesSlide22.xml><?xml version="1.0" encoding="utf-8"?>
 <p:notes xmlns:a="http://schemas.openxmlformats.org/drawingml/2006/main" xmlns:r="http://schemas.openxmlformats.org/officeDocument/2006/relationships" xmlns:p="http://schemas.openxmlformats.org/presentationml/2006/main">
   <p:cSld>
     <p:spTree>
@@ -2790,7 +2812,7 @@
           <p:cNvPr id="5" name="Rectangle 7">
             <a:extLst>
               <a:ext uri="{FF2B5EF4-FFF2-40B4-BE49-F238E27FC236}">
-                <a16:creationId xmlns:a16="http://schemas.microsoft.com/office/drawing/2014/main" id="{D956EA94-3478-BEDE-10BE-7EB10C620E08}"/>
+                <a16:creationId xmlns:a16="http://schemas.microsoft.com/office/drawing/2014/main" id="{411490A5-4E9F-E1E3-D56D-055D506056A0}"/>
               </a:ext>
             </a:extLst>
           </p:cNvPr>
@@ -2808,10 +2830,10 @@
           <a:bodyPr/>
           <a:lstStyle/>
           <a:p>
-            <a:fld id="{CB80C740-874B-EF4D-B4AE-B8A31809B8EF}" type="slidenum">
+            <a:fld id="{0BF50681-52B1-A242-9C1F-FF7846B74038}" type="slidenum">
               <a:rPr lang="en-US" altLang="en-US"/>
               <a:pPr/>
-              <a:t>4</a:t>
+              <a:t>23</a:t>
             </a:fld>
             <a:endParaRPr lang="en-US" altLang="en-US"/>
           </a:p>
@@ -2819,10 +2841,10 @@
       </p:sp>
       <p:sp>
         <p:nvSpPr>
-          <p:cNvPr id="9218" name="Rectangle 2">
-            <a:extLst>
-              <a:ext uri="{FF2B5EF4-FFF2-40B4-BE49-F238E27FC236}">
-                <a16:creationId xmlns:a16="http://schemas.microsoft.com/office/drawing/2014/main" id="{4D481DC3-FDE3-9697-5CF3-92C88FD7D619}"/>
+          <p:cNvPr id="46082" name="Rectangle 2">
+            <a:extLst>
+              <a:ext uri="{FF2B5EF4-FFF2-40B4-BE49-F238E27FC236}">
+                <a16:creationId xmlns:a16="http://schemas.microsoft.com/office/drawing/2014/main" id="{1F54C25D-535E-6D1B-5C24-9D60FE880DAF}"/>
               </a:ext>
             </a:extLst>
           </p:cNvPr>
@@ -2856,10 +2878,10 @@
       </p:sp>
       <p:sp>
         <p:nvSpPr>
-          <p:cNvPr id="9219" name="Rectangle 3">
-            <a:extLst>
-              <a:ext uri="{FF2B5EF4-FFF2-40B4-BE49-F238E27FC236}">
-                <a16:creationId xmlns:a16="http://schemas.microsoft.com/office/drawing/2014/main" id="{CC4A1855-2390-AE3D-A02D-4B72E4ECA9C6}"/>
+          <p:cNvPr id="46083" name="Rectangle 3">
+            <a:extLst>
+              <a:ext uri="{FF2B5EF4-FFF2-40B4-BE49-F238E27FC236}">
+                <a16:creationId xmlns:a16="http://schemas.microsoft.com/office/drawing/2014/main" id="{055AF3A8-6D58-8F36-F55B-95268C530EA9}"/>
               </a:ext>
             </a:extLst>
           </p:cNvPr>
@@ -2896,12 +2918,308 @@
           <a:p>
             <a:r>
               <a:rPr lang="en-US" altLang="en-US"/>
-              <a:t>Even with the enterprise-wide strategy, the warehouse is developed in phases and each phase should be designed to deliver business value.</a:t>
+              <a:t>The importance of meta data is now realized, even though creating it is not glamorous work.</a:t>
             </a:r>
           </a:p>
         </p:txBody>
       </p:sp>
     </p:spTree>
+  </p:cSld>
+  <p:clrMapOvr>
+    <a:masterClrMapping/>
+  </p:clrMapOvr>
+</p:notes>
+</file>
+
+<file path=ppt/notesSlides/notesSlide23.xml><?xml version="1.0" encoding="utf-8"?>
+<p:notes xmlns:a="http://schemas.openxmlformats.org/drawingml/2006/main" xmlns:r="http://schemas.openxmlformats.org/officeDocument/2006/relationships" xmlns:p="http://schemas.openxmlformats.org/presentationml/2006/main">
+  <p:cSld>
+    <p:spTree>
+      <p:nvGrpSpPr>
+        <p:cNvPr id="1" name=""/>
+        <p:cNvGrpSpPr/>
+        <p:nvPr/>
+      </p:nvGrpSpPr>
+      <p:grpSpPr>
+        <a:xfrm>
+          <a:off x="0" y="0"/>
+          <a:ext cx="0" cy="0"/>
+          <a:chOff x="0" y="0"/>
+          <a:chExt cx="0" cy="0"/>
+        </a:xfrm>
+      </p:grpSpPr>
+      <p:sp>
+        <p:nvSpPr>
+          <p:cNvPr id="5" name="Rectangle 7">
+            <a:extLst>
+              <a:ext uri="{FF2B5EF4-FFF2-40B4-BE49-F238E27FC236}">
+                <a16:creationId xmlns:a16="http://schemas.microsoft.com/office/drawing/2014/main" id="{FE92450D-FE26-10D5-498C-45C56509BE32}"/>
+              </a:ext>
+            </a:extLst>
+          </p:cNvPr>
+          <p:cNvSpPr>
+            <a:spLocks noGrp="1" noChangeArrowheads="1"/>
+          </p:cNvSpPr>
+          <p:nvPr>
+            <p:ph type="sldNum" sz="quarter" idx="5"/>
+          </p:nvPr>
+        </p:nvSpPr>
+        <p:spPr>
+          <a:ln/>
+        </p:spPr>
+        <p:txBody>
+          <a:bodyPr/>
+          <a:lstStyle/>
+          <a:p>
+            <a:fld id="{1ECD7DA0-C408-BF4D-9B15-24D2A047E248}" type="slidenum">
+              <a:rPr lang="en-US" altLang="en-US"/>
+              <a:pPr/>
+              <a:t>24</a:t>
+            </a:fld>
+            <a:endParaRPr lang="en-US" altLang="en-US"/>
+          </a:p>
+        </p:txBody>
+      </p:sp>
+      <p:sp>
+        <p:nvSpPr>
+          <p:cNvPr id="48130" name="Rectangle 2">
+            <a:extLst>
+              <a:ext uri="{FF2B5EF4-FFF2-40B4-BE49-F238E27FC236}">
+                <a16:creationId xmlns:a16="http://schemas.microsoft.com/office/drawing/2014/main" id="{92D6B76D-73A6-6D3B-FC2D-714FB2B6AAAA}"/>
+              </a:ext>
+            </a:extLst>
+          </p:cNvPr>
+          <p:cNvSpPr>
+            <a:spLocks noGrp="1" noRot="1" noChangeAspect="1" noChangeArrowheads="1"/>
+          </p:cNvSpPr>
+          <p:nvPr>
+            <p:ph type="sldImg"/>
+          </p:nvPr>
+        </p:nvSpPr>
+        <p:spPr bwMode="auto">
+          <a:xfrm>
+            <a:off x="1143000" y="685800"/>
+            <a:ext cx="4572000" cy="3429000"/>
+          </a:xfrm>
+          <a:prstGeom prst="rect">
+            <a:avLst/>
+          </a:prstGeom>
+          <a:solidFill>
+            <a:srgbClr val="FFFFFF"/>
+          </a:solidFill>
+          <a:ln>
+            <a:solidFill>
+              <a:srgbClr val="000000"/>
+            </a:solidFill>
+            <a:miter lim="800000"/>
+            <a:headEnd/>
+            <a:tailEnd/>
+          </a:ln>
+        </p:spPr>
+      </p:sp>
+      <p:sp>
+        <p:nvSpPr>
+          <p:cNvPr id="48131" name="Rectangle 3">
+            <a:extLst>
+              <a:ext uri="{FF2B5EF4-FFF2-40B4-BE49-F238E27FC236}">
+                <a16:creationId xmlns:a16="http://schemas.microsoft.com/office/drawing/2014/main" id="{10749233-CAFA-A90E-C2EB-465488CF251E}"/>
+              </a:ext>
+            </a:extLst>
+          </p:cNvPr>
+          <p:cNvSpPr>
+            <a:spLocks noGrp="1" noChangeArrowheads="1"/>
+          </p:cNvSpPr>
+          <p:nvPr>
+            <p:ph type="body" idx="1"/>
+          </p:nvPr>
+        </p:nvSpPr>
+        <p:spPr bwMode="auto">
+          <a:xfrm>
+            <a:off x="914400" y="4343400"/>
+            <a:ext cx="5029200" cy="4114800"/>
+          </a:xfrm>
+          <a:prstGeom prst="rect">
+            <a:avLst/>
+          </a:prstGeom>
+          <a:solidFill>
+            <a:srgbClr val="FFFFFF"/>
+          </a:solidFill>
+          <a:ln>
+            <a:solidFill>
+              <a:srgbClr val="000000"/>
+            </a:solidFill>
+            <a:miter lim="800000"/>
+            <a:headEnd/>
+            <a:tailEnd/>
+          </a:ln>
+        </p:spPr>
+        <p:txBody>
+          <a:bodyPr/>
+          <a:lstStyle/>
+          <a:p>
+            <a:r>
+              <a:rPr lang="en-US" altLang="en-US"/>
+              <a:t>Historically, each vendor had their own meta data solution -- which was incompatible with other vendors’ solutions.  This is changing.</a:t>
+            </a:r>
+          </a:p>
+          <a:p>
+            <a:endParaRPr lang="en-US" altLang="en-US"/>
+          </a:p>
+        </p:txBody>
+      </p:sp>
+    </p:spTree>
+  </p:cSld>
+  <p:clrMapOvr>
+    <a:masterClrMapping/>
+  </p:clrMapOvr>
+</p:notes>
+</file>
+
+<file path=ppt/notesSlides/notesSlide3.xml><?xml version="1.0" encoding="utf-8"?>
+<p:notes xmlns:a="http://schemas.openxmlformats.org/drawingml/2006/main" xmlns:r="http://schemas.openxmlformats.org/officeDocument/2006/relationships" xmlns:p="http://schemas.openxmlformats.org/presentationml/2006/main">
+  <p:cSld>
+    <p:spTree>
+      <p:nvGrpSpPr>
+        <p:cNvPr id="1" name="">
+          <a:extLst>
+            <a:ext uri="{FF2B5EF4-FFF2-40B4-BE49-F238E27FC236}">
+              <a16:creationId xmlns:a16="http://schemas.microsoft.com/office/drawing/2014/main" id="{B9A09B6A-4164-4FA8-0BC7-A0D8815D1FED}"/>
+            </a:ext>
+          </a:extLst>
+        </p:cNvPr>
+        <p:cNvGrpSpPr/>
+        <p:nvPr/>
+      </p:nvGrpSpPr>
+      <p:grpSpPr>
+        <a:xfrm>
+          <a:off x="0" y="0"/>
+          <a:ext cx="0" cy="0"/>
+          <a:chOff x="0" y="0"/>
+          <a:chExt cx="0" cy="0"/>
+        </a:xfrm>
+      </p:grpSpPr>
+      <p:sp>
+        <p:nvSpPr>
+          <p:cNvPr id="5" name="Rectangle 7">
+            <a:extLst>
+              <a:ext uri="{FF2B5EF4-FFF2-40B4-BE49-F238E27FC236}">
+                <a16:creationId xmlns:a16="http://schemas.microsoft.com/office/drawing/2014/main" id="{E784EA78-6B8E-D415-57FE-5FF8BEC03ABB}"/>
+              </a:ext>
+            </a:extLst>
+          </p:cNvPr>
+          <p:cNvSpPr>
+            <a:spLocks noGrp="1" noChangeArrowheads="1"/>
+          </p:cNvSpPr>
+          <p:nvPr>
+            <p:ph type="sldNum" sz="quarter" idx="5"/>
+          </p:nvPr>
+        </p:nvSpPr>
+        <p:spPr>
+          <a:ln/>
+        </p:spPr>
+        <p:txBody>
+          <a:bodyPr/>
+          <a:lstStyle/>
+          <a:p>
+            <a:fld id="{49379989-DAE9-BF44-9411-8A8BDD99AC2B}" type="slidenum">
+              <a:rPr lang="en-US" altLang="en-US"/>
+              <a:pPr/>
+              <a:t>4</a:t>
+            </a:fld>
+            <a:endParaRPr lang="en-US" altLang="en-US"/>
+          </a:p>
+        </p:txBody>
+      </p:sp>
+      <p:sp>
+        <p:nvSpPr>
+          <p:cNvPr id="5122" name="Rectangle 2">
+            <a:extLst>
+              <a:ext uri="{FF2B5EF4-FFF2-40B4-BE49-F238E27FC236}">
+                <a16:creationId xmlns:a16="http://schemas.microsoft.com/office/drawing/2014/main" id="{143E2074-76D2-C94F-B3C7-CDA8001689AB}"/>
+              </a:ext>
+            </a:extLst>
+          </p:cNvPr>
+          <p:cNvSpPr>
+            <a:spLocks noGrp="1" noRot="1" noChangeAspect="1" noChangeArrowheads="1"/>
+          </p:cNvSpPr>
+          <p:nvPr>
+            <p:ph type="sldImg"/>
+          </p:nvPr>
+        </p:nvSpPr>
+        <p:spPr bwMode="auto">
+          <a:xfrm>
+            <a:off x="1143000" y="685800"/>
+            <a:ext cx="4572000" cy="3429000"/>
+          </a:xfrm>
+          <a:prstGeom prst="rect">
+            <a:avLst/>
+          </a:prstGeom>
+          <a:solidFill>
+            <a:srgbClr val="FFFFFF"/>
+          </a:solidFill>
+          <a:ln>
+            <a:solidFill>
+              <a:srgbClr val="000000"/>
+            </a:solidFill>
+            <a:miter lim="800000"/>
+            <a:headEnd/>
+            <a:tailEnd/>
+          </a:ln>
+        </p:spPr>
+      </p:sp>
+      <p:sp>
+        <p:nvSpPr>
+          <p:cNvPr id="5123" name="Rectangle 3">
+            <a:extLst>
+              <a:ext uri="{FF2B5EF4-FFF2-40B4-BE49-F238E27FC236}">
+                <a16:creationId xmlns:a16="http://schemas.microsoft.com/office/drawing/2014/main" id="{DC1E40F3-7715-1B64-6379-6B79B6EFD364}"/>
+              </a:ext>
+            </a:extLst>
+          </p:cNvPr>
+          <p:cNvSpPr>
+            <a:spLocks noGrp="1" noChangeArrowheads="1"/>
+          </p:cNvSpPr>
+          <p:nvPr>
+            <p:ph type="body" idx="1"/>
+          </p:nvPr>
+        </p:nvSpPr>
+        <p:spPr bwMode="auto">
+          <a:xfrm>
+            <a:off x="914400" y="4343400"/>
+            <a:ext cx="5029200" cy="4114800"/>
+          </a:xfrm>
+          <a:prstGeom prst="rect">
+            <a:avLst/>
+          </a:prstGeom>
+          <a:solidFill>
+            <a:srgbClr val="FFFFFF"/>
+          </a:solidFill>
+          <a:ln>
+            <a:solidFill>
+              <a:srgbClr val="000000"/>
+            </a:solidFill>
+            <a:miter lim="800000"/>
+            <a:headEnd/>
+            <a:tailEnd/>
+          </a:ln>
+        </p:spPr>
+        <p:txBody>
+          <a:bodyPr/>
+          <a:lstStyle/>
+          <a:p>
+            <a:r>
+              <a:rPr lang="en-US" altLang="en-US"/>
+              <a:t>There is still debate over which approach is best.</a:t>
+            </a:r>
+          </a:p>
+        </p:txBody>
+      </p:sp>
+    </p:spTree>
+    <p:extLst>
+      <p:ext uri="{BB962C8B-B14F-4D97-AF65-F5344CB8AC3E}">
+        <p14:creationId xmlns:p14="http://schemas.microsoft.com/office/powerpoint/2010/main" val="1486124056"/>
+      </p:ext>
+    </p:extLst>
   </p:cSld>
   <p:clrMapOvr>
     <a:masterClrMapping/>
@@ -2931,7 +3249,7 @@
           <p:cNvPr id="5" name="Rectangle 7">
             <a:extLst>
               <a:ext uri="{FF2B5EF4-FFF2-40B4-BE49-F238E27FC236}">
-                <a16:creationId xmlns:a16="http://schemas.microsoft.com/office/drawing/2014/main" id="{619D2489-DE3C-AEA5-1CD9-2D57D07C6E66}"/>
+                <a16:creationId xmlns:a16="http://schemas.microsoft.com/office/drawing/2014/main" id="{E68149B4-D837-9E0D-451E-1D52590D1435}"/>
               </a:ext>
             </a:extLst>
           </p:cNvPr>
@@ -2949,7 +3267,7 @@
           <a:bodyPr/>
           <a:lstStyle/>
           <a:p>
-            <a:fld id="{24E3938D-E6A8-6A45-84CF-D2747345F34B}" type="slidenum">
+            <a:fld id="{7A329E8B-B537-F542-BA0F-7FB4A706C892}" type="slidenum">
               <a:rPr lang="en-US" altLang="en-US"/>
               <a:pPr/>
               <a:t>5</a:t>
@@ -2960,10 +3278,10 @@
       </p:sp>
       <p:sp>
         <p:nvSpPr>
-          <p:cNvPr id="11266" name="Rectangle 2">
-            <a:extLst>
-              <a:ext uri="{FF2B5EF4-FFF2-40B4-BE49-F238E27FC236}">
-                <a16:creationId xmlns:a16="http://schemas.microsoft.com/office/drawing/2014/main" id="{56DE32D2-A010-2996-5B61-B2F8CEEB04E0}"/>
+          <p:cNvPr id="7170" name="Rectangle 2">
+            <a:extLst>
+              <a:ext uri="{FF2B5EF4-FFF2-40B4-BE49-F238E27FC236}">
+                <a16:creationId xmlns:a16="http://schemas.microsoft.com/office/drawing/2014/main" id="{4A283B9D-A25E-0AAA-D8EA-93C0DB14D652}"/>
               </a:ext>
             </a:extLst>
           </p:cNvPr>
@@ -2997,10 +3315,10 @@
       </p:sp>
       <p:sp>
         <p:nvSpPr>
-          <p:cNvPr id="11267" name="Rectangle 3">
-            <a:extLst>
-              <a:ext uri="{FF2B5EF4-FFF2-40B4-BE49-F238E27FC236}">
-                <a16:creationId xmlns:a16="http://schemas.microsoft.com/office/drawing/2014/main" id="{C1B77E68-4355-49BF-0ACB-992A346CB4C5}"/>
+          <p:cNvPr id="7171" name="Rectangle 3">
+            <a:extLst>
+              <a:ext uri="{FF2B5EF4-FFF2-40B4-BE49-F238E27FC236}">
+                <a16:creationId xmlns:a16="http://schemas.microsoft.com/office/drawing/2014/main" id="{D1123358-EA05-C460-BC4F-61678ADBEBF4}"/>
               </a:ext>
             </a:extLst>
           </p:cNvPr>
@@ -3037,7 +3355,7 @@
           <a:p>
             <a:r>
               <a:rPr lang="en-US" altLang="en-US"/>
-              <a:t>It is not unusual to extract data from over 100 source systems.  While the technology is available to store structured and unstructured data together, the reality is that warehouse data is almost exclusively structured -- numerical with simple textual identifiers.</a:t>
+              <a:t>The key is to have an overall plan, processes, and technologies for integrating the different marts.  The marts may be logically rather than physically separate.</a:t>
             </a:r>
           </a:p>
         </p:txBody>
@@ -3072,7 +3390,7 @@
           <p:cNvPr id="5" name="Rectangle 7">
             <a:extLst>
               <a:ext uri="{FF2B5EF4-FFF2-40B4-BE49-F238E27FC236}">
-                <a16:creationId xmlns:a16="http://schemas.microsoft.com/office/drawing/2014/main" id="{4971D569-7C22-B7C1-2E90-0A0CA453D874}"/>
+                <a16:creationId xmlns:a16="http://schemas.microsoft.com/office/drawing/2014/main" id="{D956EA94-3478-BEDE-10BE-7EB10C620E08}"/>
               </a:ext>
             </a:extLst>
           </p:cNvPr>
@@ -3090,7 +3408,7 @@
           <a:bodyPr/>
           <a:lstStyle/>
           <a:p>
-            <a:fld id="{07C4A0A4-DFB4-C04D-82A5-4DE82DE46B4E}" type="slidenum">
+            <a:fld id="{CB80C740-874B-EF4D-B4AE-B8A31809B8EF}" type="slidenum">
               <a:rPr lang="en-US" altLang="en-US"/>
               <a:pPr/>
               <a:t>6</a:t>
@@ -3101,10 +3419,10 @@
       </p:sp>
       <p:sp>
         <p:nvSpPr>
-          <p:cNvPr id="13314" name="Rectangle 2">
-            <a:extLst>
-              <a:ext uri="{FF2B5EF4-FFF2-40B4-BE49-F238E27FC236}">
-                <a16:creationId xmlns:a16="http://schemas.microsoft.com/office/drawing/2014/main" id="{B16638E8-FE32-BC55-4DD1-F6EACA555B33}"/>
+          <p:cNvPr id="9218" name="Rectangle 2">
+            <a:extLst>
+              <a:ext uri="{FF2B5EF4-FFF2-40B4-BE49-F238E27FC236}">
+                <a16:creationId xmlns:a16="http://schemas.microsoft.com/office/drawing/2014/main" id="{4D481DC3-FDE3-9697-5CF3-92C88FD7D619}"/>
               </a:ext>
             </a:extLst>
           </p:cNvPr>
@@ -3138,10 +3456,10 @@
       </p:sp>
       <p:sp>
         <p:nvSpPr>
-          <p:cNvPr id="13315" name="Rectangle 3">
-            <a:extLst>
-              <a:ext uri="{FF2B5EF4-FFF2-40B4-BE49-F238E27FC236}">
-                <a16:creationId xmlns:a16="http://schemas.microsoft.com/office/drawing/2014/main" id="{D77BCC66-C37F-17E0-AD07-79786E0CA48C}"/>
+          <p:cNvPr id="9219" name="Rectangle 3">
+            <a:extLst>
+              <a:ext uri="{FF2B5EF4-FFF2-40B4-BE49-F238E27FC236}">
+                <a16:creationId xmlns:a16="http://schemas.microsoft.com/office/drawing/2014/main" id="{CC4A1855-2390-AE3D-A02D-4B72E4ECA9C6}"/>
               </a:ext>
             </a:extLst>
           </p:cNvPr>
@@ -3178,7 +3496,7 @@
           <a:p>
             <a:r>
               <a:rPr lang="en-US" altLang="en-US"/>
-              <a:t>ETL tends to be “pick and shovel” work.  Most organization’s data is even worse than imagined.</a:t>
+              <a:t>Even with the enterprise-wide strategy, the warehouse is developed in phases and each phase should be designed to deliver business value.</a:t>
             </a:r>
           </a:p>
         </p:txBody>
@@ -3213,7 +3531,7 @@
           <p:cNvPr id="5" name="Rectangle 7">
             <a:extLst>
               <a:ext uri="{FF2B5EF4-FFF2-40B4-BE49-F238E27FC236}">
-                <a16:creationId xmlns:a16="http://schemas.microsoft.com/office/drawing/2014/main" id="{6402FCD3-4425-D31A-EC2A-787598908B58}"/>
+                <a16:creationId xmlns:a16="http://schemas.microsoft.com/office/drawing/2014/main" id="{619D2489-DE3C-AEA5-1CD9-2D57D07C6E66}"/>
               </a:ext>
             </a:extLst>
           </p:cNvPr>
@@ -3231,7 +3549,7 @@
           <a:bodyPr/>
           <a:lstStyle/>
           <a:p>
-            <a:fld id="{219CB157-1234-D147-AE6F-EB93D25FF68E}" type="slidenum">
+            <a:fld id="{24E3938D-E6A8-6A45-84CF-D2747345F34B}" type="slidenum">
               <a:rPr lang="en-US" altLang="en-US"/>
               <a:pPr/>
               <a:t>7</a:t>
@@ -3242,10 +3560,10 @@
       </p:sp>
       <p:sp>
         <p:nvSpPr>
-          <p:cNvPr id="15362" name="Rectangle 2">
-            <a:extLst>
-              <a:ext uri="{FF2B5EF4-FFF2-40B4-BE49-F238E27FC236}">
-                <a16:creationId xmlns:a16="http://schemas.microsoft.com/office/drawing/2014/main" id="{4F3ED337-1BEF-5F40-6045-E133A35242EE}"/>
+          <p:cNvPr id="11266" name="Rectangle 2">
+            <a:extLst>
+              <a:ext uri="{FF2B5EF4-FFF2-40B4-BE49-F238E27FC236}">
+                <a16:creationId xmlns:a16="http://schemas.microsoft.com/office/drawing/2014/main" id="{56DE32D2-A010-2996-5B61-B2F8CEEB04E0}"/>
               </a:ext>
             </a:extLst>
           </p:cNvPr>
@@ -3279,10 +3597,10 @@
       </p:sp>
       <p:sp>
         <p:nvSpPr>
-          <p:cNvPr id="15363" name="Rectangle 3">
-            <a:extLst>
-              <a:ext uri="{FF2B5EF4-FFF2-40B4-BE49-F238E27FC236}">
-                <a16:creationId xmlns:a16="http://schemas.microsoft.com/office/drawing/2014/main" id="{D9868EE6-AC92-6574-E8CA-A4A46D6CC498}"/>
+          <p:cNvPr id="11267" name="Rectangle 3">
+            <a:extLst>
+              <a:ext uri="{FF2B5EF4-FFF2-40B4-BE49-F238E27FC236}">
+                <a16:creationId xmlns:a16="http://schemas.microsoft.com/office/drawing/2014/main" id="{C1B77E68-4355-49BF-0ACB-992A346CB4C5}"/>
               </a:ext>
             </a:extLst>
           </p:cNvPr>
@@ -3319,7 +3637,7 @@
           <a:p>
             <a:r>
               <a:rPr lang="en-US" altLang="en-US"/>
-              <a:t>As data warehousing becomes more critical to decision making and operational processes, the pressure is to have more current data, which leads to trickle updates.</a:t>
+              <a:t>It is not unusual to extract data from over 100 source systems.  While the technology is available to store structured and unstructured data together, the reality is that warehouse data is almost exclusively structured -- numerical with simple textual identifiers.</a:t>
             </a:r>
           </a:p>
         </p:txBody>
@@ -3354,7 +3672,7 @@
           <p:cNvPr id="5" name="Rectangle 7">
             <a:extLst>
               <a:ext uri="{FF2B5EF4-FFF2-40B4-BE49-F238E27FC236}">
-                <a16:creationId xmlns:a16="http://schemas.microsoft.com/office/drawing/2014/main" id="{E4D0381A-DA3B-F65B-1038-5993C2C244F1}"/>
+                <a16:creationId xmlns:a16="http://schemas.microsoft.com/office/drawing/2014/main" id="{4971D569-7C22-B7C1-2E90-0A0CA453D874}"/>
               </a:ext>
             </a:extLst>
           </p:cNvPr>
@@ -3372,7 +3690,7 @@
           <a:bodyPr/>
           <a:lstStyle/>
           <a:p>
-            <a:fld id="{3E223BCA-321A-3F4E-92FC-1C886488A16D}" type="slidenum">
+            <a:fld id="{07C4A0A4-DFB4-C04D-82A5-4DE82DE46B4E}" type="slidenum">
               <a:rPr lang="en-US" altLang="en-US"/>
               <a:pPr/>
               <a:t>8</a:t>
@@ -3383,10 +3701,10 @@
       </p:sp>
       <p:sp>
         <p:nvSpPr>
-          <p:cNvPr id="19458" name="Rectangle 2">
-            <a:extLst>
-              <a:ext uri="{FF2B5EF4-FFF2-40B4-BE49-F238E27FC236}">
-                <a16:creationId xmlns:a16="http://schemas.microsoft.com/office/drawing/2014/main" id="{BF8BE816-4E3B-6470-03C6-81C2EEF0C6A3}"/>
+          <p:cNvPr id="13314" name="Rectangle 2">
+            <a:extLst>
+              <a:ext uri="{FF2B5EF4-FFF2-40B4-BE49-F238E27FC236}">
+                <a16:creationId xmlns:a16="http://schemas.microsoft.com/office/drawing/2014/main" id="{B16638E8-FE32-BC55-4DD1-F6EACA555B33}"/>
               </a:ext>
             </a:extLst>
           </p:cNvPr>
@@ -3420,10 +3738,10 @@
       </p:sp>
       <p:sp>
         <p:nvSpPr>
-          <p:cNvPr id="19459" name="Rectangle 3">
-            <a:extLst>
-              <a:ext uri="{FF2B5EF4-FFF2-40B4-BE49-F238E27FC236}">
-                <a16:creationId xmlns:a16="http://schemas.microsoft.com/office/drawing/2014/main" id="{FEE832F1-3720-6498-2425-FD086B362865}"/>
+          <p:cNvPr id="13315" name="Rectangle 3">
+            <a:extLst>
+              <a:ext uri="{FF2B5EF4-FFF2-40B4-BE49-F238E27FC236}">
+                <a16:creationId xmlns:a16="http://schemas.microsoft.com/office/drawing/2014/main" id="{D77BCC66-C37F-17E0-AD07-79786E0CA48C}"/>
               </a:ext>
             </a:extLst>
           </p:cNvPr>
@@ -3460,7 +3778,7 @@
           <a:p>
             <a:r>
               <a:rPr lang="en-US" altLang="en-US"/>
-              <a:t>It’s changing, but COBOL extracts are still the most common ETL process.  There are multiple reasons for this -- the cost of specialized ETL software, in-house programmers who have a good knowledge of the COBOL based source systems that will be used, and the peculiarities of the source systems that make the use of ETL software difficult.</a:t>
+              <a:t>ETL tends to be “pick and shovel” work.  Most organization’s data is even worse than imagined.</a:t>
             </a:r>
           </a:p>
         </p:txBody>
@@ -3495,7 +3813,7 @@
           <p:cNvPr id="5" name="Rectangle 7">
             <a:extLst>
               <a:ext uri="{FF2B5EF4-FFF2-40B4-BE49-F238E27FC236}">
-                <a16:creationId xmlns:a16="http://schemas.microsoft.com/office/drawing/2014/main" id="{6CADAF4E-24BB-C471-B389-05C8E62E1972}"/>
+                <a16:creationId xmlns:a16="http://schemas.microsoft.com/office/drawing/2014/main" id="{6402FCD3-4425-D31A-EC2A-787598908B58}"/>
               </a:ext>
             </a:extLst>
           </p:cNvPr>
@@ -3513,7 +3831,7 @@
           <a:bodyPr/>
           <a:lstStyle/>
           <a:p>
-            <a:fld id="{026E71A1-A260-8B4C-A718-E9E22CDC932E}" type="slidenum">
+            <a:fld id="{219CB157-1234-D147-AE6F-EB93D25FF68E}" type="slidenum">
               <a:rPr lang="en-US" altLang="en-US"/>
               <a:pPr/>
               <a:t>9</a:t>
@@ -3524,10 +3842,10 @@
       </p:sp>
       <p:sp>
         <p:nvSpPr>
-          <p:cNvPr id="21506" name="Rectangle 2">
-            <a:extLst>
-              <a:ext uri="{FF2B5EF4-FFF2-40B4-BE49-F238E27FC236}">
-                <a16:creationId xmlns:a16="http://schemas.microsoft.com/office/drawing/2014/main" id="{98CB68C0-C3B3-423A-643D-30505DACCF55}"/>
+          <p:cNvPr id="15362" name="Rectangle 2">
+            <a:extLst>
+              <a:ext uri="{FF2B5EF4-FFF2-40B4-BE49-F238E27FC236}">
+                <a16:creationId xmlns:a16="http://schemas.microsoft.com/office/drawing/2014/main" id="{4F3ED337-1BEF-5F40-6045-E133A35242EE}"/>
               </a:ext>
             </a:extLst>
           </p:cNvPr>
@@ -3561,10 +3879,10 @@
       </p:sp>
       <p:sp>
         <p:nvSpPr>
-          <p:cNvPr id="21507" name="Rectangle 3">
-            <a:extLst>
-              <a:ext uri="{FF2B5EF4-FFF2-40B4-BE49-F238E27FC236}">
-                <a16:creationId xmlns:a16="http://schemas.microsoft.com/office/drawing/2014/main" id="{439C16BD-8634-8F25-2C95-989B72F1D0EB}"/>
+          <p:cNvPr id="15363" name="Rectangle 3">
+            <a:extLst>
+              <a:ext uri="{FF2B5EF4-FFF2-40B4-BE49-F238E27FC236}">
+                <a16:creationId xmlns:a16="http://schemas.microsoft.com/office/drawing/2014/main" id="{D9868EE6-AC92-6574-E8CA-A4A46D6CC498}"/>
               </a:ext>
             </a:extLst>
           </p:cNvPr>
@@ -3601,7 +3919,7 @@
           <a:p>
             <a:r>
               <a:rPr lang="en-US" altLang="en-US"/>
-              <a:t>You might go to the vendors’ web sites to find a good demo to show your students.</a:t>
+              <a:t>As data warehousing becomes more critical to decision making and operational processes, the pressure is to have more current data, which leads to trickle updates.</a:t>
             </a:r>
           </a:p>
         </p:txBody>
@@ -3636,7 +3954,7 @@
           <p:cNvPr id="5" name="Rectangle 7">
             <a:extLst>
               <a:ext uri="{FF2B5EF4-FFF2-40B4-BE49-F238E27FC236}">
-                <a16:creationId xmlns:a16="http://schemas.microsoft.com/office/drawing/2014/main" id="{F1028754-EEFB-9B44-ADFB-159A61D86263}"/>
+                <a16:creationId xmlns:a16="http://schemas.microsoft.com/office/drawing/2014/main" id="{E4D0381A-DA3B-F65B-1038-5993C2C244F1}"/>
               </a:ext>
             </a:extLst>
           </p:cNvPr>
@@ -3654,7 +3972,7 @@
           <a:bodyPr/>
           <a:lstStyle/>
           <a:p>
-            <a:fld id="{48179140-2ADC-904C-9DD6-7F33530AEA0C}" type="slidenum">
+            <a:fld id="{3E223BCA-321A-3F4E-92FC-1C886488A16D}" type="slidenum">
               <a:rPr lang="en-US" altLang="en-US"/>
               <a:pPr/>
               <a:t>10</a:t>
@@ -3665,10 +3983,10 @@
       </p:sp>
       <p:sp>
         <p:nvSpPr>
-          <p:cNvPr id="23554" name="Rectangle 2">
-            <a:extLst>
-              <a:ext uri="{FF2B5EF4-FFF2-40B4-BE49-F238E27FC236}">
-                <a16:creationId xmlns:a16="http://schemas.microsoft.com/office/drawing/2014/main" id="{CC402518-2E44-CD93-506E-A17CF7248944}"/>
+          <p:cNvPr id="19458" name="Rectangle 2">
+            <a:extLst>
+              <a:ext uri="{FF2B5EF4-FFF2-40B4-BE49-F238E27FC236}">
+                <a16:creationId xmlns:a16="http://schemas.microsoft.com/office/drawing/2014/main" id="{BF8BE816-4E3B-6470-03C6-81C2EEF0C6A3}"/>
               </a:ext>
             </a:extLst>
           </p:cNvPr>
@@ -3702,10 +4020,10 @@
       </p:sp>
       <p:sp>
         <p:nvSpPr>
-          <p:cNvPr id="23555" name="Rectangle 3">
-            <a:extLst>
-              <a:ext uri="{FF2B5EF4-FFF2-40B4-BE49-F238E27FC236}">
-                <a16:creationId xmlns:a16="http://schemas.microsoft.com/office/drawing/2014/main" id="{9E78AE95-CDD0-2088-12D8-73E440BC9265}"/>
+          <p:cNvPr id="19459" name="Rectangle 3">
+            <a:extLst>
+              <a:ext uri="{FF2B5EF4-FFF2-40B4-BE49-F238E27FC236}">
+                <a16:creationId xmlns:a16="http://schemas.microsoft.com/office/drawing/2014/main" id="{FEE832F1-3720-6498-2425-FD086B362865}"/>
               </a:ext>
             </a:extLst>
           </p:cNvPr>
@@ -3742,19 +4060,7 @@
           <a:p>
             <a:r>
               <a:rPr lang="en-US" altLang="en-US"/>
-              <a:t>Here’s a couple of examples:</a:t>
-            </a:r>
-          </a:p>
-          <a:p>
-            <a:r>
-              <a:rPr lang="en-US" altLang="en-US"/>
-              <a:t>Dummy data -- a clerk enters 999-99-9999 as a SSN rather than asking the customer for theirs.</a:t>
-            </a:r>
-          </a:p>
-          <a:p>
-            <a:r>
-              <a:rPr lang="en-US" altLang="en-US"/>
-              <a:t>Reused primary keys -- a branch bank is closed.  Several years later, a new branch is opened, and the old identifier is used again. </a:t>
+              <a:t>It’s changing, but COBOL extracts are still the most common ETL process.  There are multiple reasons for this -- the cost of specialized ETL software, in-house programmers who have a good knowledge of the COBOL based source systems that will be used, and the peculiarities of the source systems that make the use of ETL software difficult.</a:t>
             </a:r>
           </a:p>
         </p:txBody>
@@ -13828,10 +14134,10 @@
       </p:grpSpPr>
       <p:sp>
         <p:nvSpPr>
-          <p:cNvPr id="22530" name="Rectangle 2">
-            <a:extLst>
-              <a:ext uri="{FF2B5EF4-FFF2-40B4-BE49-F238E27FC236}">
-                <a16:creationId xmlns:a16="http://schemas.microsoft.com/office/drawing/2014/main" id="{DE95D085-47CA-4B25-7519-9E6598399FE6}"/>
+          <p:cNvPr id="18434" name="Rectangle 2">
+            <a:extLst>
+              <a:ext uri="{FF2B5EF4-FFF2-40B4-BE49-F238E27FC236}">
+                <a16:creationId xmlns:a16="http://schemas.microsoft.com/office/drawing/2014/main" id="{29EC1EF1-C10C-B688-A0C7-95E0BC131FF2}"/>
               </a:ext>
             </a:extLst>
           </p:cNvPr>
@@ -13854,17 +14160,17 @@
           <a:p>
             <a:r>
               <a:rPr lang="en-US" altLang="en-US"/>
-              <a:t>Reasons for “Dirty” Data</a:t>
+              <a:t>Data Extraction</a:t>
             </a:r>
           </a:p>
         </p:txBody>
       </p:sp>
       <p:sp>
         <p:nvSpPr>
-          <p:cNvPr id="22531" name="Rectangle 3" descr="Rectangle: Click to edit Master text styles&#13;&#10;Second level&#13;&#10;Third level&#13;&#10;Fourth level&#13;&#10;Fifth level">
-            <a:extLst>
-              <a:ext uri="{FF2B5EF4-FFF2-40B4-BE49-F238E27FC236}">
-                <a16:creationId xmlns:a16="http://schemas.microsoft.com/office/drawing/2014/main" id="{BB00D041-BB64-6996-4500-5C8049FFB3D1}"/>
+          <p:cNvPr id="18435" name="Rectangle 3" descr="Rectangle: Click to edit Master text styles&#13;&#10;Second level&#13;&#10;Third level&#13;&#10;Fourth level&#13;&#10;Fifth level">
+            <a:extLst>
+              <a:ext uri="{FF2B5EF4-FFF2-40B4-BE49-F238E27FC236}">
+                <a16:creationId xmlns:a16="http://schemas.microsoft.com/office/drawing/2014/main" id="{68A2369D-129D-6F7A-F822-DBF5C5C26082}"/>
               </a:ext>
             </a:extLst>
           </p:cNvPr>
@@ -13880,195 +14186,78 @@
           <a:bodyPr/>
           <a:lstStyle/>
           <a:p>
+            <a:pPr marL="0" indent="0">
+              <a:lnSpc>
+                <a:spcPct val="90000"/>
+              </a:lnSpc>
+              <a:buNone/>
+            </a:pPr>
+            <a:r>
+              <a:rPr lang="en-US" altLang="en-US" sz="2800" dirty="0"/>
+              <a:t>Data extraction is the process of collecting and retrieving data from various sources, like </a:t>
+            </a:r>
+          </a:p>
+          <a:p>
+            <a:pPr marL="0" indent="0">
+              <a:lnSpc>
+                <a:spcPct val="90000"/>
+              </a:lnSpc>
+              <a:buNone/>
+            </a:pPr>
+            <a:r>
+              <a:rPr lang="en-US" altLang="en-US" sz="2800" dirty="0"/>
+              <a:t>1. databases, </a:t>
+            </a:r>
+          </a:p>
+          <a:p>
+            <a:pPr marL="0" indent="0">
+              <a:lnSpc>
+                <a:spcPct val="90000"/>
+              </a:lnSpc>
+              <a:buNone/>
+            </a:pPr>
+            <a:r>
+              <a:rPr lang="en-US" altLang="en-US" sz="2800" dirty="0"/>
+              <a:t>2. websites, </a:t>
+            </a:r>
+          </a:p>
+          <a:p>
+            <a:pPr marL="0" indent="0">
+              <a:lnSpc>
+                <a:spcPct val="90000"/>
+              </a:lnSpc>
+              <a:buNone/>
+            </a:pPr>
+            <a:r>
+              <a:rPr lang="en-US" altLang="en-US" sz="2800" dirty="0"/>
+              <a:t>3. documents, files, </a:t>
+            </a:r>
+          </a:p>
+          <a:p>
             <a:pPr>
               <a:lnSpc>
-                <a:spcPct val="60000"/>
+                <a:spcPct val="90000"/>
               </a:lnSpc>
-              <a:spcAft>
-                <a:spcPct val="20000"/>
-              </a:spcAft>
-              <a:buClr>
-                <a:schemeClr val="tx1"/>
-              </a:buClr>
-              <a:buFont typeface="Symbol" pitchFamily="2" charset="2"/>
-              <a:buChar char="·"/>
+              <a:buFont typeface="Arial" panose="020B0604020202020204" pitchFamily="34" charset="0"/>
+              <a:buChar char="•"/>
             </a:pPr>
             <a:r>
-              <a:rPr lang="en-US" altLang="en-US" sz="2800"/>
-              <a:t>Dummy Values</a:t>
-            </a:r>
-          </a:p>
-          <a:p>
-            <a:pPr>
+              <a:rPr lang="en-US" altLang="en-US" sz="2800" dirty="0"/>
+              <a:t>… </a:t>
+            </a:r>
+          </a:p>
+          <a:p>
+            <a:pPr marL="0" indent="0">
               <a:lnSpc>
-                <a:spcPct val="60000"/>
+                <a:spcPct val="90000"/>
               </a:lnSpc>
-              <a:spcAft>
-                <a:spcPct val="20000"/>
-              </a:spcAft>
-              <a:buClr>
-                <a:schemeClr val="tx1"/>
-              </a:buClr>
-              <a:buFont typeface="Symbol" pitchFamily="2" charset="2"/>
-              <a:buChar char="·"/>
+              <a:buNone/>
             </a:pPr>
             <a:r>
-              <a:rPr lang="en-US" altLang="en-US" sz="2800"/>
-              <a:t>Absence of Data</a:t>
-            </a:r>
-          </a:p>
-          <a:p>
-            <a:pPr>
-              <a:lnSpc>
-                <a:spcPct val="60000"/>
-              </a:lnSpc>
-              <a:spcAft>
-                <a:spcPct val="20000"/>
-              </a:spcAft>
-              <a:buClr>
-                <a:schemeClr val="tx1"/>
-              </a:buClr>
-              <a:buFont typeface="Symbol" pitchFamily="2" charset="2"/>
-              <a:buChar char="·"/>
-            </a:pPr>
-            <a:r>
-              <a:rPr lang="en-US" altLang="en-US" sz="2800"/>
-              <a:t>Multipurpose Fields</a:t>
-            </a:r>
-          </a:p>
-          <a:p>
-            <a:pPr>
-              <a:lnSpc>
-                <a:spcPct val="60000"/>
-              </a:lnSpc>
-              <a:spcAft>
-                <a:spcPct val="20000"/>
-              </a:spcAft>
-              <a:buClr>
-                <a:schemeClr val="tx1"/>
-              </a:buClr>
-              <a:buFont typeface="Symbol" pitchFamily="2" charset="2"/>
-              <a:buChar char="·"/>
-            </a:pPr>
-            <a:r>
-              <a:rPr lang="en-US" altLang="en-US" sz="2800"/>
-              <a:t>Cryptic Data</a:t>
-            </a:r>
-          </a:p>
-          <a:p>
-            <a:pPr>
-              <a:lnSpc>
-                <a:spcPct val="60000"/>
-              </a:lnSpc>
-              <a:spcAft>
-                <a:spcPct val="20000"/>
-              </a:spcAft>
-              <a:buClr>
-                <a:schemeClr val="tx1"/>
-              </a:buClr>
-              <a:buFont typeface="Symbol" pitchFamily="2" charset="2"/>
-              <a:buChar char="·"/>
-            </a:pPr>
-            <a:r>
-              <a:rPr lang="en-US" altLang="en-US" sz="2800"/>
-              <a:t>Contradicting Data</a:t>
-            </a:r>
-          </a:p>
-          <a:p>
-            <a:pPr>
-              <a:lnSpc>
-                <a:spcPct val="60000"/>
-              </a:lnSpc>
-              <a:spcAft>
-                <a:spcPct val="20000"/>
-              </a:spcAft>
-              <a:buClr>
-                <a:schemeClr val="tx1"/>
-              </a:buClr>
-              <a:buFont typeface="Symbol" pitchFamily="2" charset="2"/>
-              <a:buChar char="·"/>
-            </a:pPr>
-            <a:r>
-              <a:rPr lang="en-US" altLang="en-US" sz="2800"/>
-              <a:t>Inappropriate Use of Address Lines</a:t>
-            </a:r>
-          </a:p>
-          <a:p>
-            <a:pPr>
-              <a:lnSpc>
-                <a:spcPct val="60000"/>
-              </a:lnSpc>
-              <a:spcAft>
-                <a:spcPct val="20000"/>
-              </a:spcAft>
-              <a:buClr>
-                <a:schemeClr val="tx1"/>
-              </a:buClr>
-              <a:buFont typeface="Symbol" pitchFamily="2" charset="2"/>
-              <a:buChar char="·"/>
-            </a:pPr>
-            <a:r>
-              <a:rPr lang="en-US" altLang="en-US" sz="2800"/>
-              <a:t>Violation of Business Rules</a:t>
-            </a:r>
-          </a:p>
-          <a:p>
-            <a:pPr>
-              <a:lnSpc>
-                <a:spcPct val="60000"/>
-              </a:lnSpc>
-              <a:spcAft>
-                <a:spcPct val="20000"/>
-              </a:spcAft>
-              <a:buClr>
-                <a:schemeClr val="tx1"/>
-              </a:buClr>
-              <a:buFont typeface="Symbol" pitchFamily="2" charset="2"/>
-              <a:buChar char="·"/>
-            </a:pPr>
-            <a:r>
-              <a:rPr lang="en-US" altLang="en-US" sz="2800"/>
-              <a:t>Reused Primary Keys,</a:t>
-            </a:r>
-          </a:p>
-          <a:p>
-            <a:pPr>
-              <a:lnSpc>
-                <a:spcPct val="60000"/>
-              </a:lnSpc>
-              <a:spcAft>
-                <a:spcPct val="20000"/>
-              </a:spcAft>
-              <a:buClr>
-                <a:schemeClr val="tx1"/>
-              </a:buClr>
-              <a:buFont typeface="Symbol" pitchFamily="2" charset="2"/>
-              <a:buChar char="·"/>
-            </a:pPr>
-            <a:r>
-              <a:rPr lang="en-US" altLang="en-US" sz="2800"/>
-              <a:t>Non-Unique Identifiers</a:t>
-            </a:r>
-          </a:p>
-          <a:p>
-            <a:pPr>
-              <a:lnSpc>
-                <a:spcPct val="60000"/>
-              </a:lnSpc>
-              <a:spcAft>
-                <a:spcPct val="20000"/>
-              </a:spcAft>
-              <a:buClr>
-                <a:schemeClr val="tx1"/>
-              </a:buClr>
-              <a:buFont typeface="Symbol" pitchFamily="2" charset="2"/>
-              <a:buChar char="·"/>
-            </a:pPr>
-            <a:r>
-              <a:rPr lang="en-US" altLang="en-US" sz="2800"/>
-              <a:t>Data Integration Problems</a:t>
-            </a:r>
-            <a:endParaRPr lang="en-US" altLang="en-US" sz="4100"/>
+              <a:rPr lang="en-US" altLang="en-US" sz="2800" dirty="0"/>
+              <a:t>and transferring it to a single location for further analysis and storage; </a:t>
+            </a:r>
+            <a:endParaRPr lang="en-US" altLang="en-US" dirty="0"/>
           </a:p>
         </p:txBody>
       </p:sp>
@@ -14099,10 +14288,10 @@
       </p:grpSpPr>
       <p:sp>
         <p:nvSpPr>
-          <p:cNvPr id="24578" name="Rectangle 2">
-            <a:extLst>
-              <a:ext uri="{FF2B5EF4-FFF2-40B4-BE49-F238E27FC236}">
-                <a16:creationId xmlns:a16="http://schemas.microsoft.com/office/drawing/2014/main" id="{10CC59E9-58CE-D373-5C40-00A7FCB441A8}"/>
+          <p:cNvPr id="20482" name="Rectangle 2">
+            <a:extLst>
+              <a:ext uri="{FF2B5EF4-FFF2-40B4-BE49-F238E27FC236}">
+                <a16:creationId xmlns:a16="http://schemas.microsoft.com/office/drawing/2014/main" id="{1110CA4F-EF72-BCFA-2CD8-33DE36AE401D}"/>
               </a:ext>
             </a:extLst>
           </p:cNvPr>
@@ -14115,8 +14304,8 @@
         </p:nvSpPr>
         <p:spPr>
           <a:xfrm>
-            <a:off x="609600" y="839788"/>
-            <a:ext cx="7772400" cy="608012"/>
+            <a:off x="609600" y="609600"/>
+            <a:ext cx="7772400" cy="609600"/>
           </a:xfrm>
         </p:spPr>
         <p:txBody>
@@ -14124,18 +14313,18 @@
           <a:lstStyle/>
           <a:p>
             <a:r>
-              <a:rPr lang="en-US" altLang="en-US"/>
-              <a:t>Data Cleansing</a:t>
+              <a:rPr lang="en-US" altLang="en-US" dirty="0"/>
+              <a:t>Sample ETL Tools</a:t>
             </a:r>
           </a:p>
         </p:txBody>
       </p:sp>
       <p:sp>
         <p:nvSpPr>
-          <p:cNvPr id="24579" name="Rectangle 3" descr="Rectangle: Click to edit Master text styles&#13;&#10;Second level&#13;&#10;Third level&#13;&#10;Fourth level&#13;&#10;Fifth level">
-            <a:extLst>
-              <a:ext uri="{FF2B5EF4-FFF2-40B4-BE49-F238E27FC236}">
-                <a16:creationId xmlns:a16="http://schemas.microsoft.com/office/drawing/2014/main" id="{626315FF-CCC7-16D4-A7E5-65086BD43C31}"/>
+          <p:cNvPr id="20483" name="Rectangle 3" descr="Rectangle: Click to edit Master text styles&#13;&#10;Second level&#13;&#10;Third level&#13;&#10;Fourth level&#13;&#10;Fifth level">
+            <a:extLst>
+              <a:ext uri="{FF2B5EF4-FFF2-40B4-BE49-F238E27FC236}">
+                <a16:creationId xmlns:a16="http://schemas.microsoft.com/office/drawing/2014/main" id="{A4CBAC74-30B6-D29D-5F9A-CCA0A893170B}"/>
               </a:ext>
             </a:extLst>
           </p:cNvPr>
@@ -14146,62 +14335,114 @@
             <p:ph type="body" idx="1"/>
           </p:nvPr>
         </p:nvSpPr>
-        <p:spPr/>
+        <p:spPr>
+          <a:xfrm>
+            <a:off x="838200" y="1371600"/>
+            <a:ext cx="7772400" cy="4648200"/>
+          </a:xfrm>
+        </p:spPr>
         <p:txBody>
           <a:bodyPr/>
           <a:lstStyle/>
           <a:p>
-            <a:pPr>
-              <a:lnSpc>
-                <a:spcPct val="90000"/>
-              </a:lnSpc>
-            </a:pPr>
-            <a:r>
-              <a:rPr lang="en-US" altLang="en-US" sz="2800"/>
-              <a:t>Source systems contain “dirty data” that must be cleansed</a:t>
-            </a:r>
-          </a:p>
-          <a:p>
-            <a:pPr>
-              <a:lnSpc>
-                <a:spcPct val="90000"/>
-              </a:lnSpc>
-            </a:pPr>
-            <a:r>
-              <a:rPr lang="en-US" altLang="en-US" sz="2800"/>
-              <a:t>ETL software contains rudimentary data cleansing capabilities</a:t>
-            </a:r>
-          </a:p>
-          <a:p>
-            <a:pPr>
-              <a:lnSpc>
-                <a:spcPct val="90000"/>
-              </a:lnSpc>
-            </a:pPr>
-            <a:r>
-              <a:rPr lang="en-US" altLang="en-US" sz="2800"/>
-              <a:t>Specialized data cleansing software is often used.  Important for performing name and address correction and householding functions</a:t>
-            </a:r>
-          </a:p>
-          <a:p>
-            <a:pPr>
-              <a:lnSpc>
-                <a:spcPct val="90000"/>
-              </a:lnSpc>
-            </a:pPr>
-            <a:r>
-              <a:rPr lang="en-US" altLang="en-US" sz="2800"/>
-              <a:t>Leading data cleansing vendors include Vality (Integrity), Harte-Hanks (Trillium), and Firstlogic (i.d.Centric)</a:t>
-            </a:r>
-            <a:endParaRPr lang="en-US" altLang="en-US"/>
-          </a:p>
-          <a:p>
-            <a:pPr>
-              <a:lnSpc>
-                <a:spcPct val="90000"/>
-              </a:lnSpc>
-            </a:pPr>
-            <a:endParaRPr lang="en-US" altLang="en-US"/>
+            <a:r>
+              <a:rPr lang="en-US" sz="2800" b="1" i="0" dirty="0">
+                <a:solidFill>
+                  <a:srgbClr val="404040"/>
+                </a:solidFill>
+                <a:effectLst/>
+                <a:latin typeface="Roboto Slab" pitchFamily="2" charset="0"/>
+              </a:rPr>
+              <a:t>Python-ETL</a:t>
+            </a:r>
+          </a:p>
+          <a:p>
+            <a:pPr lvl="1"/>
+            <a:r>
+              <a:rPr lang="en-US" sz="2400" b="1" i="0" dirty="0" err="1">
+                <a:solidFill>
+                  <a:srgbClr val="404040"/>
+                </a:solidFill>
+                <a:effectLst/>
+                <a:latin typeface="Roboto Slab" pitchFamily="2" charset="0"/>
+              </a:rPr>
+              <a:t>petl</a:t>
+            </a:r>
+            <a:r>
+              <a:rPr lang="en-US" sz="2400" b="1" i="0" dirty="0">
+                <a:solidFill>
+                  <a:srgbClr val="404040"/>
+                </a:solidFill>
+                <a:effectLst/>
+                <a:latin typeface="Roboto Slab" pitchFamily="2" charset="0"/>
+              </a:rPr>
+              <a:t> - Extract, Transform and Load</a:t>
+            </a:r>
+          </a:p>
+          <a:p>
+            <a:r>
+              <a:rPr lang="en-US" altLang="en-US" sz="2800" dirty="0"/>
+              <a:t>Teradata Warehouse Builder from Teradata</a:t>
+            </a:r>
+          </a:p>
+          <a:p>
+            <a:r>
+              <a:rPr lang="en-US" altLang="en-US" sz="2800" dirty="0"/>
+              <a:t>DataStage from </a:t>
+            </a:r>
+            <a:r>
+              <a:rPr lang="en-US" altLang="en-US" sz="2800" dirty="0" err="1"/>
+              <a:t>Ascential</a:t>
+            </a:r>
+            <a:r>
+              <a:rPr lang="en-US" altLang="en-US" sz="2800" dirty="0"/>
+              <a:t> Software</a:t>
+            </a:r>
+          </a:p>
+          <a:p>
+            <a:r>
+              <a:rPr lang="en-US" altLang="en-US" sz="2800" dirty="0"/>
+              <a:t>SAS System from SAS Institute</a:t>
+            </a:r>
+          </a:p>
+          <a:p>
+            <a:r>
+              <a:rPr lang="en-US" altLang="en-US" sz="2800" dirty="0"/>
+              <a:t>Power Mart/Power Center from Informatica</a:t>
+            </a:r>
+          </a:p>
+          <a:p>
+            <a:r>
+              <a:rPr lang="en-US" altLang="en-US" sz="2800" dirty="0" err="1"/>
+              <a:t>Sagent</a:t>
+            </a:r>
+            <a:r>
+              <a:rPr lang="en-US" altLang="en-US" sz="2800" dirty="0"/>
+              <a:t> Solution from </a:t>
+            </a:r>
+            <a:r>
+              <a:rPr lang="en-US" altLang="en-US" sz="2800" dirty="0" err="1"/>
+              <a:t>Sagent</a:t>
+            </a:r>
+            <a:r>
+              <a:rPr lang="en-US" altLang="en-US" sz="2800" dirty="0"/>
+              <a:t> Software</a:t>
+            </a:r>
+          </a:p>
+          <a:p>
+            <a:r>
+              <a:rPr lang="en-US" altLang="en-US" sz="2800" dirty="0"/>
+              <a:t>Hummingbird </a:t>
+            </a:r>
+            <a:r>
+              <a:rPr lang="en-US" altLang="en-US" sz="2800" dirty="0" err="1"/>
+              <a:t>Genio</a:t>
+            </a:r>
+            <a:r>
+              <a:rPr lang="en-US" altLang="en-US" sz="2800" dirty="0"/>
+              <a:t> Suite from Hummingbird Communications</a:t>
+            </a:r>
+            <a:endParaRPr lang="en-US" altLang="en-US" dirty="0"/>
           </a:p>
         </p:txBody>
       </p:sp>
@@ -14232,10 +14473,10 @@
       </p:grpSpPr>
       <p:sp>
         <p:nvSpPr>
-          <p:cNvPr id="26626" name="Rectangle 2">
-            <a:extLst>
-              <a:ext uri="{FF2B5EF4-FFF2-40B4-BE49-F238E27FC236}">
-                <a16:creationId xmlns:a16="http://schemas.microsoft.com/office/drawing/2014/main" id="{03DA8043-8AAF-24B0-4B01-C009E430C77D}"/>
+          <p:cNvPr id="22530" name="Rectangle 2">
+            <a:extLst>
+              <a:ext uri="{FF2B5EF4-FFF2-40B4-BE49-F238E27FC236}">
+                <a16:creationId xmlns:a16="http://schemas.microsoft.com/office/drawing/2014/main" id="{DE95D085-47CA-4B25-7519-9E6598399FE6}"/>
               </a:ext>
             </a:extLst>
           </p:cNvPr>
@@ -14258,17 +14499,17 @@
           <a:p>
             <a:r>
               <a:rPr lang="en-US" altLang="en-US"/>
-              <a:t>Steps in Data Cleansing</a:t>
+              <a:t>Reasons for “Dirty” Data</a:t>
             </a:r>
           </a:p>
         </p:txBody>
       </p:sp>
       <p:sp>
         <p:nvSpPr>
-          <p:cNvPr id="26627" name="Rectangle 3" descr="Rectangle: Click to edit Master text styles&#13;&#10;Second level&#13;&#10;Third level&#13;&#10;Fourth level&#13;&#10;Fifth level">
-            <a:extLst>
-              <a:ext uri="{FF2B5EF4-FFF2-40B4-BE49-F238E27FC236}">
-                <a16:creationId xmlns:a16="http://schemas.microsoft.com/office/drawing/2014/main" id="{BCC1066C-2A24-36F4-E835-DE3A90639D0C}"/>
+          <p:cNvPr id="22531" name="Rectangle 3" descr="Rectangle: Click to edit Master text styles&#13;&#10;Second level&#13;&#10;Third level&#13;&#10;Fourth level&#13;&#10;Fifth level">
+            <a:extLst>
+              <a:ext uri="{FF2B5EF4-FFF2-40B4-BE49-F238E27FC236}">
+                <a16:creationId xmlns:a16="http://schemas.microsoft.com/office/drawing/2014/main" id="{BB00D041-BB64-6996-4500-5C8049FFB3D1}"/>
               </a:ext>
             </a:extLst>
           </p:cNvPr>
@@ -14285,8 +14526,11 @@
           <a:lstStyle/>
           <a:p>
             <a:pPr>
+              <a:lnSpc>
+                <a:spcPct val="60000"/>
+              </a:lnSpc>
               <a:spcAft>
-                <a:spcPct val="40000"/>
+                <a:spcPct val="20000"/>
               </a:spcAft>
               <a:buClr>
                 <a:schemeClr val="tx1"/>
@@ -14295,14 +14539,17 @@
               <a:buChar char="·"/>
             </a:pPr>
             <a:r>
-              <a:rPr lang="en-US" altLang="en-US"/>
-              <a:t>Parsing</a:t>
+              <a:rPr lang="en-US" altLang="en-US" sz="2800"/>
+              <a:t>Dummy Values</a:t>
             </a:r>
           </a:p>
           <a:p>
             <a:pPr>
+              <a:lnSpc>
+                <a:spcPct val="60000"/>
+              </a:lnSpc>
               <a:spcAft>
-                <a:spcPct val="40000"/>
+                <a:spcPct val="20000"/>
               </a:spcAft>
               <a:buClr>
                 <a:schemeClr val="tx1"/>
@@ -14311,14 +14558,17 @@
               <a:buChar char="·"/>
             </a:pPr>
             <a:r>
-              <a:rPr lang="en-US" altLang="en-US"/>
-              <a:t>Correcting</a:t>
+              <a:rPr lang="en-US" altLang="en-US" sz="2800"/>
+              <a:t>Absence of Data</a:t>
             </a:r>
           </a:p>
           <a:p>
             <a:pPr>
+              <a:lnSpc>
+                <a:spcPct val="60000"/>
+              </a:lnSpc>
               <a:spcAft>
-                <a:spcPct val="40000"/>
+                <a:spcPct val="20000"/>
               </a:spcAft>
               <a:buClr>
                 <a:schemeClr val="tx1"/>
@@ -14327,14 +14577,17 @@
               <a:buChar char="·"/>
             </a:pPr>
             <a:r>
-              <a:rPr lang="en-US" altLang="en-US"/>
-              <a:t>Standardizing</a:t>
+              <a:rPr lang="en-US" altLang="en-US" sz="2800"/>
+              <a:t>Multipurpose Fields</a:t>
             </a:r>
           </a:p>
           <a:p>
             <a:pPr>
+              <a:lnSpc>
+                <a:spcPct val="60000"/>
+              </a:lnSpc>
               <a:spcAft>
-                <a:spcPct val="40000"/>
+                <a:spcPct val="20000"/>
               </a:spcAft>
               <a:buClr>
                 <a:schemeClr val="tx1"/>
@@ -14343,14 +14596,17 @@
               <a:buChar char="·"/>
             </a:pPr>
             <a:r>
-              <a:rPr lang="en-US" altLang="en-US"/>
-              <a:t>Matching</a:t>
+              <a:rPr lang="en-US" altLang="en-US" sz="2800"/>
+              <a:t>Cryptic Data</a:t>
             </a:r>
           </a:p>
           <a:p>
             <a:pPr>
+              <a:lnSpc>
+                <a:spcPct val="60000"/>
+              </a:lnSpc>
               <a:spcAft>
-                <a:spcPct val="40000"/>
+                <a:spcPct val="20000"/>
               </a:spcAft>
               <a:buClr>
                 <a:schemeClr val="tx1"/>
@@ -14359,13 +14615,105 @@
               <a:buChar char="·"/>
             </a:pPr>
             <a:r>
-              <a:rPr lang="en-US" altLang="en-US"/>
-              <a:t>Consolidating</a:t>
-            </a:r>
-            <a:endParaRPr lang="en-US" altLang="en-US" sz="4400"/>
-          </a:p>
-          <a:p>
-            <a:endParaRPr lang="en-US" altLang="en-US" sz="2800"/>
+              <a:rPr lang="en-US" altLang="en-US" sz="2800"/>
+              <a:t>Contradicting Data</a:t>
+            </a:r>
+          </a:p>
+          <a:p>
+            <a:pPr>
+              <a:lnSpc>
+                <a:spcPct val="60000"/>
+              </a:lnSpc>
+              <a:spcAft>
+                <a:spcPct val="20000"/>
+              </a:spcAft>
+              <a:buClr>
+                <a:schemeClr val="tx1"/>
+              </a:buClr>
+              <a:buFont typeface="Symbol" pitchFamily="2" charset="2"/>
+              <a:buChar char="·"/>
+            </a:pPr>
+            <a:r>
+              <a:rPr lang="en-US" altLang="en-US" sz="2800"/>
+              <a:t>Inappropriate Use of Address Lines</a:t>
+            </a:r>
+          </a:p>
+          <a:p>
+            <a:pPr>
+              <a:lnSpc>
+                <a:spcPct val="60000"/>
+              </a:lnSpc>
+              <a:spcAft>
+                <a:spcPct val="20000"/>
+              </a:spcAft>
+              <a:buClr>
+                <a:schemeClr val="tx1"/>
+              </a:buClr>
+              <a:buFont typeface="Symbol" pitchFamily="2" charset="2"/>
+              <a:buChar char="·"/>
+            </a:pPr>
+            <a:r>
+              <a:rPr lang="en-US" altLang="en-US" sz="2800"/>
+              <a:t>Violation of Business Rules</a:t>
+            </a:r>
+          </a:p>
+          <a:p>
+            <a:pPr>
+              <a:lnSpc>
+                <a:spcPct val="60000"/>
+              </a:lnSpc>
+              <a:spcAft>
+                <a:spcPct val="20000"/>
+              </a:spcAft>
+              <a:buClr>
+                <a:schemeClr val="tx1"/>
+              </a:buClr>
+              <a:buFont typeface="Symbol" pitchFamily="2" charset="2"/>
+              <a:buChar char="·"/>
+            </a:pPr>
+            <a:r>
+              <a:rPr lang="en-US" altLang="en-US" sz="2800"/>
+              <a:t>Reused Primary Keys,</a:t>
+            </a:r>
+          </a:p>
+          <a:p>
+            <a:pPr>
+              <a:lnSpc>
+                <a:spcPct val="60000"/>
+              </a:lnSpc>
+              <a:spcAft>
+                <a:spcPct val="20000"/>
+              </a:spcAft>
+              <a:buClr>
+                <a:schemeClr val="tx1"/>
+              </a:buClr>
+              <a:buFont typeface="Symbol" pitchFamily="2" charset="2"/>
+              <a:buChar char="·"/>
+            </a:pPr>
+            <a:r>
+              <a:rPr lang="en-US" altLang="en-US" sz="2800"/>
+              <a:t>Non-Unique Identifiers</a:t>
+            </a:r>
+          </a:p>
+          <a:p>
+            <a:pPr>
+              <a:lnSpc>
+                <a:spcPct val="60000"/>
+              </a:lnSpc>
+              <a:spcAft>
+                <a:spcPct val="20000"/>
+              </a:spcAft>
+              <a:buClr>
+                <a:schemeClr val="tx1"/>
+              </a:buClr>
+              <a:buFont typeface="Symbol" pitchFamily="2" charset="2"/>
+              <a:buChar char="·"/>
+            </a:pPr>
+            <a:r>
+              <a:rPr lang="en-US" altLang="en-US" sz="2800"/>
+              <a:t>Data Integration Problems</a:t>
+            </a:r>
+            <a:endParaRPr lang="en-US" altLang="en-US" sz="4100"/>
           </a:p>
         </p:txBody>
       </p:sp>
@@ -14396,10 +14744,10 @@
       </p:grpSpPr>
       <p:sp>
         <p:nvSpPr>
-          <p:cNvPr id="28674" name="Rectangle 2">
-            <a:extLst>
-              <a:ext uri="{FF2B5EF4-FFF2-40B4-BE49-F238E27FC236}">
-                <a16:creationId xmlns:a16="http://schemas.microsoft.com/office/drawing/2014/main" id="{3A3E0787-027A-38AD-25D0-E125B39F29F5}"/>
+          <p:cNvPr id="24578" name="Rectangle 2">
+            <a:extLst>
+              <a:ext uri="{FF2B5EF4-FFF2-40B4-BE49-F238E27FC236}">
+                <a16:creationId xmlns:a16="http://schemas.microsoft.com/office/drawing/2014/main" id="{10CC59E9-58CE-D373-5C40-00A7FCB441A8}"/>
               </a:ext>
             </a:extLst>
           </p:cNvPr>
@@ -14422,17 +14770,17 @@
           <a:p>
             <a:r>
               <a:rPr lang="en-US" altLang="en-US"/>
-              <a:t>Parsing</a:t>
+              <a:t>Data Cleansing</a:t>
             </a:r>
           </a:p>
         </p:txBody>
       </p:sp>
       <p:sp>
         <p:nvSpPr>
-          <p:cNvPr id="28675" name="Rectangle 3" descr="Rectangle: Click to edit Master text styles&#13;&#10;Second level&#13;&#10;Third level&#13;&#10;Fourth level&#13;&#10;Fifth level">
-            <a:extLst>
-              <a:ext uri="{FF2B5EF4-FFF2-40B4-BE49-F238E27FC236}">
-                <a16:creationId xmlns:a16="http://schemas.microsoft.com/office/drawing/2014/main" id="{4868DD6D-FBC0-A373-B83F-4501705443C5}"/>
+          <p:cNvPr id="24579" name="Rectangle 3" descr="Rectangle: Click to edit Master text styles&#13;&#10;Second level&#13;&#10;Third level&#13;&#10;Fourth level&#13;&#10;Fifth level">
+            <a:extLst>
+              <a:ext uri="{FF2B5EF4-FFF2-40B4-BE49-F238E27FC236}">
+                <a16:creationId xmlns:a16="http://schemas.microsoft.com/office/drawing/2014/main" id="{626315FF-CCC7-16D4-A7E5-65086BD43C31}"/>
               </a:ext>
             </a:extLst>
           </p:cNvPr>
@@ -14449,41 +14797,55 @@
           <a:lstStyle/>
           <a:p>
             <a:pPr>
-              <a:spcBef>
-                <a:spcPct val="0"/>
-              </a:spcBef>
+              <a:lnSpc>
+                <a:spcPct val="90000"/>
+              </a:lnSpc>
             </a:pPr>
             <a:r>
-              <a:rPr lang="en-US" altLang="en-US">
-                <a:cs typeface="Times New Roman" panose="02020603050405020304" pitchFamily="18" charset="0"/>
-              </a:rPr>
-              <a:t>Parsing locates and identifies individual data elements in the source files and then isolates these data elements in the target files.</a:t>
+              <a:rPr lang="en-US" altLang="en-US" sz="2800"/>
+              <a:t>Source systems contain “dirty data” that must be cleansed</a:t>
             </a:r>
           </a:p>
           <a:p>
             <a:pPr>
-              <a:spcBef>
-                <a:spcPct val="0"/>
-              </a:spcBef>
+              <a:lnSpc>
+                <a:spcPct val="90000"/>
+              </a:lnSpc>
             </a:pPr>
             <a:r>
-              <a:rPr lang="en-US" altLang="en-US">
-                <a:cs typeface="Times New Roman" panose="02020603050405020304" pitchFamily="18" charset="0"/>
-              </a:rPr>
-              <a:t>Examples include parsing the first, middle, and last name; street number and street name; and city and state.</a:t>
+              <a:rPr lang="en-US" altLang="en-US" sz="2800"/>
+              <a:t>ETL software contains rudimentary data cleansing capabilities</a:t>
             </a:r>
           </a:p>
           <a:p>
             <a:pPr>
-              <a:spcBef>
-                <a:spcPct val="0"/>
-              </a:spcBef>
+              <a:lnSpc>
+                <a:spcPct val="90000"/>
+              </a:lnSpc>
             </a:pPr>
-            <a:endParaRPr lang="en-US" altLang="en-US">
-              <a:cs typeface="Times New Roman" panose="02020603050405020304" pitchFamily="18" charset="0"/>
-            </a:endParaRPr>
-          </a:p>
-          <a:p>
+            <a:r>
+              <a:rPr lang="en-US" altLang="en-US" sz="2800"/>
+              <a:t>Specialized data cleansing software is often used.  Important for performing name and address correction and householding functions</a:t>
+            </a:r>
+          </a:p>
+          <a:p>
+            <a:pPr>
+              <a:lnSpc>
+                <a:spcPct val="90000"/>
+              </a:lnSpc>
+            </a:pPr>
+            <a:r>
+              <a:rPr lang="en-US" altLang="en-US" sz="2800"/>
+              <a:t>Leading data cleansing vendors include Vality (Integrity), Harte-Hanks (Trillium), and Firstlogic (i.d.Centric)</a:t>
+            </a:r>
+            <a:endParaRPr lang="en-US" altLang="en-US"/>
+          </a:p>
+          <a:p>
+            <a:pPr>
+              <a:lnSpc>
+                <a:spcPct val="90000"/>
+              </a:lnSpc>
+            </a:pPr>
             <a:endParaRPr lang="en-US" altLang="en-US"/>
           </a:p>
         </p:txBody>
@@ -14515,10 +14877,10 @@
       </p:grpSpPr>
       <p:sp>
         <p:nvSpPr>
-          <p:cNvPr id="30722" name="Rectangle 2">
-            <a:extLst>
-              <a:ext uri="{FF2B5EF4-FFF2-40B4-BE49-F238E27FC236}">
-                <a16:creationId xmlns:a16="http://schemas.microsoft.com/office/drawing/2014/main" id="{006E7A22-955E-B32D-B038-0DE91C6297F2}"/>
+          <p:cNvPr id="26626" name="Rectangle 2">
+            <a:extLst>
+              <a:ext uri="{FF2B5EF4-FFF2-40B4-BE49-F238E27FC236}">
+                <a16:creationId xmlns:a16="http://schemas.microsoft.com/office/drawing/2014/main" id="{03DA8043-8AAF-24B0-4B01-C009E430C77D}"/>
               </a:ext>
             </a:extLst>
           </p:cNvPr>
@@ -14541,17 +14903,17 @@
           <a:p>
             <a:r>
               <a:rPr lang="en-US" altLang="en-US"/>
-              <a:t>Correcting</a:t>
+              <a:t>Steps in Data Cleansing</a:t>
             </a:r>
           </a:p>
         </p:txBody>
       </p:sp>
       <p:sp>
         <p:nvSpPr>
-          <p:cNvPr id="30723" name="Rectangle 3" descr="Rectangle: Click to edit Master text styles&#13;&#10;Second level&#13;&#10;Third level&#13;&#10;Fourth level&#13;&#10;Fifth level">
-            <a:extLst>
-              <a:ext uri="{FF2B5EF4-FFF2-40B4-BE49-F238E27FC236}">
-                <a16:creationId xmlns:a16="http://schemas.microsoft.com/office/drawing/2014/main" id="{5BE8DB2B-EF5B-2DED-CEE1-75A1D63F29B9}"/>
+          <p:cNvPr id="26627" name="Rectangle 3" descr="Rectangle: Click to edit Master text styles&#13;&#10;Second level&#13;&#10;Third level&#13;&#10;Fourth level&#13;&#10;Fifth level">
+            <a:extLst>
+              <a:ext uri="{FF2B5EF4-FFF2-40B4-BE49-F238E27FC236}">
+                <a16:creationId xmlns:a16="http://schemas.microsoft.com/office/drawing/2014/main" id="{BCC1066C-2A24-36F4-E835-DE3A90639D0C}"/>
               </a:ext>
             </a:extLst>
           </p:cNvPr>
@@ -14567,23 +14929,88 @@
           <a:bodyPr/>
           <a:lstStyle/>
           <a:p>
-            <a:r>
-              <a:rPr lang="en-US" altLang="en-US">
-                <a:cs typeface="Times New Roman" panose="02020603050405020304" pitchFamily="18" charset="0"/>
-              </a:rPr>
-              <a:t>Corrects parsed individual data components using sophisticated data algorithms and secondary data sources.</a:t>
-            </a:r>
-          </a:p>
-          <a:p>
-            <a:r>
-              <a:rPr lang="en-US" altLang="en-US">
-                <a:cs typeface="Times New Roman" panose="02020603050405020304" pitchFamily="18" charset="0"/>
-              </a:rPr>
-              <a:t>Example include replacing a vanity address and adding a zip code.</a:t>
-            </a:r>
-            <a:endParaRPr lang="en-US" altLang="en-US" sz="4400">
-              <a:cs typeface="Times New Roman" panose="02020603050405020304" pitchFamily="18" charset="0"/>
-            </a:endParaRPr>
+            <a:pPr>
+              <a:spcAft>
+                <a:spcPct val="40000"/>
+              </a:spcAft>
+              <a:buClr>
+                <a:schemeClr val="tx1"/>
+              </a:buClr>
+              <a:buFont typeface="Symbol" pitchFamily="2" charset="2"/>
+              <a:buChar char="·"/>
+            </a:pPr>
+            <a:r>
+              <a:rPr lang="en-US" altLang="en-US"/>
+              <a:t>Parsing</a:t>
+            </a:r>
+          </a:p>
+          <a:p>
+            <a:pPr>
+              <a:spcAft>
+                <a:spcPct val="40000"/>
+              </a:spcAft>
+              <a:buClr>
+                <a:schemeClr val="tx1"/>
+              </a:buClr>
+              <a:buFont typeface="Symbol" pitchFamily="2" charset="2"/>
+              <a:buChar char="·"/>
+            </a:pPr>
+            <a:r>
+              <a:rPr lang="en-US" altLang="en-US"/>
+              <a:t>Correcting</a:t>
+            </a:r>
+          </a:p>
+          <a:p>
+            <a:pPr>
+              <a:spcAft>
+                <a:spcPct val="40000"/>
+              </a:spcAft>
+              <a:buClr>
+                <a:schemeClr val="tx1"/>
+              </a:buClr>
+              <a:buFont typeface="Symbol" pitchFamily="2" charset="2"/>
+              <a:buChar char="·"/>
+            </a:pPr>
+            <a:r>
+              <a:rPr lang="en-US" altLang="en-US"/>
+              <a:t>Standardizing</a:t>
+            </a:r>
+          </a:p>
+          <a:p>
+            <a:pPr>
+              <a:spcAft>
+                <a:spcPct val="40000"/>
+              </a:spcAft>
+              <a:buClr>
+                <a:schemeClr val="tx1"/>
+              </a:buClr>
+              <a:buFont typeface="Symbol" pitchFamily="2" charset="2"/>
+              <a:buChar char="·"/>
+            </a:pPr>
+            <a:r>
+              <a:rPr lang="en-US" altLang="en-US"/>
+              <a:t>Matching</a:t>
+            </a:r>
+          </a:p>
+          <a:p>
+            <a:pPr>
+              <a:spcAft>
+                <a:spcPct val="40000"/>
+              </a:spcAft>
+              <a:buClr>
+                <a:schemeClr val="tx1"/>
+              </a:buClr>
+              <a:buFont typeface="Symbol" pitchFamily="2" charset="2"/>
+              <a:buChar char="·"/>
+            </a:pPr>
+            <a:r>
+              <a:rPr lang="en-US" altLang="en-US"/>
+              <a:t>Consolidating</a:t>
+            </a:r>
+            <a:endParaRPr lang="en-US" altLang="en-US" sz="4400"/>
+          </a:p>
+          <a:p>
+            <a:endParaRPr lang="en-US" altLang="en-US" sz="2800"/>
           </a:p>
         </p:txBody>
       </p:sp>
@@ -14614,10 +15041,10 @@
       </p:grpSpPr>
       <p:sp>
         <p:nvSpPr>
-          <p:cNvPr id="32770" name="Rectangle 2">
-            <a:extLst>
-              <a:ext uri="{FF2B5EF4-FFF2-40B4-BE49-F238E27FC236}">
-                <a16:creationId xmlns:a16="http://schemas.microsoft.com/office/drawing/2014/main" id="{C4F515CD-98F9-9A3E-7BB9-548EFDA1CE43}"/>
+          <p:cNvPr id="28674" name="Rectangle 2">
+            <a:extLst>
+              <a:ext uri="{FF2B5EF4-FFF2-40B4-BE49-F238E27FC236}">
+                <a16:creationId xmlns:a16="http://schemas.microsoft.com/office/drawing/2014/main" id="{3A3E0787-027A-38AD-25D0-E125B39F29F5}"/>
               </a:ext>
             </a:extLst>
           </p:cNvPr>
@@ -14640,17 +15067,17 @@
           <a:p>
             <a:r>
               <a:rPr lang="en-US" altLang="en-US"/>
-              <a:t>Standardizing</a:t>
+              <a:t>Parsing</a:t>
             </a:r>
           </a:p>
         </p:txBody>
       </p:sp>
       <p:sp>
         <p:nvSpPr>
-          <p:cNvPr id="32771" name="Rectangle 3" descr="Rectangle: Click to edit Master text styles&#13;&#10;Second level&#13;&#10;Third level&#13;&#10;Fourth level&#13;&#10;Fifth level">
-            <a:extLst>
-              <a:ext uri="{FF2B5EF4-FFF2-40B4-BE49-F238E27FC236}">
-                <a16:creationId xmlns:a16="http://schemas.microsoft.com/office/drawing/2014/main" id="{B0796A05-9D8D-61A5-D5B1-F11C8C265CF2}"/>
+          <p:cNvPr id="28675" name="Rectangle 3" descr="Rectangle: Click to edit Master text styles&#13;&#10;Second level&#13;&#10;Third level&#13;&#10;Fourth level&#13;&#10;Fifth level">
+            <a:extLst>
+              <a:ext uri="{FF2B5EF4-FFF2-40B4-BE49-F238E27FC236}">
+                <a16:creationId xmlns:a16="http://schemas.microsoft.com/office/drawing/2014/main" id="{4868DD6D-FBC0-A373-B83F-4501705443C5}"/>
               </a:ext>
             </a:extLst>
           </p:cNvPr>
@@ -14666,23 +15093,43 @@
           <a:bodyPr/>
           <a:lstStyle/>
           <a:p>
+            <a:pPr>
+              <a:spcBef>
+                <a:spcPct val="0"/>
+              </a:spcBef>
+            </a:pPr>
             <a:r>
               <a:rPr lang="en-US" altLang="en-US">
                 <a:cs typeface="Times New Roman" panose="02020603050405020304" pitchFamily="18" charset="0"/>
               </a:rPr>
-              <a:t>Standardizing applies conversion routines to transform data into its preferred (and consistent) format using both standard and custom business rules.</a:t>
-            </a:r>
-          </a:p>
-          <a:p>
+              <a:t>Parsing locates and identifies individual data elements in the source files and then isolates these data elements in the target files.</a:t>
+            </a:r>
+          </a:p>
+          <a:p>
+            <a:pPr>
+              <a:spcBef>
+                <a:spcPct val="0"/>
+              </a:spcBef>
+            </a:pPr>
             <a:r>
               <a:rPr lang="en-US" altLang="en-US">
                 <a:cs typeface="Times New Roman" panose="02020603050405020304" pitchFamily="18" charset="0"/>
               </a:rPr>
-              <a:t>Examples include adding a pre name, replacing a nickname, and using a preferred street name. </a:t>
-            </a:r>
-            <a:endParaRPr lang="en-US" altLang="en-US" sz="4400">
+              <a:t>Examples include parsing the first, middle, and last name; street number and street name; and city and state.</a:t>
+            </a:r>
+          </a:p>
+          <a:p>
+            <a:pPr>
+              <a:spcBef>
+                <a:spcPct val="0"/>
+              </a:spcBef>
+            </a:pPr>
+            <a:endParaRPr lang="en-US" altLang="en-US">
               <a:cs typeface="Times New Roman" panose="02020603050405020304" pitchFamily="18" charset="0"/>
             </a:endParaRPr>
+          </a:p>
+          <a:p>
+            <a:endParaRPr lang="en-US" altLang="en-US"/>
           </a:p>
         </p:txBody>
       </p:sp>
@@ -14713,10 +15160,10 @@
       </p:grpSpPr>
       <p:sp>
         <p:nvSpPr>
-          <p:cNvPr id="34818" name="Rectangle 2">
-            <a:extLst>
-              <a:ext uri="{FF2B5EF4-FFF2-40B4-BE49-F238E27FC236}">
-                <a16:creationId xmlns:a16="http://schemas.microsoft.com/office/drawing/2014/main" id="{E5B2BA4A-2A7C-3FAF-81CC-576DFCB3B7FD}"/>
+          <p:cNvPr id="30722" name="Rectangle 2">
+            <a:extLst>
+              <a:ext uri="{FF2B5EF4-FFF2-40B4-BE49-F238E27FC236}">
+                <a16:creationId xmlns:a16="http://schemas.microsoft.com/office/drawing/2014/main" id="{006E7A22-955E-B32D-B038-0DE91C6297F2}"/>
               </a:ext>
             </a:extLst>
           </p:cNvPr>
@@ -14739,17 +15186,17 @@
           <a:p>
             <a:r>
               <a:rPr lang="en-US" altLang="en-US"/>
-              <a:t>Matching</a:t>
+              <a:t>Correcting</a:t>
             </a:r>
           </a:p>
         </p:txBody>
       </p:sp>
       <p:sp>
         <p:nvSpPr>
-          <p:cNvPr id="34819" name="Rectangle 3" descr="Rectangle: Click to edit Master text styles&#13;&#10;Second level&#13;&#10;Third level&#13;&#10;Fourth level&#13;&#10;Fifth level">
-            <a:extLst>
-              <a:ext uri="{FF2B5EF4-FFF2-40B4-BE49-F238E27FC236}">
-                <a16:creationId xmlns:a16="http://schemas.microsoft.com/office/drawing/2014/main" id="{A5188508-E4FB-2540-79A5-6A440520D802}"/>
+          <p:cNvPr id="30723" name="Rectangle 3" descr="Rectangle: Click to edit Master text styles&#13;&#10;Second level&#13;&#10;Third level&#13;&#10;Fourth level&#13;&#10;Fifth level">
+            <a:extLst>
+              <a:ext uri="{FF2B5EF4-FFF2-40B4-BE49-F238E27FC236}">
+                <a16:creationId xmlns:a16="http://schemas.microsoft.com/office/drawing/2014/main" id="{5BE8DB2B-EF5B-2DED-CEE1-75A1D63F29B9}"/>
               </a:ext>
             </a:extLst>
           </p:cNvPr>
@@ -14769,7 +15216,7 @@
               <a:rPr lang="en-US" altLang="en-US">
                 <a:cs typeface="Times New Roman" panose="02020603050405020304" pitchFamily="18" charset="0"/>
               </a:rPr>
-              <a:t>Searching and matching records within and across the parsed, corrected and standardized data based on predefined business rules to eliminate duplications.</a:t>
+              <a:t>Corrects parsed individual data components using sophisticated data algorithms and secondary data sources.</a:t>
             </a:r>
           </a:p>
           <a:p>
@@ -14777,7 +15224,7 @@
               <a:rPr lang="en-US" altLang="en-US">
                 <a:cs typeface="Times New Roman" panose="02020603050405020304" pitchFamily="18" charset="0"/>
               </a:rPr>
-              <a:t>Examples include identifying similar names and addresses.</a:t>
+              <a:t>Example include replacing a vanity address and adding a zip code.</a:t>
             </a:r>
             <a:endParaRPr lang="en-US" altLang="en-US" sz="4400">
               <a:cs typeface="Times New Roman" panose="02020603050405020304" pitchFamily="18" charset="0"/>
@@ -14812,10 +15259,10 @@
       </p:grpSpPr>
       <p:sp>
         <p:nvSpPr>
-          <p:cNvPr id="36866" name="Rectangle 2">
-            <a:extLst>
-              <a:ext uri="{FF2B5EF4-FFF2-40B4-BE49-F238E27FC236}">
-                <a16:creationId xmlns:a16="http://schemas.microsoft.com/office/drawing/2014/main" id="{6904D080-1A4E-8FD3-0C91-9C960ABA3009}"/>
+          <p:cNvPr id="32770" name="Rectangle 2">
+            <a:extLst>
+              <a:ext uri="{FF2B5EF4-FFF2-40B4-BE49-F238E27FC236}">
+                <a16:creationId xmlns:a16="http://schemas.microsoft.com/office/drawing/2014/main" id="{C4F515CD-98F9-9A3E-7BB9-548EFDA1CE43}"/>
               </a:ext>
             </a:extLst>
           </p:cNvPr>
@@ -14838,17 +15285,17 @@
           <a:p>
             <a:r>
               <a:rPr lang="en-US" altLang="en-US"/>
-              <a:t>Consolidating</a:t>
+              <a:t>Standardizing</a:t>
             </a:r>
           </a:p>
         </p:txBody>
       </p:sp>
       <p:sp>
         <p:nvSpPr>
-          <p:cNvPr id="36867" name="Rectangle 3" descr="Rectangle: Click to edit Master text styles&#13;&#10;Second level&#13;&#10;Third level&#13;&#10;Fourth level&#13;&#10;Fifth level">
-            <a:extLst>
-              <a:ext uri="{FF2B5EF4-FFF2-40B4-BE49-F238E27FC236}">
-                <a16:creationId xmlns:a16="http://schemas.microsoft.com/office/drawing/2014/main" id="{38881418-4C8C-30CD-0B8D-5BC02A701F69}"/>
+          <p:cNvPr id="32771" name="Rectangle 3" descr="Rectangle: Click to edit Master text styles&#13;&#10;Second level&#13;&#10;Third level&#13;&#10;Fourth level&#13;&#10;Fifth level">
+            <a:extLst>
+              <a:ext uri="{FF2B5EF4-FFF2-40B4-BE49-F238E27FC236}">
+                <a16:creationId xmlns:a16="http://schemas.microsoft.com/office/drawing/2014/main" id="{B0796A05-9D8D-61A5-D5B1-F11C8C265CF2}"/>
               </a:ext>
             </a:extLst>
           </p:cNvPr>
@@ -14864,25 +15311,23 @@
           <a:bodyPr/>
           <a:lstStyle/>
           <a:p>
-            <a:pPr>
-              <a:spcAft>
-                <a:spcPct val="40000"/>
-              </a:spcAft>
-              <a:buClr>
-                <a:schemeClr val="tx1"/>
-              </a:buClr>
-              <a:buFont typeface="Symbol" pitchFamily="2" charset="2"/>
-              <a:buChar char="·"/>
-            </a:pPr>
             <a:r>
               <a:rPr lang="en-US" altLang="en-US">
                 <a:cs typeface="Times New Roman" panose="02020603050405020304" pitchFamily="18" charset="0"/>
               </a:rPr>
-              <a:t>Analyzing and identifying relationships between matched records and consolidating/merging them into ONE representation.</a:t>
-            </a:r>
-          </a:p>
-          <a:p>
-            <a:endParaRPr lang="en-US" altLang="en-US"/>
+              <a:t>Standardizing applies conversion routines to transform data into its preferred (and consistent) format using both standard and custom business rules.</a:t>
+            </a:r>
+          </a:p>
+          <a:p>
+            <a:r>
+              <a:rPr lang="en-US" altLang="en-US">
+                <a:cs typeface="Times New Roman" panose="02020603050405020304" pitchFamily="18" charset="0"/>
+              </a:rPr>
+              <a:t>Examples include adding a pre name, replacing a nickname, and using a preferred street name. </a:t>
+            </a:r>
+            <a:endParaRPr lang="en-US" altLang="en-US" sz="4400">
+              <a:cs typeface="Times New Roman" panose="02020603050405020304" pitchFamily="18" charset="0"/>
+            </a:endParaRPr>
           </a:p>
         </p:txBody>
       </p:sp>
@@ -14913,10 +15358,10 @@
       </p:grpSpPr>
       <p:sp>
         <p:nvSpPr>
-          <p:cNvPr id="38914" name="Rectangle 2">
-            <a:extLst>
-              <a:ext uri="{FF2B5EF4-FFF2-40B4-BE49-F238E27FC236}">
-                <a16:creationId xmlns:a16="http://schemas.microsoft.com/office/drawing/2014/main" id="{AB220426-7B52-F1A3-7EEA-3CF4A009F2F4}"/>
+          <p:cNvPr id="34818" name="Rectangle 2">
+            <a:extLst>
+              <a:ext uri="{FF2B5EF4-FFF2-40B4-BE49-F238E27FC236}">
+                <a16:creationId xmlns:a16="http://schemas.microsoft.com/office/drawing/2014/main" id="{E5B2BA4A-2A7C-3FAF-81CC-576DFCB3B7FD}"/>
               </a:ext>
             </a:extLst>
           </p:cNvPr>
@@ -14939,17 +15384,17 @@
           <a:p>
             <a:r>
               <a:rPr lang="en-US" altLang="en-US"/>
-              <a:t>Data Staging</a:t>
+              <a:t>Matching</a:t>
             </a:r>
           </a:p>
         </p:txBody>
       </p:sp>
       <p:sp>
         <p:nvSpPr>
-          <p:cNvPr id="38915" name="Rectangle 3" descr="Rectangle: Click to edit Master text styles&#13;&#10;Second level&#13;&#10;Third level&#13;&#10;Fourth level&#13;&#10;Fifth level">
-            <a:extLst>
-              <a:ext uri="{FF2B5EF4-FFF2-40B4-BE49-F238E27FC236}">
-                <a16:creationId xmlns:a16="http://schemas.microsoft.com/office/drawing/2014/main" id="{F7F207A9-771D-D45A-E88F-347DAD2E1251}"/>
+          <p:cNvPr id="34819" name="Rectangle 3" descr="Rectangle: Click to edit Master text styles&#13;&#10;Second level&#13;&#10;Third level&#13;&#10;Fourth level&#13;&#10;Fifth level">
+            <a:extLst>
+              <a:ext uri="{FF2B5EF4-FFF2-40B4-BE49-F238E27FC236}">
+                <a16:creationId xmlns:a16="http://schemas.microsoft.com/office/drawing/2014/main" id="{A5188508-E4FB-2540-79A5-6A440520D802}"/>
               </a:ext>
             </a:extLst>
           </p:cNvPr>
@@ -14966,36 +15411,22 @@
           <a:lstStyle/>
           <a:p>
             <a:r>
-              <a:rPr lang="en-US" altLang="en-US" sz="2400"/>
-              <a:t>Often used as an interim step between data extraction and later steps</a:t>
-            </a:r>
-          </a:p>
-          <a:p>
-            <a:r>
-              <a:rPr lang="en-US" altLang="en-US" sz="2400"/>
-              <a:t>Accumulates data from asynchronous sources using native interfaces, flat files, FTP sessions, or other processes</a:t>
-            </a:r>
-          </a:p>
-          <a:p>
-            <a:r>
-              <a:rPr lang="en-US" altLang="en-US" sz="2400"/>
-              <a:t>At a predefined cutoff time, data in the staging file is transformed and loaded to the warehouse</a:t>
-            </a:r>
-          </a:p>
-          <a:p>
-            <a:r>
-              <a:rPr lang="en-US" altLang="en-US" sz="2400"/>
-              <a:t>There is usually no end user access to the staging file</a:t>
-            </a:r>
-          </a:p>
-          <a:p>
-            <a:r>
-              <a:rPr lang="en-US" altLang="en-US" sz="2400"/>
-              <a:t>An operational data store may be used for data staging</a:t>
-            </a:r>
-          </a:p>
-          <a:p>
-            <a:endParaRPr lang="en-US" altLang="en-US" sz="2400"/>
+              <a:rPr lang="en-US" altLang="en-US">
+                <a:cs typeface="Times New Roman" panose="02020603050405020304" pitchFamily="18" charset="0"/>
+              </a:rPr>
+              <a:t>Searching and matching records within and across the parsed, corrected and standardized data based on predefined business rules to eliminate duplications.</a:t>
+            </a:r>
+          </a:p>
+          <a:p>
+            <a:r>
+              <a:rPr lang="en-US" altLang="en-US">
+                <a:cs typeface="Times New Roman" panose="02020603050405020304" pitchFamily="18" charset="0"/>
+              </a:rPr>
+              <a:t>Examples include identifying similar names and addresses.</a:t>
+            </a:r>
+            <a:endParaRPr lang="en-US" altLang="en-US" sz="4400">
+              <a:cs typeface="Times New Roman" panose="02020603050405020304" pitchFamily="18" charset="0"/>
+            </a:endParaRPr>
           </a:p>
         </p:txBody>
       </p:sp>
@@ -15026,10 +15457,10 @@
       </p:grpSpPr>
       <p:sp>
         <p:nvSpPr>
-          <p:cNvPr id="40962" name="Rectangle 2">
-            <a:extLst>
-              <a:ext uri="{FF2B5EF4-FFF2-40B4-BE49-F238E27FC236}">
-                <a16:creationId xmlns:a16="http://schemas.microsoft.com/office/drawing/2014/main" id="{8A69ED30-AD38-88A4-CD5C-8B9F0241BB8D}"/>
+          <p:cNvPr id="36866" name="Rectangle 2">
+            <a:extLst>
+              <a:ext uri="{FF2B5EF4-FFF2-40B4-BE49-F238E27FC236}">
+                <a16:creationId xmlns:a16="http://schemas.microsoft.com/office/drawing/2014/main" id="{6904D080-1A4E-8FD3-0C91-9C960ABA3009}"/>
               </a:ext>
             </a:extLst>
           </p:cNvPr>
@@ -15052,17 +15483,17 @@
           <a:p>
             <a:r>
               <a:rPr lang="en-US" altLang="en-US"/>
-              <a:t>Data Transformation</a:t>
+              <a:t>Consolidating</a:t>
             </a:r>
           </a:p>
         </p:txBody>
       </p:sp>
       <p:sp>
         <p:nvSpPr>
-          <p:cNvPr id="40963" name="Rectangle 3" descr="Rectangle: Click to edit Master text styles&#13;&#10;Second level&#13;&#10;Third level&#13;&#10;Fourth level&#13;&#10;Fifth level">
-            <a:extLst>
-              <a:ext uri="{FF2B5EF4-FFF2-40B4-BE49-F238E27FC236}">
-                <a16:creationId xmlns:a16="http://schemas.microsoft.com/office/drawing/2014/main" id="{FF015C7C-AA65-4F29-EDC9-5E3A38B918D4}"/>
+          <p:cNvPr id="36867" name="Rectangle 3" descr="Rectangle: Click to edit Master text styles&#13;&#10;Second level&#13;&#10;Third level&#13;&#10;Fourth level&#13;&#10;Fifth level">
+            <a:extLst>
+              <a:ext uri="{FF2B5EF4-FFF2-40B4-BE49-F238E27FC236}">
+                <a16:creationId xmlns:a16="http://schemas.microsoft.com/office/drawing/2014/main" id="{38881418-4C8C-30CD-0B8D-5BC02A701F69}"/>
               </a:ext>
             </a:extLst>
           </p:cNvPr>
@@ -15078,16 +15509,25 @@
           <a:bodyPr/>
           <a:lstStyle/>
           <a:p>
-            <a:r>
-              <a:rPr lang="en-US" altLang="en-US"/>
-              <a:t>Transforms the data in accordance with the business rules and standards that have been established</a:t>
-            </a:r>
-          </a:p>
-          <a:p>
-            <a:r>
-              <a:rPr lang="en-US" altLang="en-US"/>
-              <a:t>Example include:  format changes, deduplication, splitting up fields, replacement of codes, derived values, and aggregates</a:t>
-            </a:r>
+            <a:pPr>
+              <a:spcAft>
+                <a:spcPct val="40000"/>
+              </a:spcAft>
+              <a:buClr>
+                <a:schemeClr val="tx1"/>
+              </a:buClr>
+              <a:buFont typeface="Symbol" pitchFamily="2" charset="2"/>
+              <a:buChar char="·"/>
+            </a:pPr>
+            <a:r>
+              <a:rPr lang="en-US" altLang="en-US">
+                <a:cs typeface="Times New Roman" panose="02020603050405020304" pitchFamily="18" charset="0"/>
+              </a:rPr>
+              <a:t>Analyzing and identifying relationships between matched records and consolidating/merging them into ONE representation.</a:t>
+            </a:r>
+          </a:p>
+          <a:p>
+            <a:endParaRPr lang="en-US" altLang="en-US"/>
           </a:p>
         </p:txBody>
       </p:sp>
@@ -15118,10 +15558,10 @@
       </p:grpSpPr>
       <p:sp>
         <p:nvSpPr>
-          <p:cNvPr id="3074" name="Rectangle 2">
-            <a:extLst>
-              <a:ext uri="{FF2B5EF4-FFF2-40B4-BE49-F238E27FC236}">
-                <a16:creationId xmlns:a16="http://schemas.microsoft.com/office/drawing/2014/main" id="{BB724709-47B6-21F7-EC84-B62C1D4AC31F}"/>
+          <p:cNvPr id="3075" name="Rectangle 3" descr="Rectangle: Click to edit Master text styles&#13;&#10;Second level&#13;&#10;Third level&#13;&#10;Fourth level&#13;&#10;Fifth level">
+            <a:extLst>
+              <a:ext uri="{FF2B5EF4-FFF2-40B4-BE49-F238E27FC236}">
+                <a16:creationId xmlns:a16="http://schemas.microsoft.com/office/drawing/2014/main" id="{CB1742E6-A027-F9AF-3C53-F933C61CEC49}"/>
               </a:ext>
             </a:extLst>
           </p:cNvPr>
@@ -15129,7 +15569,7 @@
             <a:spLocks noGrp="1" noChangeArrowheads="1"/>
           </p:cNvSpPr>
           <p:nvPr>
-            <p:ph type="title"/>
+            <p:ph type="body" idx="1"/>
           </p:nvPr>
         </p:nvSpPr>
         <p:spPr/>
@@ -15137,27 +15577,27 @@
           <a:bodyPr/>
           <a:lstStyle/>
           <a:p>
-            <a:r>
-              <a:rPr lang="en-US" altLang="en-US"/>
-              <a:t>Two Data Warehousing Strategies</a:t>
-            </a:r>
+            <a:pPr marL="0" indent="0">
+              <a:buNone/>
+            </a:pPr>
+            <a:endParaRPr lang="en-US" altLang="en-US" dirty="0"/>
           </a:p>
         </p:txBody>
       </p:sp>
       <p:sp>
         <p:nvSpPr>
-          <p:cNvPr id="3075" name="Rectangle 3" descr="Rectangle: Click to edit Master text styles&#13;&#10;Second level&#13;&#10;Third level&#13;&#10;Fourth level&#13;&#10;Fifth level">
-            <a:extLst>
-              <a:ext uri="{FF2B5EF4-FFF2-40B4-BE49-F238E27FC236}">
-                <a16:creationId xmlns:a16="http://schemas.microsoft.com/office/drawing/2014/main" id="{CB1742E6-A027-F9AF-3C53-F933C61CEC49}"/>
-              </a:ext>
-            </a:extLst>
-          </p:cNvPr>
-          <p:cNvSpPr>
-            <a:spLocks noGrp="1" noChangeArrowheads="1"/>
-          </p:cNvSpPr>
-          <p:nvPr>
-            <p:ph type="body" idx="1"/>
+          <p:cNvPr id="2" name="Title 1">
+            <a:extLst>
+              <a:ext uri="{FF2B5EF4-FFF2-40B4-BE49-F238E27FC236}">
+                <a16:creationId xmlns:a16="http://schemas.microsoft.com/office/drawing/2014/main" id="{98B16435-2E5B-16AA-DD5A-848095128B5E}"/>
+              </a:ext>
+            </a:extLst>
+          </p:cNvPr>
+          <p:cNvSpPr>
+            <a:spLocks noGrp="1"/>
+          </p:cNvSpPr>
+          <p:nvPr>
+            <p:ph type="title"/>
           </p:nvPr>
         </p:nvSpPr>
         <p:spPr/>
@@ -15165,68 +15605,57 @@
           <a:bodyPr/>
           <a:lstStyle/>
           <a:p>
-            <a:r>
-              <a:rPr lang="en-US" altLang="en-US" dirty="0"/>
-              <a:t> 1. Enterprise-wide warehouse, </a:t>
-            </a:r>
-          </a:p>
-          <a:p>
-            <a:pPr marL="0" indent="0">
-              <a:buNone/>
-            </a:pPr>
-            <a:r>
-              <a:rPr lang="en-US" altLang="en-US" dirty="0">
+            <a:endParaRPr lang="en-US"/>
+          </a:p>
+        </p:txBody>
+      </p:sp>
+      <p:pic>
+        <p:nvPicPr>
+          <p:cNvPr id="1028" name="Picture 4" descr="What is ETL: Benefits, Examples, &amp; How It Works | Airbyte">
+            <a:extLst>
+              <a:ext uri="{FF2B5EF4-FFF2-40B4-BE49-F238E27FC236}">
+                <a16:creationId xmlns:a16="http://schemas.microsoft.com/office/drawing/2014/main" id="{D4744D9C-36C5-4535-3895-269576AEFDC8}"/>
+              </a:ext>
+            </a:extLst>
+          </p:cNvPr>
+          <p:cNvPicPr>
+            <a:picLocks noChangeAspect="1" noChangeArrowheads="1"/>
+          </p:cNvPicPr>
+          <p:nvPr/>
+        </p:nvPicPr>
+        <p:blipFill>
+          <a:blip r:embed="rId3">
+            <a:extLst>
+              <a:ext uri="{28A0092B-C50C-407E-A947-70E740481C1C}">
+                <a14:useLocalDpi xmlns:a14="http://schemas.microsoft.com/office/drawing/2010/main" val="0"/>
+              </a:ext>
+            </a:extLst>
+          </a:blip>
+          <a:srcRect/>
+          <a:stretch>
+            <a:fillRect/>
+          </a:stretch>
+        </p:blipFill>
+        <p:spPr bwMode="auto">
+          <a:xfrm>
+            <a:off x="209550" y="1377950"/>
+            <a:ext cx="8724900" cy="4102100"/>
+          </a:xfrm>
+          <a:prstGeom prst="rect">
+            <a:avLst/>
+          </a:prstGeom>
+          <a:noFill/>
+          <a:extLst>
+            <a:ext uri="{909E8E84-426E-40DD-AFC4-6F175D3DCCD1}">
+              <a14:hiddenFill xmlns:a14="http://schemas.microsoft.com/office/drawing/2010/main">
                 <a:solidFill>
-                  <a:srgbClr val="FF0000"/>
+                  <a:srgbClr val="FFFFFF"/>
                 </a:solidFill>
-              </a:rPr>
-              <a:t>    top-down</a:t>
-            </a:r>
-            <a:r>
-              <a:rPr lang="en-US" altLang="en-US" dirty="0"/>
-              <a:t>, the </a:t>
-            </a:r>
-            <a:r>
-              <a:rPr lang="en-US" altLang="en-US" dirty="0" err="1"/>
-              <a:t>Inmon</a:t>
-            </a:r>
-            <a:r>
-              <a:rPr lang="en-US" altLang="en-US" dirty="0"/>
-              <a:t> methodology</a:t>
-            </a:r>
-          </a:p>
-          <a:p>
-            <a:r>
-              <a:rPr lang="en-US" altLang="en-US" dirty="0"/>
-              <a:t> 2. Data mart, </a:t>
-            </a:r>
-            <a:r>
-              <a:rPr lang="en-US" altLang="en-US" dirty="0">
-                <a:solidFill>
-                  <a:srgbClr val="FF0000"/>
-                </a:solidFill>
-              </a:rPr>
-              <a:t>bottom-up</a:t>
-            </a:r>
-            <a:r>
-              <a:rPr lang="en-US" altLang="en-US" dirty="0"/>
-              <a:t>, the Kimball methodology</a:t>
-            </a:r>
-          </a:p>
-          <a:p>
-            <a:pPr marL="0" indent="0">
-              <a:buNone/>
-            </a:pPr>
-            <a:endParaRPr lang="en-US" altLang="en-US" dirty="0"/>
-          </a:p>
-          <a:p>
-            <a:r>
-              <a:rPr lang="en-US" altLang="en-US" dirty="0"/>
-              <a:t>When properly executed, both result in an enterprise-wide data warehouse</a:t>
-            </a:r>
-          </a:p>
-        </p:txBody>
-      </p:sp>
+              </a14:hiddenFill>
+            </a:ext>
+          </a:extLst>
+        </p:spPr>
+      </p:pic>
     </p:spTree>
   </p:cSld>
   <p:clrMapOvr>
@@ -15254,10 +15683,10 @@
       </p:grpSpPr>
       <p:sp>
         <p:nvSpPr>
-          <p:cNvPr id="43010" name="Rectangle 2">
-            <a:extLst>
-              <a:ext uri="{FF2B5EF4-FFF2-40B4-BE49-F238E27FC236}">
-                <a16:creationId xmlns:a16="http://schemas.microsoft.com/office/drawing/2014/main" id="{BB079ED7-A04F-D619-5D87-38761ACF188D}"/>
+          <p:cNvPr id="38914" name="Rectangle 2">
+            <a:extLst>
+              <a:ext uri="{FF2B5EF4-FFF2-40B4-BE49-F238E27FC236}">
+                <a16:creationId xmlns:a16="http://schemas.microsoft.com/office/drawing/2014/main" id="{AB220426-7B52-F1A3-7EEA-3CF4A009F2F4}"/>
               </a:ext>
             </a:extLst>
           </p:cNvPr>
@@ -15280,17 +15709,17 @@
           <a:p>
             <a:r>
               <a:rPr lang="en-US" altLang="en-US"/>
-              <a:t>Data Loading</a:t>
+              <a:t>Data Staging</a:t>
             </a:r>
           </a:p>
         </p:txBody>
       </p:sp>
       <p:sp>
         <p:nvSpPr>
-          <p:cNvPr id="43011" name="Rectangle 3" descr="Rectangle: Click to edit Master text styles&#13;&#10;Second level&#13;&#10;Third level&#13;&#10;Fourth level&#13;&#10;Fifth level">
-            <a:extLst>
-              <a:ext uri="{FF2B5EF4-FFF2-40B4-BE49-F238E27FC236}">
-                <a16:creationId xmlns:a16="http://schemas.microsoft.com/office/drawing/2014/main" id="{194D3816-5C1D-F886-1700-242FD5FDC8E6}"/>
+          <p:cNvPr id="38915" name="Rectangle 3" descr="Rectangle: Click to edit Master text styles&#13;&#10;Second level&#13;&#10;Third level&#13;&#10;Fourth level&#13;&#10;Fifth level">
+            <a:extLst>
+              <a:ext uri="{FF2B5EF4-FFF2-40B4-BE49-F238E27FC236}">
+                <a16:creationId xmlns:a16="http://schemas.microsoft.com/office/drawing/2014/main" id="{F7F207A9-771D-D45A-E88F-347DAD2E1251}"/>
               </a:ext>
             </a:extLst>
           </p:cNvPr>
@@ -15306,37 +15735,37 @@
           <a:bodyPr/>
           <a:lstStyle/>
           <a:p>
-            <a:pPr>
-              <a:lnSpc>
-                <a:spcPct val="90000"/>
-              </a:lnSpc>
-            </a:pPr>
-            <a:r>
-              <a:rPr lang="en-US" altLang="en-US"/>
-              <a:t>Data are physically moved to the data warehouse</a:t>
-            </a:r>
-          </a:p>
-          <a:p>
-            <a:pPr>
-              <a:lnSpc>
-                <a:spcPct val="90000"/>
-              </a:lnSpc>
-            </a:pPr>
-            <a:r>
-              <a:rPr lang="en-US" altLang="en-US"/>
-              <a:t>The loading takes place within a “load window” </a:t>
-            </a:r>
-          </a:p>
-          <a:p>
-            <a:pPr>
-              <a:lnSpc>
-                <a:spcPct val="90000"/>
-              </a:lnSpc>
-            </a:pPr>
-            <a:r>
-              <a:rPr lang="en-US" altLang="en-US"/>
-              <a:t>The trend is to near real time updates of the data warehouse as the warehouse is increasingly used for operational applications</a:t>
-            </a:r>
+            <a:r>
+              <a:rPr lang="en-US" altLang="en-US" sz="2400"/>
+              <a:t>Often used as an interim step between data extraction and later steps</a:t>
+            </a:r>
+          </a:p>
+          <a:p>
+            <a:r>
+              <a:rPr lang="en-US" altLang="en-US" sz="2400"/>
+              <a:t>Accumulates data from asynchronous sources using native interfaces, flat files, FTP sessions, or other processes</a:t>
+            </a:r>
+          </a:p>
+          <a:p>
+            <a:r>
+              <a:rPr lang="en-US" altLang="en-US" sz="2400"/>
+              <a:t>At a predefined cutoff time, data in the staging file is transformed and loaded to the warehouse</a:t>
+            </a:r>
+          </a:p>
+          <a:p>
+            <a:r>
+              <a:rPr lang="en-US" altLang="en-US" sz="2400"/>
+              <a:t>There is usually no end user access to the staging file</a:t>
+            </a:r>
+          </a:p>
+          <a:p>
+            <a:r>
+              <a:rPr lang="en-US" altLang="en-US" sz="2400"/>
+              <a:t>An operational data store may be used for data staging</a:t>
+            </a:r>
+          </a:p>
+          <a:p>
+            <a:endParaRPr lang="en-US" altLang="en-US" sz="2400"/>
           </a:p>
         </p:txBody>
       </p:sp>
@@ -15367,10 +15796,10 @@
       </p:grpSpPr>
       <p:sp>
         <p:nvSpPr>
-          <p:cNvPr id="45058" name="Rectangle 2">
-            <a:extLst>
-              <a:ext uri="{FF2B5EF4-FFF2-40B4-BE49-F238E27FC236}">
-                <a16:creationId xmlns:a16="http://schemas.microsoft.com/office/drawing/2014/main" id="{13A37876-6861-6889-C674-E5083B3EF905}"/>
+          <p:cNvPr id="40962" name="Rectangle 2">
+            <a:extLst>
+              <a:ext uri="{FF2B5EF4-FFF2-40B4-BE49-F238E27FC236}">
+                <a16:creationId xmlns:a16="http://schemas.microsoft.com/office/drawing/2014/main" id="{8A69ED30-AD38-88A4-CD5C-8B9F0241BB8D}"/>
               </a:ext>
             </a:extLst>
           </p:cNvPr>
@@ -15393,17 +15822,17 @@
           <a:p>
             <a:r>
               <a:rPr lang="en-US" altLang="en-US"/>
-              <a:t>Meta Data</a:t>
+              <a:t>Data Transformation</a:t>
             </a:r>
           </a:p>
         </p:txBody>
       </p:sp>
       <p:sp>
         <p:nvSpPr>
-          <p:cNvPr id="45059" name="Rectangle 3" descr="Rectangle: Click to edit Master text styles&#13;&#10;Second level&#13;&#10;Third level&#13;&#10;Fourth level&#13;&#10;Fifth level">
-            <a:extLst>
-              <a:ext uri="{FF2B5EF4-FFF2-40B4-BE49-F238E27FC236}">
-                <a16:creationId xmlns:a16="http://schemas.microsoft.com/office/drawing/2014/main" id="{C9FAB4FB-F259-8576-B444-CD723C5A0190}"/>
+          <p:cNvPr id="40963" name="Rectangle 3" descr="Rectangle: Click to edit Master text styles&#13;&#10;Second level&#13;&#10;Third level&#13;&#10;Fourth level&#13;&#10;Fifth level">
+            <a:extLst>
+              <a:ext uri="{FF2B5EF4-FFF2-40B4-BE49-F238E27FC236}">
+                <a16:creationId xmlns:a16="http://schemas.microsoft.com/office/drawing/2014/main" id="{FF015C7C-AA65-4F29-EDC9-5E3A38B918D4}"/>
               </a:ext>
             </a:extLst>
           </p:cNvPr>
@@ -15419,47 +15848,15 @@
           <a:bodyPr/>
           <a:lstStyle/>
           <a:p>
-            <a:pPr>
-              <a:lnSpc>
-                <a:spcPct val="90000"/>
-              </a:lnSpc>
-            </a:pPr>
-            <a:r>
-              <a:rPr lang="en-US" altLang="en-US" sz="2800"/>
-              <a:t>Data about data</a:t>
-            </a:r>
-          </a:p>
-          <a:p>
-            <a:pPr>
-              <a:lnSpc>
-                <a:spcPct val="90000"/>
-              </a:lnSpc>
-            </a:pPr>
-            <a:r>
-              <a:rPr lang="en-US" altLang="en-US" sz="2800"/>
-              <a:t>Needed by both information technology personnel and users</a:t>
-            </a:r>
-          </a:p>
-          <a:p>
-            <a:pPr>
-              <a:lnSpc>
-                <a:spcPct val="90000"/>
-              </a:lnSpc>
-            </a:pPr>
-            <a:r>
-              <a:rPr lang="en-US" altLang="en-US" sz="2800"/>
-              <a:t>IT personnel need to know data sources and targets; database, table and column names; refresh schedules; data usage measures; etc. </a:t>
-            </a:r>
-          </a:p>
-          <a:p>
-            <a:pPr>
-              <a:lnSpc>
-                <a:spcPct val="90000"/>
-              </a:lnSpc>
-            </a:pPr>
-            <a:r>
-              <a:rPr lang="en-US" altLang="en-US" sz="2800"/>
-              <a:t>Users need to know entity/attribute definitions; reports/query tools available; report distribution information; help desk contact information, etc. </a:t>
+            <a:r>
+              <a:rPr lang="en-US" altLang="en-US"/>
+              <a:t>Transforms the data in accordance with the business rules and standards that have been established</a:t>
+            </a:r>
+          </a:p>
+          <a:p>
+            <a:r>
+              <a:rPr lang="en-US" altLang="en-US"/>
+              <a:t>Example include:  format changes, deduplication, splitting up fields, replacement of codes, derived values, and aggregates</a:t>
             </a:r>
           </a:p>
         </p:txBody>
@@ -15491,10 +15888,10 @@
       </p:grpSpPr>
       <p:sp>
         <p:nvSpPr>
-          <p:cNvPr id="47106" name="Rectangle 2">
-            <a:extLst>
-              <a:ext uri="{FF2B5EF4-FFF2-40B4-BE49-F238E27FC236}">
-                <a16:creationId xmlns:a16="http://schemas.microsoft.com/office/drawing/2014/main" id="{50334725-9A88-1C81-AB6D-D69E3F355288}"/>
+          <p:cNvPr id="43010" name="Rectangle 2">
+            <a:extLst>
+              <a:ext uri="{FF2B5EF4-FFF2-40B4-BE49-F238E27FC236}">
+                <a16:creationId xmlns:a16="http://schemas.microsoft.com/office/drawing/2014/main" id="{BB079ED7-A04F-D619-5D87-38761ACF188D}"/>
               </a:ext>
             </a:extLst>
           </p:cNvPr>
@@ -15503,6 +15900,39 @@
           </p:cNvSpPr>
           <p:nvPr>
             <p:ph type="title"/>
+          </p:nvPr>
+        </p:nvSpPr>
+        <p:spPr>
+          <a:xfrm>
+            <a:off x="609600" y="839788"/>
+            <a:ext cx="7772400" cy="608012"/>
+          </a:xfrm>
+        </p:spPr>
+        <p:txBody>
+          <a:bodyPr/>
+          <a:lstStyle/>
+          <a:p>
+            <a:r>
+              <a:rPr lang="en-US" altLang="en-US"/>
+              <a:t>Data Loading</a:t>
+            </a:r>
+          </a:p>
+        </p:txBody>
+      </p:sp>
+      <p:sp>
+        <p:nvSpPr>
+          <p:cNvPr id="43011" name="Rectangle 3" descr="Rectangle: Click to edit Master text styles&#13;&#10;Second level&#13;&#10;Third level&#13;&#10;Fourth level&#13;&#10;Fifth level">
+            <a:extLst>
+              <a:ext uri="{FF2B5EF4-FFF2-40B4-BE49-F238E27FC236}">
+                <a16:creationId xmlns:a16="http://schemas.microsoft.com/office/drawing/2014/main" id="{194D3816-5C1D-F886-1700-242FD5FDC8E6}"/>
+              </a:ext>
+            </a:extLst>
+          </p:cNvPr>
+          <p:cNvSpPr>
+            <a:spLocks noGrp="1" noChangeArrowheads="1"/>
+          </p:cNvSpPr>
+          <p:nvPr>
+            <p:ph type="body" idx="1"/>
           </p:nvPr>
         </p:nvSpPr>
         <p:spPr/>
@@ -15510,59 +15940,37 @@
           <a:bodyPr/>
           <a:lstStyle/>
           <a:p>
+            <a:pPr>
+              <a:lnSpc>
+                <a:spcPct val="90000"/>
+              </a:lnSpc>
+            </a:pPr>
             <a:r>
               <a:rPr lang="en-US" altLang="en-US"/>
-              <a:t>Recent Development:</a:t>
-            </a:r>
-            <a:br>
+              <a:t>Data are physically moved to the data warehouse</a:t>
+            </a:r>
+          </a:p>
+          <a:p>
+            <a:pPr>
+              <a:lnSpc>
+                <a:spcPct val="90000"/>
+              </a:lnSpc>
+            </a:pPr>
+            <a:r>
               <a:rPr lang="en-US" altLang="en-US"/>
-            </a:br>
+              <a:t>The loading takes place within a “load window” </a:t>
+            </a:r>
+          </a:p>
+          <a:p>
+            <a:pPr>
+              <a:lnSpc>
+                <a:spcPct val="90000"/>
+              </a:lnSpc>
+            </a:pPr>
             <a:r>
               <a:rPr lang="en-US" altLang="en-US"/>
-              <a:t>Meta Data Integration</a:t>
-            </a:r>
-          </a:p>
-        </p:txBody>
-      </p:sp>
-      <p:sp>
-        <p:nvSpPr>
-          <p:cNvPr id="47107" name="Rectangle 3" descr="Rectangle: Click to edit Master text styles&#13;&#10;Second level&#13;&#10;Third level&#13;&#10;Fourth level&#13;&#10;Fifth level">
-            <a:extLst>
-              <a:ext uri="{FF2B5EF4-FFF2-40B4-BE49-F238E27FC236}">
-                <a16:creationId xmlns:a16="http://schemas.microsoft.com/office/drawing/2014/main" id="{0EE4A935-993B-3C30-5910-1AF4FBFE24DD}"/>
-              </a:ext>
-            </a:extLst>
-          </p:cNvPr>
-          <p:cNvSpPr>
-            <a:spLocks noGrp="1" noChangeArrowheads="1"/>
-          </p:cNvSpPr>
-          <p:nvPr>
-            <p:ph type="body" idx="1"/>
-          </p:nvPr>
-        </p:nvSpPr>
-        <p:spPr/>
-        <p:txBody>
-          <a:bodyPr/>
-          <a:lstStyle/>
-          <a:p>
-            <a:r>
-              <a:rPr lang="en-US" altLang="en-US" sz="2800"/>
-              <a:t>A growing realization that meta data is critical to data warehousing success </a:t>
-            </a:r>
-          </a:p>
-          <a:p>
-            <a:r>
-              <a:rPr lang="en-US" altLang="en-US" sz="2800"/>
-              <a:t>Progress is being made on getting vendors to agree on standards and to incorporate the sharing of meta data among their tools</a:t>
-            </a:r>
-            <a:endParaRPr lang="en-US" altLang="en-US" sz="2400"/>
-          </a:p>
-          <a:p>
-            <a:r>
-              <a:rPr lang="en-US" altLang="en-US" sz="2800"/>
-              <a:t>Vendors like Microsoft, Computer Associates, and Oracle have entered the meta data marketplace with significant product offerings</a:t>
-            </a:r>
-            <a:endParaRPr lang="en-US" altLang="en-US" sz="2400"/>
+              <a:t>The trend is to near real time updates of the data warehouse as the warehouse is increasingly used for operational applications</a:t>
+            </a:r>
           </a:p>
         </p:txBody>
       </p:sp>
@@ -15574,7 +15982,7 @@
 </p:sld>
 </file>
 
-<file path=ppt/slides/slide3.xml><?xml version="1.0" encoding="utf-8"?>
+<file path=ppt/slides/slide23.xml><?xml version="1.0" encoding="utf-8"?>
 <p:sld xmlns:a="http://schemas.openxmlformats.org/drawingml/2006/main" xmlns:r="http://schemas.openxmlformats.org/officeDocument/2006/relationships" xmlns:p="http://schemas.openxmlformats.org/presentationml/2006/main">
   <p:cSld>
     <p:spTree>
@@ -15593,10 +16001,10 @@
       </p:grpSpPr>
       <p:sp>
         <p:nvSpPr>
-          <p:cNvPr id="6146" name="Rectangle 2">
-            <a:extLst>
-              <a:ext uri="{FF2B5EF4-FFF2-40B4-BE49-F238E27FC236}">
-                <a16:creationId xmlns:a16="http://schemas.microsoft.com/office/drawing/2014/main" id="{D69E1478-1AD0-7079-2FFF-D7F32BA87FC4}"/>
+          <p:cNvPr id="45058" name="Rectangle 2">
+            <a:extLst>
+              <a:ext uri="{FF2B5EF4-FFF2-40B4-BE49-F238E27FC236}">
+                <a16:creationId xmlns:a16="http://schemas.microsoft.com/office/drawing/2014/main" id="{13A37876-6861-6889-C674-E5083B3EF905}"/>
               </a:ext>
             </a:extLst>
           </p:cNvPr>
@@ -15610,7 +16018,7 @@
         <p:spPr>
           <a:xfrm>
             <a:off x="609600" y="839788"/>
-            <a:ext cx="7772400" cy="836612"/>
+            <a:ext cx="7772400" cy="608012"/>
           </a:xfrm>
         </p:spPr>
         <p:txBody>
@@ -15618,25 +16026,18 @@
           <a:lstStyle/>
           <a:p>
             <a:r>
-              <a:rPr lang="en-US" altLang="en-US" dirty="0"/>
-              <a:t>The Data Mart Strategy:</a:t>
-            </a:r>
-            <a:br>
-              <a:rPr lang="en-US" altLang="en-US" dirty="0"/>
-            </a:br>
-            <a:r>
-              <a:rPr lang="en-US" altLang="en-US" dirty="0"/>
-              <a:t>start with a small POC</a:t>
+              <a:rPr lang="en-US" altLang="en-US"/>
+              <a:t>Meta Data</a:t>
             </a:r>
           </a:p>
         </p:txBody>
       </p:sp>
       <p:sp>
         <p:nvSpPr>
-          <p:cNvPr id="6147" name="Rectangle 3" descr="Rectangle: Click to edit Master text styles&#13;&#10;Second level&#13;&#10;Third level&#13;&#10;Fourth level&#13;&#10;Fifth level">
-            <a:extLst>
-              <a:ext uri="{FF2B5EF4-FFF2-40B4-BE49-F238E27FC236}">
-                <a16:creationId xmlns:a16="http://schemas.microsoft.com/office/drawing/2014/main" id="{20C7FC97-0555-99A4-5B1F-A6B7DF580B78}"/>
+          <p:cNvPr id="45059" name="Rectangle 3" descr="Rectangle: Click to edit Master text styles&#13;&#10;Second level&#13;&#10;Third level&#13;&#10;Fourth level&#13;&#10;Fifth level">
+            <a:extLst>
+              <a:ext uri="{FF2B5EF4-FFF2-40B4-BE49-F238E27FC236}">
+                <a16:creationId xmlns:a16="http://schemas.microsoft.com/office/drawing/2014/main" id="{C9FAB4FB-F259-8576-B444-CD723C5A0190}"/>
               </a:ext>
             </a:extLst>
           </p:cNvPr>
@@ -15652,59 +16053,48 @@
           <a:bodyPr/>
           <a:lstStyle/>
           <a:p>
-            <a:r>
-              <a:rPr lang="en-US" altLang="en-US" sz="2400" dirty="0"/>
-              <a:t>The most common approach</a:t>
-            </a:r>
-          </a:p>
-          <a:p>
-            <a:r>
-              <a:rPr lang="en-US" altLang="en-US" sz="2400" dirty="0"/>
-              <a:t>Begins with a </a:t>
-            </a:r>
-            <a:r>
-              <a:rPr lang="en-US" altLang="en-US" sz="2400" b="1" dirty="0">
-                <a:solidFill>
-                  <a:srgbClr val="00B050"/>
-                </a:solidFill>
-              </a:rPr>
-              <a:t>single mart </a:t>
-            </a:r>
-            <a:r>
-              <a:rPr lang="en-US" altLang="en-US" sz="2400" dirty="0"/>
-              <a:t>and architected marts are added over time for more subject areas </a:t>
-            </a:r>
-          </a:p>
-          <a:p>
-            <a:r>
-              <a:rPr lang="en-US" altLang="en-US" sz="2400" dirty="0"/>
-              <a:t>Relatively inexpensive and easy to implement</a:t>
-            </a:r>
-          </a:p>
-          <a:p>
-            <a:r>
-              <a:rPr lang="en-US" altLang="en-US" sz="2400" dirty="0"/>
-              <a:t>Can be used as a proof of concept for data warehousing</a:t>
-            </a:r>
-          </a:p>
-          <a:p>
-            <a:r>
-              <a:rPr lang="en-US" altLang="en-US" sz="2400" dirty="0"/>
-              <a:t>Can perpetuate the “silos of information” problem</a:t>
-            </a:r>
-          </a:p>
-          <a:p>
-            <a:r>
-              <a:rPr lang="en-US" altLang="en-US" sz="2400" dirty="0"/>
-              <a:t>Can postpone difficult decisions and activities</a:t>
-            </a:r>
-          </a:p>
-          <a:p>
-            <a:r>
-              <a:rPr lang="en-US" altLang="en-US" sz="2400" dirty="0"/>
-              <a:t>Requires an overall integration plan</a:t>
-            </a:r>
-            <a:endParaRPr lang="en-US" altLang="en-US" sz="2800" dirty="0"/>
+            <a:pPr>
+              <a:lnSpc>
+                <a:spcPct val="90000"/>
+              </a:lnSpc>
+            </a:pPr>
+            <a:r>
+              <a:rPr lang="en-US" altLang="en-US" sz="2800"/>
+              <a:t>Data about data</a:t>
+            </a:r>
+          </a:p>
+          <a:p>
+            <a:pPr>
+              <a:lnSpc>
+                <a:spcPct val="90000"/>
+              </a:lnSpc>
+            </a:pPr>
+            <a:r>
+              <a:rPr lang="en-US" altLang="en-US" sz="2800"/>
+              <a:t>Needed by both information technology personnel and users</a:t>
+            </a:r>
+          </a:p>
+          <a:p>
+            <a:pPr>
+              <a:lnSpc>
+                <a:spcPct val="90000"/>
+              </a:lnSpc>
+            </a:pPr>
+            <a:r>
+              <a:rPr lang="en-US" altLang="en-US" sz="2800"/>
+              <a:t>IT personnel need to know data sources and targets; database, table and column names; refresh schedules; data usage measures; etc. </a:t>
+            </a:r>
+          </a:p>
+          <a:p>
+            <a:pPr>
+              <a:lnSpc>
+                <a:spcPct val="90000"/>
+              </a:lnSpc>
+            </a:pPr>
+            <a:r>
+              <a:rPr lang="en-US" altLang="en-US" sz="2800"/>
+              <a:t>Users need to know entity/attribute definitions; reports/query tools available; report distribution information; help desk contact information, etc. </a:t>
+            </a:r>
           </a:p>
         </p:txBody>
       </p:sp>
@@ -15716,7 +16106,7 @@
 </p:sld>
 </file>
 
-<file path=ppt/slides/slide4.xml><?xml version="1.0" encoding="utf-8"?>
+<file path=ppt/slides/slide24.xml><?xml version="1.0" encoding="utf-8"?>
 <p:sld xmlns:a="http://schemas.openxmlformats.org/drawingml/2006/main" xmlns:r="http://schemas.openxmlformats.org/officeDocument/2006/relationships" xmlns:p="http://schemas.openxmlformats.org/presentationml/2006/main">
   <p:cSld>
     <p:spTree>
@@ -15735,10 +16125,10 @@
       </p:grpSpPr>
       <p:sp>
         <p:nvSpPr>
-          <p:cNvPr id="8194" name="Rectangle 2">
-            <a:extLst>
-              <a:ext uri="{FF2B5EF4-FFF2-40B4-BE49-F238E27FC236}">
-                <a16:creationId xmlns:a16="http://schemas.microsoft.com/office/drawing/2014/main" id="{0CFE8489-4FB2-5A8B-9BD4-FDFC9AC34AD2}"/>
+          <p:cNvPr id="47106" name="Rectangle 2">
+            <a:extLst>
+              <a:ext uri="{FF2B5EF4-FFF2-40B4-BE49-F238E27FC236}">
+                <a16:creationId xmlns:a16="http://schemas.microsoft.com/office/drawing/2014/main" id="{50334725-9A88-1C81-AB6D-D69E3F355288}"/>
               </a:ext>
             </a:extLst>
           </p:cNvPr>
@@ -15747,39 +16137,6 @@
           </p:cNvSpPr>
           <p:nvPr>
             <p:ph type="title"/>
-          </p:nvPr>
-        </p:nvSpPr>
-        <p:spPr>
-          <a:xfrm>
-            <a:off x="457200" y="862013"/>
-            <a:ext cx="8577263" cy="762000"/>
-          </a:xfrm>
-        </p:spPr>
-        <p:txBody>
-          <a:bodyPr/>
-          <a:lstStyle/>
-          <a:p>
-            <a:r>
-              <a:rPr lang="en-US" altLang="en-US"/>
-              <a:t>The Enterprise-wide Strategy</a:t>
-            </a:r>
-          </a:p>
-        </p:txBody>
-      </p:sp>
-      <p:sp>
-        <p:nvSpPr>
-          <p:cNvPr id="8195" name="Rectangle 3" descr="Rectangle: Click to edit Master text styles&#13;&#10;Second level&#13;&#10;Third level&#13;&#10;Fourth level&#13;&#10;Fifth level">
-            <a:extLst>
-              <a:ext uri="{FF2B5EF4-FFF2-40B4-BE49-F238E27FC236}">
-                <a16:creationId xmlns:a16="http://schemas.microsoft.com/office/drawing/2014/main" id="{ED8B6D20-74D8-08B7-0DA7-A8271EF0CC1D}"/>
-              </a:ext>
-            </a:extLst>
-          </p:cNvPr>
-          <p:cNvSpPr>
-            <a:spLocks noGrp="1" noChangeArrowheads="1"/>
-          </p:cNvSpPr>
-          <p:nvPr>
-            <p:ph type="body" idx="1"/>
           </p:nvPr>
         </p:nvSpPr>
         <p:spPr/>
@@ -15787,64 +16144,346 @@
           <a:bodyPr/>
           <a:lstStyle/>
           <a:p>
-            <a:pPr>
-              <a:lnSpc>
-                <a:spcPct val="90000"/>
-              </a:lnSpc>
+            <a:r>
+              <a:rPr lang="en-US" altLang="en-US"/>
+              <a:t>Recent Development:</a:t>
+            </a:r>
+            <a:br>
+              <a:rPr lang="en-US" altLang="en-US"/>
+            </a:br>
+            <a:r>
+              <a:rPr lang="en-US" altLang="en-US"/>
+              <a:t>Meta Data Integration</a:t>
+            </a:r>
+          </a:p>
+        </p:txBody>
+      </p:sp>
+      <p:sp>
+        <p:nvSpPr>
+          <p:cNvPr id="47107" name="Rectangle 3" descr="Rectangle: Click to edit Master text styles&#13;&#10;Second level&#13;&#10;Third level&#13;&#10;Fourth level&#13;&#10;Fifth level">
+            <a:extLst>
+              <a:ext uri="{FF2B5EF4-FFF2-40B4-BE49-F238E27FC236}">
+                <a16:creationId xmlns:a16="http://schemas.microsoft.com/office/drawing/2014/main" id="{0EE4A935-993B-3C30-5910-1AF4FBFE24DD}"/>
+              </a:ext>
+            </a:extLst>
+          </p:cNvPr>
+          <p:cNvSpPr>
+            <a:spLocks noGrp="1" noChangeArrowheads="1"/>
+          </p:cNvSpPr>
+          <p:nvPr>
+            <p:ph type="body" idx="1"/>
+          </p:nvPr>
+        </p:nvSpPr>
+        <p:spPr/>
+        <p:txBody>
+          <a:bodyPr/>
+          <a:lstStyle/>
+          <a:p>
+            <a:r>
+              <a:rPr lang="en-US" altLang="en-US" sz="2800"/>
+              <a:t>A growing realization that meta data is critical to data warehousing success </a:t>
+            </a:r>
+          </a:p>
+          <a:p>
+            <a:r>
+              <a:rPr lang="en-US" altLang="en-US" sz="2800"/>
+              <a:t>Progress is being made on getting vendors to agree on standards and to incorporate the sharing of meta data among their tools</a:t>
+            </a:r>
+            <a:endParaRPr lang="en-US" altLang="en-US" sz="2400"/>
+          </a:p>
+          <a:p>
+            <a:r>
+              <a:rPr lang="en-US" altLang="en-US" sz="2800"/>
+              <a:t>Vendors like Microsoft, Computer Associates, and Oracle have entered the meta data marketplace with significant product offerings</a:t>
+            </a:r>
+            <a:endParaRPr lang="en-US" altLang="en-US" sz="2400"/>
+          </a:p>
+        </p:txBody>
+      </p:sp>
+    </p:spTree>
+  </p:cSld>
+  <p:clrMapOvr>
+    <a:masterClrMapping/>
+  </p:clrMapOvr>
+</p:sld>
+</file>
+
+<file path=ppt/slides/slide3.xml><?xml version="1.0" encoding="utf-8"?>
+<p:sld xmlns:a="http://schemas.openxmlformats.org/drawingml/2006/main" xmlns:r="http://schemas.openxmlformats.org/officeDocument/2006/relationships" xmlns:p="http://schemas.openxmlformats.org/presentationml/2006/main">
+  <p:cSld>
+    <p:spTree>
+      <p:nvGrpSpPr>
+        <p:cNvPr id="1" name="">
+          <a:extLst>
+            <a:ext uri="{FF2B5EF4-FFF2-40B4-BE49-F238E27FC236}">
+              <a16:creationId xmlns:a16="http://schemas.microsoft.com/office/drawing/2014/main" id="{C4CDA116-D322-A65F-BE4D-A2F33E86E45F}"/>
+            </a:ext>
+          </a:extLst>
+        </p:cNvPr>
+        <p:cNvGrpSpPr/>
+        <p:nvPr/>
+      </p:nvGrpSpPr>
+      <p:grpSpPr>
+        <a:xfrm>
+          <a:off x="0" y="0"/>
+          <a:ext cx="0" cy="0"/>
+          <a:chOff x="0" y="0"/>
+          <a:chExt cx="0" cy="0"/>
+        </a:xfrm>
+      </p:grpSpPr>
+      <p:sp>
+        <p:nvSpPr>
+          <p:cNvPr id="3075" name="Rectangle 3" descr="Rectangle: Click to edit Master text styles&#13;&#10;Second level&#13;&#10;Third level&#13;&#10;Fourth level&#13;&#10;Fifth level">
+            <a:extLst>
+              <a:ext uri="{FF2B5EF4-FFF2-40B4-BE49-F238E27FC236}">
+                <a16:creationId xmlns:a16="http://schemas.microsoft.com/office/drawing/2014/main" id="{9CE19558-8FA4-6F84-2798-61260F356681}"/>
+              </a:ext>
+            </a:extLst>
+          </p:cNvPr>
+          <p:cNvSpPr>
+            <a:spLocks noGrp="1" noChangeArrowheads="1"/>
+          </p:cNvSpPr>
+          <p:nvPr>
+            <p:ph type="body" idx="1"/>
+          </p:nvPr>
+        </p:nvSpPr>
+        <p:spPr/>
+        <p:txBody>
+          <a:bodyPr/>
+          <a:lstStyle/>
+          <a:p>
+            <a:pPr marL="0" indent="0">
+              <a:buNone/>
             </a:pPr>
-            <a:r>
-              <a:rPr lang="en-US" altLang="en-US" sz="2800"/>
-              <a:t>A comprehensive warehouse is built initially</a:t>
-            </a:r>
-          </a:p>
-          <a:p>
-            <a:pPr>
-              <a:lnSpc>
-                <a:spcPct val="90000"/>
-              </a:lnSpc>
+            <a:endParaRPr lang="en-US" altLang="en-US" dirty="0"/>
+          </a:p>
+        </p:txBody>
+      </p:sp>
+      <p:sp>
+        <p:nvSpPr>
+          <p:cNvPr id="2" name="Title 1">
+            <a:extLst>
+              <a:ext uri="{FF2B5EF4-FFF2-40B4-BE49-F238E27FC236}">
+                <a16:creationId xmlns:a16="http://schemas.microsoft.com/office/drawing/2014/main" id="{826ED13C-180B-C046-1A03-B7EB1A06C5B8}"/>
+              </a:ext>
+            </a:extLst>
+          </p:cNvPr>
+          <p:cNvSpPr>
+            <a:spLocks noGrp="1"/>
+          </p:cNvSpPr>
+          <p:nvPr>
+            <p:ph type="title"/>
+          </p:nvPr>
+        </p:nvSpPr>
+        <p:spPr/>
+        <p:txBody>
+          <a:bodyPr/>
+          <a:lstStyle/>
+          <a:p>
+            <a:endParaRPr lang="en-US"/>
+          </a:p>
+        </p:txBody>
+      </p:sp>
+      <p:pic>
+        <p:nvPicPr>
+          <p:cNvPr id="3074" name="Picture 2" descr="What is Reverse ETL? Process &amp; Use Cases | Rivery">
+            <a:extLst>
+              <a:ext uri="{FF2B5EF4-FFF2-40B4-BE49-F238E27FC236}">
+                <a16:creationId xmlns:a16="http://schemas.microsoft.com/office/drawing/2014/main" id="{13B400CF-0DEA-A284-D542-750E98FD18F5}"/>
+              </a:ext>
+            </a:extLst>
+          </p:cNvPr>
+          <p:cNvPicPr>
+            <a:picLocks noChangeAspect="1" noChangeArrowheads="1"/>
+          </p:cNvPicPr>
+          <p:nvPr/>
+        </p:nvPicPr>
+        <p:blipFill>
+          <a:blip r:embed="rId3">
+            <a:extLst>
+              <a:ext uri="{28A0092B-C50C-407E-A947-70E740481C1C}">
+                <a14:useLocalDpi xmlns:a14="http://schemas.microsoft.com/office/drawing/2010/main" val="0"/>
+              </a:ext>
+            </a:extLst>
+          </a:blip>
+          <a:srcRect/>
+          <a:stretch>
+            <a:fillRect/>
+          </a:stretch>
+        </p:blipFill>
+        <p:spPr bwMode="auto">
+          <a:xfrm>
+            <a:off x="0" y="763588"/>
+            <a:ext cx="9144000" cy="5330825"/>
+          </a:xfrm>
+          <a:prstGeom prst="rect">
+            <a:avLst/>
+          </a:prstGeom>
+          <a:noFill/>
+          <a:extLst>
+            <a:ext uri="{909E8E84-426E-40DD-AFC4-6F175D3DCCD1}">
+              <a14:hiddenFill xmlns:a14="http://schemas.microsoft.com/office/drawing/2010/main">
+                <a:solidFill>
+                  <a:srgbClr val="FFFFFF"/>
+                </a:solidFill>
+              </a14:hiddenFill>
+            </a:ext>
+          </a:extLst>
+        </p:spPr>
+      </p:pic>
+    </p:spTree>
+    <p:extLst>
+      <p:ext uri="{BB962C8B-B14F-4D97-AF65-F5344CB8AC3E}">
+        <p14:creationId xmlns:p14="http://schemas.microsoft.com/office/powerpoint/2010/main" val="1431282036"/>
+      </p:ext>
+    </p:extLst>
+  </p:cSld>
+  <p:clrMapOvr>
+    <a:masterClrMapping/>
+  </p:clrMapOvr>
+</p:sld>
+</file>
+
+<file path=ppt/slides/slide4.xml><?xml version="1.0" encoding="utf-8"?>
+<p:sld xmlns:a="http://schemas.openxmlformats.org/drawingml/2006/main" xmlns:r="http://schemas.openxmlformats.org/officeDocument/2006/relationships" xmlns:p="http://schemas.openxmlformats.org/presentationml/2006/main">
+  <p:cSld>
+    <p:spTree>
+      <p:nvGrpSpPr>
+        <p:cNvPr id="1" name="">
+          <a:extLst>
+            <a:ext uri="{FF2B5EF4-FFF2-40B4-BE49-F238E27FC236}">
+              <a16:creationId xmlns:a16="http://schemas.microsoft.com/office/drawing/2014/main" id="{8EE4B3A4-010C-F737-C362-328474BC09F4}"/>
+            </a:ext>
+          </a:extLst>
+        </p:cNvPr>
+        <p:cNvGrpSpPr/>
+        <p:nvPr/>
+      </p:nvGrpSpPr>
+      <p:grpSpPr>
+        <a:xfrm>
+          <a:off x="0" y="0"/>
+          <a:ext cx="0" cy="0"/>
+          <a:chOff x="0" y="0"/>
+          <a:chExt cx="0" cy="0"/>
+        </a:xfrm>
+      </p:grpSpPr>
+      <p:sp>
+        <p:nvSpPr>
+          <p:cNvPr id="3074" name="Rectangle 2">
+            <a:extLst>
+              <a:ext uri="{FF2B5EF4-FFF2-40B4-BE49-F238E27FC236}">
+                <a16:creationId xmlns:a16="http://schemas.microsoft.com/office/drawing/2014/main" id="{B65B94F0-28E7-10E9-84BF-402CE62A487A}"/>
+              </a:ext>
+            </a:extLst>
+          </p:cNvPr>
+          <p:cNvSpPr>
+            <a:spLocks noGrp="1" noChangeArrowheads="1"/>
+          </p:cNvSpPr>
+          <p:nvPr>
+            <p:ph type="title"/>
+          </p:nvPr>
+        </p:nvSpPr>
+        <p:spPr/>
+        <p:txBody>
+          <a:bodyPr/>
+          <a:lstStyle/>
+          <a:p>
+            <a:r>
+              <a:rPr lang="en-US" altLang="en-US"/>
+              <a:t>Two Data Warehousing Strategies</a:t>
+            </a:r>
+          </a:p>
+        </p:txBody>
+      </p:sp>
+      <p:sp>
+        <p:nvSpPr>
+          <p:cNvPr id="3075" name="Rectangle 3" descr="Rectangle: Click to edit Master text styles&#13;&#10;Second level&#13;&#10;Third level&#13;&#10;Fourth level&#13;&#10;Fifth level">
+            <a:extLst>
+              <a:ext uri="{FF2B5EF4-FFF2-40B4-BE49-F238E27FC236}">
+                <a16:creationId xmlns:a16="http://schemas.microsoft.com/office/drawing/2014/main" id="{C6C6C7A2-1D78-159C-517F-A08579E60F75}"/>
+              </a:ext>
+            </a:extLst>
+          </p:cNvPr>
+          <p:cNvSpPr>
+            <a:spLocks noGrp="1" noChangeArrowheads="1"/>
+          </p:cNvSpPr>
+          <p:nvPr>
+            <p:ph type="body" idx="1"/>
+          </p:nvPr>
+        </p:nvSpPr>
+        <p:spPr/>
+        <p:txBody>
+          <a:bodyPr/>
+          <a:lstStyle/>
+          <a:p>
+            <a:r>
+              <a:rPr lang="en-US" altLang="en-US" dirty="0"/>
+              <a:t> 1. Enterprise-wide warehouse, </a:t>
+            </a:r>
+          </a:p>
+          <a:p>
+            <a:pPr marL="0" indent="0">
+              <a:buNone/>
             </a:pPr>
             <a:r>
-              <a:rPr lang="en-US" altLang="en-US" sz="2800"/>
-              <a:t>An initial dependent data mart is built using a subset of the data in the warehouse</a:t>
-            </a:r>
-          </a:p>
-          <a:p>
-            <a:pPr>
-              <a:lnSpc>
-                <a:spcPct val="90000"/>
-              </a:lnSpc>
+              <a:rPr lang="en-US" altLang="en-US" dirty="0">
+                <a:solidFill>
+                  <a:srgbClr val="FF0000"/>
+                </a:solidFill>
+              </a:rPr>
+              <a:t>    top-down</a:t>
+            </a:r>
+            <a:r>
+              <a:rPr lang="en-US" altLang="en-US" dirty="0"/>
+              <a:t>, the </a:t>
+            </a:r>
+            <a:r>
+              <a:rPr lang="en-US" altLang="en-US" dirty="0" err="1"/>
+              <a:t>Inmon</a:t>
+            </a:r>
+            <a:r>
+              <a:rPr lang="en-US" altLang="en-US" dirty="0"/>
+              <a:t> methodology</a:t>
+            </a:r>
+          </a:p>
+          <a:p>
+            <a:r>
+              <a:rPr lang="en-US" altLang="en-US" dirty="0"/>
+              <a:t> 2. Data mart, </a:t>
+            </a:r>
+            <a:r>
+              <a:rPr lang="en-US" altLang="en-US" dirty="0">
+                <a:solidFill>
+                  <a:srgbClr val="FF0000"/>
+                </a:solidFill>
+              </a:rPr>
+              <a:t>bottom-up</a:t>
+            </a:r>
+            <a:r>
+              <a:rPr lang="en-US" altLang="en-US" dirty="0"/>
+              <a:t>, the Kimball methodology</a:t>
+            </a:r>
+          </a:p>
+          <a:p>
+            <a:pPr marL="0" indent="0">
+              <a:buNone/>
             </a:pPr>
-            <a:r>
-              <a:rPr lang="en-US" altLang="en-US" sz="2800"/>
-              <a:t>Additional data marts are built using subsets of the data in the warehouse</a:t>
-            </a:r>
-          </a:p>
-          <a:p>
-            <a:pPr>
-              <a:lnSpc>
-                <a:spcPct val="90000"/>
-              </a:lnSpc>
-            </a:pPr>
-            <a:r>
-              <a:rPr lang="en-US" altLang="en-US" sz="2800"/>
-              <a:t>Like all complex projects, it is expensive, time consuming, and prone to failure</a:t>
-            </a:r>
-          </a:p>
-          <a:p>
-            <a:pPr>
-              <a:lnSpc>
-                <a:spcPct val="90000"/>
-              </a:lnSpc>
-            </a:pPr>
-            <a:r>
-              <a:rPr lang="en-US" altLang="en-US" sz="2800"/>
-              <a:t>When successful, it results in an integrated, scalable warehouse</a:t>
-            </a:r>
-            <a:endParaRPr lang="en-US" altLang="en-US"/>
+            <a:endParaRPr lang="en-US" altLang="en-US" dirty="0"/>
+          </a:p>
+          <a:p>
+            <a:r>
+              <a:rPr lang="en-US" altLang="en-US" dirty="0"/>
+              <a:t>When properly executed, both result in an enterprise-wide data warehouse</a:t>
+            </a:r>
           </a:p>
         </p:txBody>
       </p:sp>
     </p:spTree>
+    <p:extLst>
+      <p:ext uri="{BB962C8B-B14F-4D97-AF65-F5344CB8AC3E}">
+        <p14:creationId xmlns:p14="http://schemas.microsoft.com/office/powerpoint/2010/main" val="2158968502"/>
+      </p:ext>
+    </p:extLst>
   </p:cSld>
   <p:clrMapOvr>
     <a:masterClrMapping/>
@@ -15871,10 +16510,10 @@
       </p:grpSpPr>
       <p:sp>
         <p:nvSpPr>
-          <p:cNvPr id="10242" name="Rectangle 2">
-            <a:extLst>
-              <a:ext uri="{FF2B5EF4-FFF2-40B4-BE49-F238E27FC236}">
-                <a16:creationId xmlns:a16="http://schemas.microsoft.com/office/drawing/2014/main" id="{E57E7B6D-5BBF-863C-F392-1941A18D0EAE}"/>
+          <p:cNvPr id="6146" name="Rectangle 2">
+            <a:extLst>
+              <a:ext uri="{FF2B5EF4-FFF2-40B4-BE49-F238E27FC236}">
+                <a16:creationId xmlns:a16="http://schemas.microsoft.com/office/drawing/2014/main" id="{D69E1478-1AD0-7079-2FFF-D7F32BA87FC4}"/>
               </a:ext>
             </a:extLst>
           </p:cNvPr>
@@ -15888,7 +16527,7 @@
         <p:spPr>
           <a:xfrm>
             <a:off x="609600" y="839788"/>
-            <a:ext cx="7772400" cy="608012"/>
+            <a:ext cx="7772400" cy="836612"/>
           </a:xfrm>
         </p:spPr>
         <p:txBody>
@@ -15896,18 +16535,25 @@
           <a:lstStyle/>
           <a:p>
             <a:r>
-              <a:rPr lang="en-US" altLang="en-US"/>
-              <a:t>Data Sources and Types</a:t>
+              <a:rPr lang="en-US" altLang="en-US" dirty="0"/>
+              <a:t>The Data Mart Strategy:</a:t>
+            </a:r>
+            <a:br>
+              <a:rPr lang="en-US" altLang="en-US" dirty="0"/>
+            </a:br>
+            <a:r>
+              <a:rPr lang="en-US" altLang="en-US" dirty="0"/>
+              <a:t>start with a small POC</a:t>
             </a:r>
           </a:p>
         </p:txBody>
       </p:sp>
       <p:sp>
         <p:nvSpPr>
-          <p:cNvPr id="10243" name="Rectangle 3" descr="Rectangle: Click to edit Master text styles&#13;&#10;Second level&#13;&#10;Third level&#13;&#10;Fourth level&#13;&#10;Fifth level">
-            <a:extLst>
-              <a:ext uri="{FF2B5EF4-FFF2-40B4-BE49-F238E27FC236}">
-                <a16:creationId xmlns:a16="http://schemas.microsoft.com/office/drawing/2014/main" id="{2E3B0C7A-458D-7CAB-D5D7-A1F4EDDA1B76}"/>
+          <p:cNvPr id="6147" name="Rectangle 3" descr="Rectangle: Click to edit Master text styles&#13;&#10;Second level&#13;&#10;Third level&#13;&#10;Fourth level&#13;&#10;Fifth level">
+            <a:extLst>
+              <a:ext uri="{FF2B5EF4-FFF2-40B4-BE49-F238E27FC236}">
+                <a16:creationId xmlns:a16="http://schemas.microsoft.com/office/drawing/2014/main" id="{20C7FC97-0555-99A4-5B1F-A6B7DF580B78}"/>
               </a:ext>
             </a:extLst>
           </p:cNvPr>
@@ -15924,27 +16570,58 @@
           <a:lstStyle/>
           <a:p>
             <a:r>
-              <a:rPr lang="en-US" altLang="en-US" sz="2800"/>
-              <a:t>Primarily from legacy, operational systems</a:t>
-            </a:r>
-          </a:p>
-          <a:p>
-            <a:r>
-              <a:rPr lang="en-US" altLang="en-US" sz="2800"/>
-              <a:t>Almost exclusively numerical data at the present time</a:t>
-            </a:r>
-          </a:p>
-          <a:p>
-            <a:r>
-              <a:rPr lang="en-US" altLang="en-US" sz="2800"/>
-              <a:t>External data may be included, often purchased from third-party sources</a:t>
-            </a:r>
-          </a:p>
-          <a:p>
-            <a:r>
-              <a:rPr lang="en-US" altLang="en-US" sz="2800"/>
-              <a:t>Technology exists for storing unstructured data and expect this to become more important over time</a:t>
-            </a:r>
+              <a:rPr lang="en-US" altLang="en-US" sz="2400" dirty="0"/>
+              <a:t>The most common approach</a:t>
+            </a:r>
+          </a:p>
+          <a:p>
+            <a:r>
+              <a:rPr lang="en-US" altLang="en-US" sz="2400" dirty="0"/>
+              <a:t>Begins with a </a:t>
+            </a:r>
+            <a:r>
+              <a:rPr lang="en-US" altLang="en-US" sz="2400" b="1" dirty="0">
+                <a:solidFill>
+                  <a:srgbClr val="00B050"/>
+                </a:solidFill>
+              </a:rPr>
+              <a:t>single mart </a:t>
+            </a:r>
+            <a:r>
+              <a:rPr lang="en-US" altLang="en-US" sz="2400" dirty="0"/>
+              <a:t>and architected marts are added over time for more subject areas </a:t>
+            </a:r>
+          </a:p>
+          <a:p>
+            <a:r>
+              <a:rPr lang="en-US" altLang="en-US" sz="2400" dirty="0"/>
+              <a:t>Relatively inexpensive and easy to implement</a:t>
+            </a:r>
+          </a:p>
+          <a:p>
+            <a:r>
+              <a:rPr lang="en-US" altLang="en-US" sz="2400" dirty="0"/>
+              <a:t>Can be used as a proof of concept for data warehousing</a:t>
+            </a:r>
+          </a:p>
+          <a:p>
+            <a:r>
+              <a:rPr lang="en-US" altLang="en-US" sz="2400" dirty="0"/>
+              <a:t>Can perpetuate the “silos of information” problem</a:t>
+            </a:r>
+          </a:p>
+          <a:p>
+            <a:r>
+              <a:rPr lang="en-US" altLang="en-US" sz="2400" dirty="0"/>
+              <a:t>Can postpone difficult decisions and activities</a:t>
+            </a:r>
+          </a:p>
+          <a:p>
+            <a:r>
+              <a:rPr lang="en-US" altLang="en-US" sz="2400" dirty="0"/>
+              <a:t>Requires an overall integration plan</a:t>
+            </a:r>
+            <a:endParaRPr lang="en-US" altLang="en-US" sz="2800" dirty="0"/>
           </a:p>
         </p:txBody>
       </p:sp>
@@ -15975,10 +16652,10 @@
       </p:grpSpPr>
       <p:sp>
         <p:nvSpPr>
-          <p:cNvPr id="12290" name="Rectangle 2">
-            <a:extLst>
-              <a:ext uri="{FF2B5EF4-FFF2-40B4-BE49-F238E27FC236}">
-                <a16:creationId xmlns:a16="http://schemas.microsoft.com/office/drawing/2014/main" id="{9264831F-0BC2-5801-C6F1-4ABE6AA4B7F5}"/>
+          <p:cNvPr id="8194" name="Rectangle 2">
+            <a:extLst>
+              <a:ext uri="{FF2B5EF4-FFF2-40B4-BE49-F238E27FC236}">
+                <a16:creationId xmlns:a16="http://schemas.microsoft.com/office/drawing/2014/main" id="{0CFE8489-4FB2-5A8B-9BD4-FDFC9AC34AD2}"/>
               </a:ext>
             </a:extLst>
           </p:cNvPr>
@@ -15991,8 +16668,8 @@
         </p:nvSpPr>
         <p:spPr>
           <a:xfrm>
-            <a:off x="609600" y="401638"/>
-            <a:ext cx="7772400" cy="1046162"/>
+            <a:off x="457200" y="862013"/>
+            <a:ext cx="8577263" cy="762000"/>
           </a:xfrm>
         </p:spPr>
         <p:txBody>
@@ -16000,18 +16677,18 @@
           <a:lstStyle/>
           <a:p>
             <a:r>
-              <a:rPr lang="en-US" altLang="en-US" sz="4000"/>
-              <a:t>Extraction, Transformation, and Loading (ETL) Processes</a:t>
+              <a:rPr lang="en-US" altLang="en-US"/>
+              <a:t>The Enterprise-wide Strategy</a:t>
             </a:r>
           </a:p>
         </p:txBody>
       </p:sp>
       <p:sp>
         <p:nvSpPr>
-          <p:cNvPr id="12291" name="Rectangle 3" descr="Rectangle: Click to edit Master text styles&#13;&#10;Second level&#13;&#10;Third level&#13;&#10;Fourth level&#13;&#10;Fifth level">
-            <a:extLst>
-              <a:ext uri="{FF2B5EF4-FFF2-40B4-BE49-F238E27FC236}">
-                <a16:creationId xmlns:a16="http://schemas.microsoft.com/office/drawing/2014/main" id="{242856F0-4028-E0DE-7F7D-B15BD9893EBB}"/>
+          <p:cNvPr id="8195" name="Rectangle 3" descr="Rectangle: Click to edit Master text styles&#13;&#10;Second level&#13;&#10;Third level&#13;&#10;Fourth level&#13;&#10;Fifth level">
+            <a:extLst>
+              <a:ext uri="{FF2B5EF4-FFF2-40B4-BE49-F238E27FC236}">
+                <a16:creationId xmlns:a16="http://schemas.microsoft.com/office/drawing/2014/main" id="{ED8B6D20-74D8-08B7-0DA7-A8271EF0CC1D}"/>
               </a:ext>
             </a:extLst>
           </p:cNvPr>
@@ -16027,28 +16704,71 @@
           <a:bodyPr/>
           <a:lstStyle/>
           <a:p>
-            <a:r>
-              <a:rPr lang="en-US" altLang="en-US" dirty="0"/>
-              <a:t>The “plumbing” work of data warehousing</a:t>
-            </a:r>
-          </a:p>
-          <a:p>
-            <a:r>
-              <a:rPr lang="en-US" altLang="en-US" b="1" dirty="0">
+            <a:pPr>
+              <a:lnSpc>
+                <a:spcPct val="90000"/>
+              </a:lnSpc>
+            </a:pPr>
+            <a:r>
+              <a:rPr lang="en-US" altLang="en-US" sz="2800" dirty="0"/>
+              <a:t>A comprehensive warehouse is built initially</a:t>
+            </a:r>
+          </a:p>
+          <a:p>
+            <a:pPr>
+              <a:lnSpc>
+                <a:spcPct val="90000"/>
+              </a:lnSpc>
+            </a:pPr>
+            <a:r>
+              <a:rPr lang="en-US" altLang="en-US" sz="2800" dirty="0"/>
+              <a:t>An initial dependent data mart is built using a subset of the data in the warehouse</a:t>
+            </a:r>
+          </a:p>
+          <a:p>
+            <a:pPr>
+              <a:lnSpc>
+                <a:spcPct val="90000"/>
+              </a:lnSpc>
+            </a:pPr>
+            <a:r>
+              <a:rPr lang="en-US" altLang="en-US" sz="2800" dirty="0"/>
+              <a:t>Additional data marts are built using subsets of the data in the warehouse</a:t>
+            </a:r>
+          </a:p>
+          <a:p>
+            <a:pPr>
+              <a:lnSpc>
+                <a:spcPct val="90000"/>
+              </a:lnSpc>
+            </a:pPr>
+            <a:r>
+              <a:rPr lang="en-US" altLang="en-US" sz="2800" dirty="0"/>
+              <a:t>Like all complex projects, </a:t>
+            </a:r>
+            <a:r>
+              <a:rPr lang="en-US" altLang="en-US" sz="2800" u="sng" dirty="0">
                 <a:solidFill>
                   <a:srgbClr val="0070C0"/>
                 </a:solidFill>
               </a:rPr>
-              <a:t>Data are moved from source to target data bases</a:t>
-            </a:r>
-          </a:p>
-          <a:p>
-            <a:r>
-              <a:rPr lang="en-US" altLang="en-US" dirty="0"/>
-              <a:t>A very costly, time consuming part of data warehousing</a:t>
-            </a:r>
-          </a:p>
-          <a:p>
+              <a:t>it is expensive</a:t>
+            </a:r>
+            <a:r>
+              <a:rPr lang="en-US" altLang="en-US" sz="2800" dirty="0"/>
+              <a:t>, time consuming, and prone to failure</a:t>
+            </a:r>
+          </a:p>
+          <a:p>
+            <a:pPr>
+              <a:lnSpc>
+                <a:spcPct val="90000"/>
+              </a:lnSpc>
+            </a:pPr>
+            <a:r>
+              <a:rPr lang="en-US" altLang="en-US" sz="2800" dirty="0"/>
+              <a:t>When successful, it results in an integrated, scalable warehouse</a:t>
+            </a:r>
             <a:endParaRPr lang="en-US" altLang="en-US" dirty="0"/>
           </a:p>
         </p:txBody>
@@ -16080,10 +16800,10 @@
       </p:grpSpPr>
       <p:sp>
         <p:nvSpPr>
-          <p:cNvPr id="14338" name="Rectangle 2">
-            <a:extLst>
-              <a:ext uri="{FF2B5EF4-FFF2-40B4-BE49-F238E27FC236}">
-                <a16:creationId xmlns:a16="http://schemas.microsoft.com/office/drawing/2014/main" id="{399867B3-06FA-FDCB-385C-DFEFD97C4CB6}"/>
+          <p:cNvPr id="10242" name="Rectangle 2">
+            <a:extLst>
+              <a:ext uri="{FF2B5EF4-FFF2-40B4-BE49-F238E27FC236}">
+                <a16:creationId xmlns:a16="http://schemas.microsoft.com/office/drawing/2014/main" id="{E57E7B6D-5BBF-863C-F392-1941A18D0EAE}"/>
               </a:ext>
             </a:extLst>
           </p:cNvPr>
@@ -16092,6 +16812,39 @@
           </p:cNvSpPr>
           <p:nvPr>
             <p:ph type="title"/>
+          </p:nvPr>
+        </p:nvSpPr>
+        <p:spPr>
+          <a:xfrm>
+            <a:off x="609600" y="839788"/>
+            <a:ext cx="7772400" cy="608012"/>
+          </a:xfrm>
+        </p:spPr>
+        <p:txBody>
+          <a:bodyPr/>
+          <a:lstStyle/>
+          <a:p>
+            <a:r>
+              <a:rPr lang="en-US" altLang="en-US"/>
+              <a:t>Data Sources and Types</a:t>
+            </a:r>
+          </a:p>
+        </p:txBody>
+      </p:sp>
+      <p:sp>
+        <p:nvSpPr>
+          <p:cNvPr id="10243" name="Rectangle 3" descr="Rectangle: Click to edit Master text styles&#13;&#10;Second level&#13;&#10;Third level&#13;&#10;Fourth level&#13;&#10;Fifth level">
+            <a:extLst>
+              <a:ext uri="{FF2B5EF4-FFF2-40B4-BE49-F238E27FC236}">
+                <a16:creationId xmlns:a16="http://schemas.microsoft.com/office/drawing/2014/main" id="{2E3B0C7A-458D-7CAB-D5D7-A1F4EDDA1B76}"/>
+              </a:ext>
+            </a:extLst>
+          </p:cNvPr>
+          <p:cNvSpPr>
+            <a:spLocks noGrp="1" noChangeArrowheads="1"/>
+          </p:cNvSpPr>
+          <p:nvPr>
+            <p:ph type="body" idx="1"/>
           </p:nvPr>
         </p:nvSpPr>
         <p:spPr/>
@@ -16100,55 +16853,26 @@
           <a:lstStyle/>
           <a:p>
             <a:r>
-              <a:rPr lang="en-US" altLang="en-US"/>
-              <a:t>Recent Development:</a:t>
-            </a:r>
-            <a:br>
-              <a:rPr lang="en-US" altLang="en-US"/>
-            </a:br>
-            <a:r>
-              <a:rPr lang="en-US" altLang="en-US"/>
-              <a:t>More Frequent Updates</a:t>
-            </a:r>
-          </a:p>
-        </p:txBody>
-      </p:sp>
-      <p:sp>
-        <p:nvSpPr>
-          <p:cNvPr id="14339" name="Rectangle 3" descr="Rectangle: Click to edit Master text styles&#13;&#10;Second level&#13;&#10;Third level&#13;&#10;Fourth level&#13;&#10;Fifth level">
-            <a:extLst>
-              <a:ext uri="{FF2B5EF4-FFF2-40B4-BE49-F238E27FC236}">
-                <a16:creationId xmlns:a16="http://schemas.microsoft.com/office/drawing/2014/main" id="{FC14FEAE-E59F-A695-FE49-A46AF0154925}"/>
-              </a:ext>
-            </a:extLst>
-          </p:cNvPr>
-          <p:cNvSpPr>
-            <a:spLocks noGrp="1" noChangeArrowheads="1"/>
-          </p:cNvSpPr>
-          <p:nvPr>
-            <p:ph type="body" idx="1"/>
-          </p:nvPr>
-        </p:nvSpPr>
-        <p:spPr/>
-        <p:txBody>
-          <a:bodyPr/>
-          <a:lstStyle/>
-          <a:p>
-            <a:r>
-              <a:rPr lang="en-US" altLang="en-US" dirty="0"/>
-              <a:t> Updates can be done in bulk and trickle modes</a:t>
-            </a:r>
-          </a:p>
-          <a:p>
-            <a:r>
-              <a:rPr lang="en-US" altLang="en-US" dirty="0"/>
-              <a:t> Business requirements, such as trading partner access to a Web site, requires current data</a:t>
-            </a:r>
-          </a:p>
-          <a:p>
-            <a:r>
-              <a:rPr lang="en-US" altLang="en-US" dirty="0"/>
-              <a:t> For international firms, there is no good time to load the warehouse</a:t>
+              <a:rPr lang="en-US" altLang="en-US" sz="2800" dirty="0"/>
+              <a:t>Primarily from legacy, operational systems</a:t>
+            </a:r>
+          </a:p>
+          <a:p>
+            <a:r>
+              <a:rPr lang="en-US" altLang="en-US" sz="2800" dirty="0"/>
+              <a:t>Almost exclusively numerical data at the present time</a:t>
+            </a:r>
+          </a:p>
+          <a:p>
+            <a:r>
+              <a:rPr lang="en-US" altLang="en-US" sz="2800" dirty="0"/>
+              <a:t>External data may be included, often purchased from third-party sources</a:t>
+            </a:r>
+          </a:p>
+          <a:p>
+            <a:r>
+              <a:rPr lang="en-US" altLang="en-US" sz="2800" dirty="0"/>
+              <a:t>Technology exists for storing unstructured data and expect this to become more important over time</a:t>
             </a:r>
           </a:p>
         </p:txBody>
@@ -16180,10 +16904,10 @@
       </p:grpSpPr>
       <p:sp>
         <p:nvSpPr>
-          <p:cNvPr id="18434" name="Rectangle 2">
-            <a:extLst>
-              <a:ext uri="{FF2B5EF4-FFF2-40B4-BE49-F238E27FC236}">
-                <a16:creationId xmlns:a16="http://schemas.microsoft.com/office/drawing/2014/main" id="{29EC1EF1-C10C-B688-A0C7-95E0BC131FF2}"/>
+          <p:cNvPr id="12290" name="Rectangle 2">
+            <a:extLst>
+              <a:ext uri="{FF2B5EF4-FFF2-40B4-BE49-F238E27FC236}">
+                <a16:creationId xmlns:a16="http://schemas.microsoft.com/office/drawing/2014/main" id="{9264831F-0BC2-5801-C6F1-4ABE6AA4B7F5}"/>
               </a:ext>
             </a:extLst>
           </p:cNvPr>
@@ -16196,8 +16920,8 @@
         </p:nvSpPr>
         <p:spPr>
           <a:xfrm>
-            <a:off x="609600" y="839788"/>
-            <a:ext cx="7772400" cy="608012"/>
+            <a:off x="609600" y="401638"/>
+            <a:ext cx="7772400" cy="1046162"/>
           </a:xfrm>
         </p:spPr>
         <p:txBody>
@@ -16205,18 +16929,18 @@
           <a:lstStyle/>
           <a:p>
             <a:r>
-              <a:rPr lang="en-US" altLang="en-US"/>
-              <a:t>Data Extraction</a:t>
+              <a:rPr lang="en-US" altLang="en-US" sz="4000"/>
+              <a:t>Extraction, Transformation, and Loading (ETL) Processes</a:t>
             </a:r>
           </a:p>
         </p:txBody>
       </p:sp>
       <p:sp>
         <p:nvSpPr>
-          <p:cNvPr id="18435" name="Rectangle 3" descr="Rectangle: Click to edit Master text styles&#13;&#10;Second level&#13;&#10;Third level&#13;&#10;Fourth level&#13;&#10;Fifth level">
-            <a:extLst>
-              <a:ext uri="{FF2B5EF4-FFF2-40B4-BE49-F238E27FC236}">
-                <a16:creationId xmlns:a16="http://schemas.microsoft.com/office/drawing/2014/main" id="{68A2369D-129D-6F7A-F822-DBF5C5C26082}"/>
+          <p:cNvPr id="12291" name="Rectangle 3" descr="Rectangle: Click to edit Master text styles&#13;&#10;Second level&#13;&#10;Third level&#13;&#10;Fourth level&#13;&#10;Fifth level">
+            <a:extLst>
+              <a:ext uri="{FF2B5EF4-FFF2-40B4-BE49-F238E27FC236}">
+                <a16:creationId xmlns:a16="http://schemas.microsoft.com/office/drawing/2014/main" id="{242856F0-4028-E0DE-7F7D-B15BD9893EBB}"/>
               </a:ext>
             </a:extLst>
           </p:cNvPr>
@@ -16232,64 +16956,28 @@
           <a:bodyPr/>
           <a:lstStyle/>
           <a:p>
-            <a:pPr marL="0" indent="0">
-              <a:lnSpc>
-                <a:spcPct val="90000"/>
-              </a:lnSpc>
-              <a:buNone/>
-            </a:pPr>
-            <a:r>
-              <a:rPr lang="en-US" altLang="en-US" sz="2800" dirty="0"/>
-              <a:t>Data extraction is the process of collecting and retrieving data from various sources, like </a:t>
-            </a:r>
-          </a:p>
-          <a:p>
-            <a:pPr marL="0" indent="0">
-              <a:lnSpc>
-                <a:spcPct val="90000"/>
-              </a:lnSpc>
-              <a:buNone/>
-            </a:pPr>
-            <a:r>
-              <a:rPr lang="en-US" altLang="en-US" sz="2800" dirty="0"/>
-              <a:t>-- databases, </a:t>
-            </a:r>
-          </a:p>
-          <a:p>
-            <a:pPr marL="0" indent="0">
-              <a:lnSpc>
-                <a:spcPct val="90000"/>
-              </a:lnSpc>
-              <a:buNone/>
-            </a:pPr>
-            <a:r>
-              <a:rPr lang="en-US" altLang="en-US" sz="2800" dirty="0"/>
-              <a:t>-- websites, or </a:t>
-            </a:r>
-          </a:p>
-          <a:p>
-            <a:pPr marL="0" indent="0">
-              <a:lnSpc>
-                <a:spcPct val="90000"/>
-              </a:lnSpc>
-              <a:buNone/>
-            </a:pPr>
-            <a:r>
-              <a:rPr lang="en-US" altLang="en-US" sz="2800" dirty="0"/>
-              <a:t>-- documents, </a:t>
-            </a:r>
-          </a:p>
-          <a:p>
-            <a:pPr marL="0" indent="0">
-              <a:lnSpc>
-                <a:spcPct val="90000"/>
-              </a:lnSpc>
-              <a:buNone/>
-            </a:pPr>
-            <a:r>
-              <a:rPr lang="en-US" altLang="en-US" sz="2800" dirty="0"/>
-              <a:t>and transferring it to a single location for further analysis and storage; </a:t>
-            </a:r>
+            <a:r>
+              <a:rPr lang="en-US" altLang="en-US" dirty="0"/>
+              <a:t>The “plumbing” work of data warehousing</a:t>
+            </a:r>
+          </a:p>
+          <a:p>
+            <a:r>
+              <a:rPr lang="en-US" altLang="en-US" b="1" dirty="0">
+                <a:solidFill>
+                  <a:srgbClr val="0070C0"/>
+                </a:solidFill>
+              </a:rPr>
+              <a:t>Data are moved from source to target data bases</a:t>
+            </a:r>
+          </a:p>
+          <a:p>
+            <a:r>
+              <a:rPr lang="en-US" altLang="en-US" dirty="0"/>
+              <a:t>A very costly, time consuming part of data warehousing</a:t>
+            </a:r>
+          </a:p>
+          <a:p>
             <a:endParaRPr lang="en-US" altLang="en-US" dirty="0"/>
           </a:p>
         </p:txBody>
@@ -16321,10 +17009,10 @@
       </p:grpSpPr>
       <p:sp>
         <p:nvSpPr>
-          <p:cNvPr id="20482" name="Rectangle 2">
-            <a:extLst>
-              <a:ext uri="{FF2B5EF4-FFF2-40B4-BE49-F238E27FC236}">
-                <a16:creationId xmlns:a16="http://schemas.microsoft.com/office/drawing/2014/main" id="{1110CA4F-EF72-BCFA-2CD8-33DE36AE401D}"/>
+          <p:cNvPr id="14338" name="Rectangle 2">
+            <a:extLst>
+              <a:ext uri="{FF2B5EF4-FFF2-40B4-BE49-F238E27FC236}">
+                <a16:creationId xmlns:a16="http://schemas.microsoft.com/office/drawing/2014/main" id="{399867B3-06FA-FDCB-385C-DFEFD97C4CB6}"/>
               </a:ext>
             </a:extLst>
           </p:cNvPr>
@@ -16333,39 +17021,6 @@
           </p:cNvSpPr>
           <p:nvPr>
             <p:ph type="title"/>
-          </p:nvPr>
-        </p:nvSpPr>
-        <p:spPr>
-          <a:xfrm>
-            <a:off x="609600" y="839788"/>
-            <a:ext cx="7772400" cy="608012"/>
-          </a:xfrm>
-        </p:spPr>
-        <p:txBody>
-          <a:bodyPr/>
-          <a:lstStyle/>
-          <a:p>
-            <a:r>
-              <a:rPr lang="en-US" altLang="en-US"/>
-              <a:t>Sample ETL Tools</a:t>
-            </a:r>
-          </a:p>
-        </p:txBody>
-      </p:sp>
-      <p:sp>
-        <p:nvSpPr>
-          <p:cNvPr id="20483" name="Rectangle 3" descr="Rectangle: Click to edit Master text styles&#13;&#10;Second level&#13;&#10;Third level&#13;&#10;Fourth level&#13;&#10;Fifth level">
-            <a:extLst>
-              <a:ext uri="{FF2B5EF4-FFF2-40B4-BE49-F238E27FC236}">
-                <a16:creationId xmlns:a16="http://schemas.microsoft.com/office/drawing/2014/main" id="{A4CBAC74-30B6-D29D-5F9A-CCA0A893170B}"/>
-              </a:ext>
-            </a:extLst>
-          </p:cNvPr>
-          <p:cNvSpPr>
-            <a:spLocks noGrp="1" noChangeArrowheads="1"/>
-          </p:cNvSpPr>
-          <p:nvPr>
-            <p:ph type="body" idx="1"/>
           </p:nvPr>
         </p:nvSpPr>
         <p:spPr/>
@@ -16374,40 +17029,56 @@
           <a:lstStyle/>
           <a:p>
             <a:r>
-              <a:rPr lang="en-US" altLang="en-US" sz="2800"/>
-              <a:t>Teradata Warehouse Builder from Teradata</a:t>
-            </a:r>
-          </a:p>
-          <a:p>
-            <a:r>
-              <a:rPr lang="en-US" altLang="en-US" sz="2800"/>
-              <a:t>DataStage from Ascential Software</a:t>
-            </a:r>
-          </a:p>
-          <a:p>
-            <a:r>
-              <a:rPr lang="en-US" altLang="en-US" sz="2800"/>
-              <a:t>SAS System from SAS Institute</a:t>
-            </a:r>
-          </a:p>
-          <a:p>
-            <a:r>
-              <a:rPr lang="en-US" altLang="en-US" sz="2800"/>
-              <a:t>Power Mart/Power Center from Informatica</a:t>
-            </a:r>
-          </a:p>
-          <a:p>
-            <a:r>
-              <a:rPr lang="en-US" altLang="en-US" sz="2800"/>
-              <a:t>Sagent Solution from Sagent Software</a:t>
-            </a:r>
-          </a:p>
-          <a:p>
-            <a:r>
-              <a:rPr lang="en-US" altLang="en-US" sz="2800"/>
-              <a:t>Hummingbird Genio Suite from Hummingbird Communications</a:t>
-            </a:r>
-            <a:endParaRPr lang="en-US" altLang="en-US"/>
+              <a:rPr lang="en-US" altLang="en-US"/>
+              <a:t>Recent Development:</a:t>
+            </a:r>
+            <a:br>
+              <a:rPr lang="en-US" altLang="en-US"/>
+            </a:br>
+            <a:r>
+              <a:rPr lang="en-US" altLang="en-US"/>
+              <a:t>More Frequent Updates</a:t>
+            </a:r>
+          </a:p>
+        </p:txBody>
+      </p:sp>
+      <p:sp>
+        <p:nvSpPr>
+          <p:cNvPr id="14339" name="Rectangle 3" descr="Rectangle: Click to edit Master text styles&#13;&#10;Second level&#13;&#10;Third level&#13;&#10;Fourth level&#13;&#10;Fifth level">
+            <a:extLst>
+              <a:ext uri="{FF2B5EF4-FFF2-40B4-BE49-F238E27FC236}">
+                <a16:creationId xmlns:a16="http://schemas.microsoft.com/office/drawing/2014/main" id="{FC14FEAE-E59F-A695-FE49-A46AF0154925}"/>
+              </a:ext>
+            </a:extLst>
+          </p:cNvPr>
+          <p:cNvSpPr>
+            <a:spLocks noGrp="1" noChangeArrowheads="1"/>
+          </p:cNvSpPr>
+          <p:nvPr>
+            <p:ph type="body" idx="1"/>
+          </p:nvPr>
+        </p:nvSpPr>
+        <p:spPr/>
+        <p:txBody>
+          <a:bodyPr/>
+          <a:lstStyle/>
+          <a:p>
+            <a:r>
+              <a:rPr lang="en-US" altLang="en-US" dirty="0"/>
+              <a:t> Updates can be done in bulk and trickle modes</a:t>
+            </a:r>
+          </a:p>
+          <a:p>
+            <a:r>
+              <a:rPr lang="en-US" altLang="en-US" dirty="0"/>
+              <a:t> Business requirements, such as trading partner access to a Web site, requires current data</a:t>
+            </a:r>
+          </a:p>
+          <a:p>
+            <a:r>
+              <a:rPr lang="en-US" altLang="en-US" dirty="0"/>
+              <a:t> For international firms, there is no good time to load the warehouse</a:t>
+            </a:r>
           </a:p>
         </p:txBody>
       </p:sp>
